--- a/Documentacion/Presentacion power point/ReyBoxes - Sistema de Gestión de Taller Mecánico.pptx
+++ b/Documentacion/Presentacion power point/ReyBoxes - Sistema de Gestión de Taller Mecánico.pptx
@@ -2,10 +2,11 @@
 <file path=ppt/presentation.xml><?xml version="1.0" encoding="utf-8"?>
 <p:presentation xmlns:a="http://schemas.openxmlformats.org/drawingml/2006/main" xmlns:r="http://schemas.openxmlformats.org/officeDocument/2006/relationships" xmlns:p="http://schemas.openxmlformats.org/presentationml/2006/main" saveSubsetFonts="1">
   <p:sldMasterIdLst>
-    <p:sldMasterId id="2147483648" r:id="rId1"/>
+    <p:sldMasterId id="2147483660" r:id="rId1"/>
   </p:sldMasterIdLst>
   <p:sldIdLst>
     <p:sldId id="256" r:id="rId2"/>
+    <p:sldId id="257" r:id="rId3"/>
   </p:sldIdLst>
   <p:sldSz cx="12192000" cy="6858000"/>
   <p:notesSz cx="6858000" cy="9144000"/>
@@ -134,7 +135,7 @@
           <p:cNvPr id="2" name="Título 1">
             <a:extLst>
               <a:ext uri="{FF2B5EF4-FFF2-40B4-BE49-F238E27FC236}">
-                <a16:creationId xmlns:a16="http://schemas.microsoft.com/office/drawing/2014/main" id="{59151E5B-E0E8-97FE-4F70-371BFC2B58A4}"/>
+                <a16:creationId xmlns:a16="http://schemas.microsoft.com/office/drawing/2014/main" id="{BCA0BB60-FA8F-5062-C125-C41A533B6FF8}"/>
               </a:ext>
             </a:extLst>
           </p:cNvPr>
@@ -172,7 +173,7 @@
           <p:cNvPr id="3" name="Subtítulo 2">
             <a:extLst>
               <a:ext uri="{FF2B5EF4-FFF2-40B4-BE49-F238E27FC236}">
-                <a16:creationId xmlns:a16="http://schemas.microsoft.com/office/drawing/2014/main" id="{EC832391-7783-73D1-FCD9-862250DD7988}"/>
+                <a16:creationId xmlns:a16="http://schemas.microsoft.com/office/drawing/2014/main" id="{AA644F35-9C68-3B8D-E86B-5727CD8C9FBD}"/>
               </a:ext>
             </a:extLst>
           </p:cNvPr>
@@ -243,7 +244,7 @@
           <p:cNvPr id="4" name="Marcador de fecha 3">
             <a:extLst>
               <a:ext uri="{FF2B5EF4-FFF2-40B4-BE49-F238E27FC236}">
-                <a16:creationId xmlns:a16="http://schemas.microsoft.com/office/drawing/2014/main" id="{1ED195C6-EBAA-D344-2D4D-79A3A45E0A15}"/>
+                <a16:creationId xmlns:a16="http://schemas.microsoft.com/office/drawing/2014/main" id="{FCFB250B-7FB7-D907-97E3-2D7F555945B1}"/>
               </a:ext>
             </a:extLst>
           </p:cNvPr>
@@ -261,7 +262,7 @@
           <a:p>
             <a:fld id="{5168E37E-15F7-438B-818D-F7499F12F3AC}" type="datetimeFigureOut">
               <a:rPr lang="es-ES_tradnl" smtClean="0"/>
-              <a:t>20/05/2025</a:t>
+              <a:t>21/05/2025</a:t>
             </a:fld>
             <a:endParaRPr lang="es-ES_tradnl" dirty="0"/>
           </a:p>
@@ -272,7 +273,7 @@
           <p:cNvPr id="5" name="Marcador de pie de página 4">
             <a:extLst>
               <a:ext uri="{FF2B5EF4-FFF2-40B4-BE49-F238E27FC236}">
-                <a16:creationId xmlns:a16="http://schemas.microsoft.com/office/drawing/2014/main" id="{A92F046E-C42F-94CA-7677-1DBE49037F9B}"/>
+                <a16:creationId xmlns:a16="http://schemas.microsoft.com/office/drawing/2014/main" id="{1093380C-537A-9F34-888D-DB4562236C51}"/>
               </a:ext>
             </a:extLst>
           </p:cNvPr>
@@ -297,7 +298,7 @@
           <p:cNvPr id="6" name="Marcador de número de diapositiva 5">
             <a:extLst>
               <a:ext uri="{FF2B5EF4-FFF2-40B4-BE49-F238E27FC236}">
-                <a16:creationId xmlns:a16="http://schemas.microsoft.com/office/drawing/2014/main" id="{ECE300EA-A728-21A0-F315-C5EEA56BD983}"/>
+                <a16:creationId xmlns:a16="http://schemas.microsoft.com/office/drawing/2014/main" id="{47A99F55-BF72-2B2C-9BC4-C93CD92DDE1C}"/>
               </a:ext>
             </a:extLst>
           </p:cNvPr>
@@ -324,7 +325,7 @@
     </p:spTree>
     <p:extLst>
       <p:ext uri="{BB962C8B-B14F-4D97-AF65-F5344CB8AC3E}">
-        <p14:creationId xmlns:p14="http://schemas.microsoft.com/office/powerpoint/2010/main" val="2734490130"/>
+        <p14:creationId xmlns:p14="http://schemas.microsoft.com/office/powerpoint/2010/main" val="2891237935"/>
       </p:ext>
     </p:extLst>
   </p:cSld>
@@ -356,7 +357,7 @@
           <p:cNvPr id="2" name="Título 1">
             <a:extLst>
               <a:ext uri="{FF2B5EF4-FFF2-40B4-BE49-F238E27FC236}">
-                <a16:creationId xmlns:a16="http://schemas.microsoft.com/office/drawing/2014/main" id="{A5CE342E-A771-740E-8BAE-38515FA23124}"/>
+                <a16:creationId xmlns:a16="http://schemas.microsoft.com/office/drawing/2014/main" id="{B4B22882-774F-E3E8-4D25-3150D7F4C194}"/>
               </a:ext>
             </a:extLst>
           </p:cNvPr>
@@ -385,7 +386,7 @@
           <p:cNvPr id="3" name="Marcador de texto vertical 2">
             <a:extLst>
               <a:ext uri="{FF2B5EF4-FFF2-40B4-BE49-F238E27FC236}">
-                <a16:creationId xmlns:a16="http://schemas.microsoft.com/office/drawing/2014/main" id="{7B70F116-0FE6-C34A-3516-CC9A7AB54F26}"/>
+                <a16:creationId xmlns:a16="http://schemas.microsoft.com/office/drawing/2014/main" id="{6E559BA9-DC67-81BB-861E-DF3BB7517B8A}"/>
               </a:ext>
             </a:extLst>
           </p:cNvPr>
@@ -443,7 +444,7 @@
           <p:cNvPr id="4" name="Marcador de fecha 3">
             <a:extLst>
               <a:ext uri="{FF2B5EF4-FFF2-40B4-BE49-F238E27FC236}">
-                <a16:creationId xmlns:a16="http://schemas.microsoft.com/office/drawing/2014/main" id="{76B25B81-7304-A720-7847-0527F4940A80}"/>
+                <a16:creationId xmlns:a16="http://schemas.microsoft.com/office/drawing/2014/main" id="{340A381A-B21F-A0B4-7978-5669DCAB7E0A}"/>
               </a:ext>
             </a:extLst>
           </p:cNvPr>
@@ -461,7 +462,7 @@
           <a:p>
             <a:fld id="{5168E37E-15F7-438B-818D-F7499F12F3AC}" type="datetimeFigureOut">
               <a:rPr lang="es-ES_tradnl" smtClean="0"/>
-              <a:t>20/05/2025</a:t>
+              <a:t>21/05/2025</a:t>
             </a:fld>
             <a:endParaRPr lang="es-ES_tradnl" dirty="0"/>
           </a:p>
@@ -472,7 +473,7 @@
           <p:cNvPr id="5" name="Marcador de pie de página 4">
             <a:extLst>
               <a:ext uri="{FF2B5EF4-FFF2-40B4-BE49-F238E27FC236}">
-                <a16:creationId xmlns:a16="http://schemas.microsoft.com/office/drawing/2014/main" id="{7C20ED98-7416-1369-AD51-D37EDFE0FBB4}"/>
+                <a16:creationId xmlns:a16="http://schemas.microsoft.com/office/drawing/2014/main" id="{E0EACBD6-83BA-6EFB-AF60-BB8761F7A6D7}"/>
               </a:ext>
             </a:extLst>
           </p:cNvPr>
@@ -497,7 +498,7 @@
           <p:cNvPr id="6" name="Marcador de número de diapositiva 5">
             <a:extLst>
               <a:ext uri="{FF2B5EF4-FFF2-40B4-BE49-F238E27FC236}">
-                <a16:creationId xmlns:a16="http://schemas.microsoft.com/office/drawing/2014/main" id="{9F4CB7E0-AA41-8BBC-F08D-4779189931C9}"/>
+                <a16:creationId xmlns:a16="http://schemas.microsoft.com/office/drawing/2014/main" id="{05E518CA-76AC-DA81-E3F7-454CDBE0C3EC}"/>
               </a:ext>
             </a:extLst>
           </p:cNvPr>
@@ -524,7 +525,7 @@
     </p:spTree>
     <p:extLst>
       <p:ext uri="{BB962C8B-B14F-4D97-AF65-F5344CB8AC3E}">
-        <p14:creationId xmlns:p14="http://schemas.microsoft.com/office/powerpoint/2010/main" val="3241420063"/>
+        <p14:creationId xmlns:p14="http://schemas.microsoft.com/office/powerpoint/2010/main" val="3402096016"/>
       </p:ext>
     </p:extLst>
   </p:cSld>
@@ -556,7 +557,7 @@
           <p:cNvPr id="2" name="Título vertical 1">
             <a:extLst>
               <a:ext uri="{FF2B5EF4-FFF2-40B4-BE49-F238E27FC236}">
-                <a16:creationId xmlns:a16="http://schemas.microsoft.com/office/drawing/2014/main" id="{425CF2C6-CC4E-F08E-406E-E493278473E2}"/>
+                <a16:creationId xmlns:a16="http://schemas.microsoft.com/office/drawing/2014/main" id="{0D2052EC-68DC-8E43-01F8-144B2C6BA6D1}"/>
               </a:ext>
             </a:extLst>
           </p:cNvPr>
@@ -590,7 +591,7 @@
           <p:cNvPr id="3" name="Marcador de texto vertical 2">
             <a:extLst>
               <a:ext uri="{FF2B5EF4-FFF2-40B4-BE49-F238E27FC236}">
-                <a16:creationId xmlns:a16="http://schemas.microsoft.com/office/drawing/2014/main" id="{33916F96-5334-0B44-7EEC-CD839050BB4D}"/>
+                <a16:creationId xmlns:a16="http://schemas.microsoft.com/office/drawing/2014/main" id="{28890ED5-9690-57CF-E5DF-1717BCF6E877}"/>
               </a:ext>
             </a:extLst>
           </p:cNvPr>
@@ -653,7 +654,7 @@
           <p:cNvPr id="4" name="Marcador de fecha 3">
             <a:extLst>
               <a:ext uri="{FF2B5EF4-FFF2-40B4-BE49-F238E27FC236}">
-                <a16:creationId xmlns:a16="http://schemas.microsoft.com/office/drawing/2014/main" id="{86AC2044-E6B5-08FB-4802-EF6F87277ECF}"/>
+                <a16:creationId xmlns:a16="http://schemas.microsoft.com/office/drawing/2014/main" id="{6477BBF4-2DDA-6431-BEC8-02A01AD37098}"/>
               </a:ext>
             </a:extLst>
           </p:cNvPr>
@@ -671,7 +672,7 @@
           <a:p>
             <a:fld id="{5168E37E-15F7-438B-818D-F7499F12F3AC}" type="datetimeFigureOut">
               <a:rPr lang="es-ES_tradnl" smtClean="0"/>
-              <a:t>20/05/2025</a:t>
+              <a:t>21/05/2025</a:t>
             </a:fld>
             <a:endParaRPr lang="es-ES_tradnl" dirty="0"/>
           </a:p>
@@ -682,7 +683,7 @@
           <p:cNvPr id="5" name="Marcador de pie de página 4">
             <a:extLst>
               <a:ext uri="{FF2B5EF4-FFF2-40B4-BE49-F238E27FC236}">
-                <a16:creationId xmlns:a16="http://schemas.microsoft.com/office/drawing/2014/main" id="{0B8D5E36-ABBA-1472-989D-37D958003C9C}"/>
+                <a16:creationId xmlns:a16="http://schemas.microsoft.com/office/drawing/2014/main" id="{B0610DC6-C6F1-BD40-6E12-BF825C1D6E6F}"/>
               </a:ext>
             </a:extLst>
           </p:cNvPr>
@@ -707,7 +708,7 @@
           <p:cNvPr id="6" name="Marcador de número de diapositiva 5">
             <a:extLst>
               <a:ext uri="{FF2B5EF4-FFF2-40B4-BE49-F238E27FC236}">
-                <a16:creationId xmlns:a16="http://schemas.microsoft.com/office/drawing/2014/main" id="{E00E8FBB-62EB-C3CB-1C81-52A4EC10409F}"/>
+                <a16:creationId xmlns:a16="http://schemas.microsoft.com/office/drawing/2014/main" id="{D7019968-F4B1-2366-5E4F-EB69ED1D32D7}"/>
               </a:ext>
             </a:extLst>
           </p:cNvPr>
@@ -734,7 +735,7 @@
     </p:spTree>
     <p:extLst>
       <p:ext uri="{BB962C8B-B14F-4D97-AF65-F5344CB8AC3E}">
-        <p14:creationId xmlns:p14="http://schemas.microsoft.com/office/powerpoint/2010/main" val="4165062240"/>
+        <p14:creationId xmlns:p14="http://schemas.microsoft.com/office/powerpoint/2010/main" val="1577593865"/>
       </p:ext>
     </p:extLst>
   </p:cSld>
@@ -766,7 +767,7 @@
           <p:cNvPr id="2" name="Título 1">
             <a:extLst>
               <a:ext uri="{FF2B5EF4-FFF2-40B4-BE49-F238E27FC236}">
-                <a16:creationId xmlns:a16="http://schemas.microsoft.com/office/drawing/2014/main" id="{E1ACB79A-C538-3A63-411E-BB1BE07D75DE}"/>
+                <a16:creationId xmlns:a16="http://schemas.microsoft.com/office/drawing/2014/main" id="{A8D9B9C0-02F6-0925-0017-2E64916B1F0D}"/>
               </a:ext>
             </a:extLst>
           </p:cNvPr>
@@ -795,7 +796,7 @@
           <p:cNvPr id="3" name="Marcador de contenido 2">
             <a:extLst>
               <a:ext uri="{FF2B5EF4-FFF2-40B4-BE49-F238E27FC236}">
-                <a16:creationId xmlns:a16="http://schemas.microsoft.com/office/drawing/2014/main" id="{D6CAB983-435B-74BE-4890-F44C2C48CD30}"/>
+                <a16:creationId xmlns:a16="http://schemas.microsoft.com/office/drawing/2014/main" id="{68DA7407-05F8-9CFE-A3DB-981CE5E72A3A}"/>
               </a:ext>
             </a:extLst>
           </p:cNvPr>
@@ -853,7 +854,7 @@
           <p:cNvPr id="4" name="Marcador de fecha 3">
             <a:extLst>
               <a:ext uri="{FF2B5EF4-FFF2-40B4-BE49-F238E27FC236}">
-                <a16:creationId xmlns:a16="http://schemas.microsoft.com/office/drawing/2014/main" id="{8B4FCF6A-5789-FAF6-87B8-3F7D8B4066B8}"/>
+                <a16:creationId xmlns:a16="http://schemas.microsoft.com/office/drawing/2014/main" id="{5D488942-EEF7-AEF8-08B2-40BE94FD28A5}"/>
               </a:ext>
             </a:extLst>
           </p:cNvPr>
@@ -871,7 +872,7 @@
           <a:p>
             <a:fld id="{5168E37E-15F7-438B-818D-F7499F12F3AC}" type="datetimeFigureOut">
               <a:rPr lang="es-ES_tradnl" smtClean="0"/>
-              <a:t>20/05/2025</a:t>
+              <a:t>21/05/2025</a:t>
             </a:fld>
             <a:endParaRPr lang="es-ES_tradnl" dirty="0"/>
           </a:p>
@@ -882,7 +883,7 @@
           <p:cNvPr id="5" name="Marcador de pie de página 4">
             <a:extLst>
               <a:ext uri="{FF2B5EF4-FFF2-40B4-BE49-F238E27FC236}">
-                <a16:creationId xmlns:a16="http://schemas.microsoft.com/office/drawing/2014/main" id="{1496FA64-63CC-82F1-9BA4-CD1777F38CA5}"/>
+                <a16:creationId xmlns:a16="http://schemas.microsoft.com/office/drawing/2014/main" id="{1041CB1D-3D9F-6AE8-CD53-7904C72D035D}"/>
               </a:ext>
             </a:extLst>
           </p:cNvPr>
@@ -907,7 +908,7 @@
           <p:cNvPr id="6" name="Marcador de número de diapositiva 5">
             <a:extLst>
               <a:ext uri="{FF2B5EF4-FFF2-40B4-BE49-F238E27FC236}">
-                <a16:creationId xmlns:a16="http://schemas.microsoft.com/office/drawing/2014/main" id="{09345F84-87C0-EB6E-23C1-A46E105DCED2}"/>
+                <a16:creationId xmlns:a16="http://schemas.microsoft.com/office/drawing/2014/main" id="{1CC8CA6F-228F-5CE9-02C6-97EB57290572}"/>
               </a:ext>
             </a:extLst>
           </p:cNvPr>
@@ -934,7 +935,7 @@
     </p:spTree>
     <p:extLst>
       <p:ext uri="{BB962C8B-B14F-4D97-AF65-F5344CB8AC3E}">
-        <p14:creationId xmlns:p14="http://schemas.microsoft.com/office/powerpoint/2010/main" val="638709539"/>
+        <p14:creationId xmlns:p14="http://schemas.microsoft.com/office/powerpoint/2010/main" val="3582941659"/>
       </p:ext>
     </p:extLst>
   </p:cSld>
@@ -966,7 +967,7 @@
           <p:cNvPr id="2" name="Título 1">
             <a:extLst>
               <a:ext uri="{FF2B5EF4-FFF2-40B4-BE49-F238E27FC236}">
-                <a16:creationId xmlns:a16="http://schemas.microsoft.com/office/drawing/2014/main" id="{C117BD08-8E7A-33D0-1FF2-FB7FB0C5CE73}"/>
+                <a16:creationId xmlns:a16="http://schemas.microsoft.com/office/drawing/2014/main" id="{CBB92C13-BF8E-5FAC-E611-7532A1850BA2}"/>
               </a:ext>
             </a:extLst>
           </p:cNvPr>
@@ -1004,7 +1005,7 @@
           <p:cNvPr id="3" name="Marcador de texto 2">
             <a:extLst>
               <a:ext uri="{FF2B5EF4-FFF2-40B4-BE49-F238E27FC236}">
-                <a16:creationId xmlns:a16="http://schemas.microsoft.com/office/drawing/2014/main" id="{9DFA9740-4717-62FF-60B3-300C25476589}"/>
+                <a16:creationId xmlns:a16="http://schemas.microsoft.com/office/drawing/2014/main" id="{7ACBA123-D41A-B631-1A3C-A447CAF37D75}"/>
               </a:ext>
             </a:extLst>
           </p:cNvPr>
@@ -1129,7 +1130,7 @@
           <p:cNvPr id="4" name="Marcador de fecha 3">
             <a:extLst>
               <a:ext uri="{FF2B5EF4-FFF2-40B4-BE49-F238E27FC236}">
-                <a16:creationId xmlns:a16="http://schemas.microsoft.com/office/drawing/2014/main" id="{42358C07-FA75-F29A-EA1A-5A41C861D354}"/>
+                <a16:creationId xmlns:a16="http://schemas.microsoft.com/office/drawing/2014/main" id="{B14F9BB6-4B1D-4902-4371-00CF936C0DC0}"/>
               </a:ext>
             </a:extLst>
           </p:cNvPr>
@@ -1147,7 +1148,7 @@
           <a:p>
             <a:fld id="{5168E37E-15F7-438B-818D-F7499F12F3AC}" type="datetimeFigureOut">
               <a:rPr lang="es-ES_tradnl" smtClean="0"/>
-              <a:t>20/05/2025</a:t>
+              <a:t>21/05/2025</a:t>
             </a:fld>
             <a:endParaRPr lang="es-ES_tradnl" dirty="0"/>
           </a:p>
@@ -1158,7 +1159,7 @@
           <p:cNvPr id="5" name="Marcador de pie de página 4">
             <a:extLst>
               <a:ext uri="{FF2B5EF4-FFF2-40B4-BE49-F238E27FC236}">
-                <a16:creationId xmlns:a16="http://schemas.microsoft.com/office/drawing/2014/main" id="{B484D5B2-CE4A-529C-D615-B5A7BE2C8FB1}"/>
+                <a16:creationId xmlns:a16="http://schemas.microsoft.com/office/drawing/2014/main" id="{1C30F738-BB33-BD22-A49D-97DCE97BC124}"/>
               </a:ext>
             </a:extLst>
           </p:cNvPr>
@@ -1183,7 +1184,7 @@
           <p:cNvPr id="6" name="Marcador de número de diapositiva 5">
             <a:extLst>
               <a:ext uri="{FF2B5EF4-FFF2-40B4-BE49-F238E27FC236}">
-                <a16:creationId xmlns:a16="http://schemas.microsoft.com/office/drawing/2014/main" id="{E3EE53FB-317D-078D-DA37-78B696195FD0}"/>
+                <a16:creationId xmlns:a16="http://schemas.microsoft.com/office/drawing/2014/main" id="{E207F39A-2AD0-3F59-2B61-E64FDD69B4F1}"/>
               </a:ext>
             </a:extLst>
           </p:cNvPr>
@@ -1210,7 +1211,7 @@
     </p:spTree>
     <p:extLst>
       <p:ext uri="{BB962C8B-B14F-4D97-AF65-F5344CB8AC3E}">
-        <p14:creationId xmlns:p14="http://schemas.microsoft.com/office/powerpoint/2010/main" val="3577346580"/>
+        <p14:creationId xmlns:p14="http://schemas.microsoft.com/office/powerpoint/2010/main" val="3164257696"/>
       </p:ext>
     </p:extLst>
   </p:cSld>
@@ -1242,7 +1243,7 @@
           <p:cNvPr id="2" name="Título 1">
             <a:extLst>
               <a:ext uri="{FF2B5EF4-FFF2-40B4-BE49-F238E27FC236}">
-                <a16:creationId xmlns:a16="http://schemas.microsoft.com/office/drawing/2014/main" id="{82F81D20-DE92-9BE6-6848-FE9543815E13}"/>
+                <a16:creationId xmlns:a16="http://schemas.microsoft.com/office/drawing/2014/main" id="{2C213C3F-D5F8-8D41-96ED-61D5C6238A75}"/>
               </a:ext>
             </a:extLst>
           </p:cNvPr>
@@ -1271,7 +1272,7 @@
           <p:cNvPr id="3" name="Marcador de contenido 2">
             <a:extLst>
               <a:ext uri="{FF2B5EF4-FFF2-40B4-BE49-F238E27FC236}">
-                <a16:creationId xmlns:a16="http://schemas.microsoft.com/office/drawing/2014/main" id="{244AC9BE-4576-00B9-7C83-4DE4430521EF}"/>
+                <a16:creationId xmlns:a16="http://schemas.microsoft.com/office/drawing/2014/main" id="{95FA9EB3-EEA0-E094-E816-FE2388BEC46E}"/>
               </a:ext>
             </a:extLst>
           </p:cNvPr>
@@ -1334,7 +1335,7 @@
           <p:cNvPr id="4" name="Marcador de contenido 3">
             <a:extLst>
               <a:ext uri="{FF2B5EF4-FFF2-40B4-BE49-F238E27FC236}">
-                <a16:creationId xmlns:a16="http://schemas.microsoft.com/office/drawing/2014/main" id="{0BC10903-17F5-BEC9-2A49-7956E47C152C}"/>
+                <a16:creationId xmlns:a16="http://schemas.microsoft.com/office/drawing/2014/main" id="{9B077843-12F1-F9E0-4ACB-E516B812CC90}"/>
               </a:ext>
             </a:extLst>
           </p:cNvPr>
@@ -1397,7 +1398,7 @@
           <p:cNvPr id="5" name="Marcador de fecha 4">
             <a:extLst>
               <a:ext uri="{FF2B5EF4-FFF2-40B4-BE49-F238E27FC236}">
-                <a16:creationId xmlns:a16="http://schemas.microsoft.com/office/drawing/2014/main" id="{DF31B8D7-8775-B88C-07DB-FD9276494A77}"/>
+                <a16:creationId xmlns:a16="http://schemas.microsoft.com/office/drawing/2014/main" id="{1F2F433C-63DD-8300-03A8-CCCC0F68BBE3}"/>
               </a:ext>
             </a:extLst>
           </p:cNvPr>
@@ -1415,7 +1416,7 @@
           <a:p>
             <a:fld id="{5168E37E-15F7-438B-818D-F7499F12F3AC}" type="datetimeFigureOut">
               <a:rPr lang="es-ES_tradnl" smtClean="0"/>
-              <a:t>20/05/2025</a:t>
+              <a:t>21/05/2025</a:t>
             </a:fld>
             <a:endParaRPr lang="es-ES_tradnl" dirty="0"/>
           </a:p>
@@ -1426,7 +1427,7 @@
           <p:cNvPr id="6" name="Marcador de pie de página 5">
             <a:extLst>
               <a:ext uri="{FF2B5EF4-FFF2-40B4-BE49-F238E27FC236}">
-                <a16:creationId xmlns:a16="http://schemas.microsoft.com/office/drawing/2014/main" id="{C9F0908A-B684-DA25-9A8F-FDF9B6CFAF73}"/>
+                <a16:creationId xmlns:a16="http://schemas.microsoft.com/office/drawing/2014/main" id="{6889E0A6-986B-4FCB-AC34-41D767EAB43B}"/>
               </a:ext>
             </a:extLst>
           </p:cNvPr>
@@ -1451,7 +1452,7 @@
           <p:cNvPr id="7" name="Marcador de número de diapositiva 6">
             <a:extLst>
               <a:ext uri="{FF2B5EF4-FFF2-40B4-BE49-F238E27FC236}">
-                <a16:creationId xmlns:a16="http://schemas.microsoft.com/office/drawing/2014/main" id="{C29A2015-C23E-0E02-1176-9B6C392AC570}"/>
+                <a16:creationId xmlns:a16="http://schemas.microsoft.com/office/drawing/2014/main" id="{50D4DDA7-4992-B2EE-CF78-26F8E1D3F3D8}"/>
               </a:ext>
             </a:extLst>
           </p:cNvPr>
@@ -1478,7 +1479,7 @@
     </p:spTree>
     <p:extLst>
       <p:ext uri="{BB962C8B-B14F-4D97-AF65-F5344CB8AC3E}">
-        <p14:creationId xmlns:p14="http://schemas.microsoft.com/office/powerpoint/2010/main" val="2856861901"/>
+        <p14:creationId xmlns:p14="http://schemas.microsoft.com/office/powerpoint/2010/main" val="704959539"/>
       </p:ext>
     </p:extLst>
   </p:cSld>
@@ -1510,7 +1511,7 @@
           <p:cNvPr id="2" name="Título 1">
             <a:extLst>
               <a:ext uri="{FF2B5EF4-FFF2-40B4-BE49-F238E27FC236}">
-                <a16:creationId xmlns:a16="http://schemas.microsoft.com/office/drawing/2014/main" id="{7864E08F-376B-59B4-F466-09E30FC9B272}"/>
+                <a16:creationId xmlns:a16="http://schemas.microsoft.com/office/drawing/2014/main" id="{61F35C9A-D6D9-DB9B-533C-C24313558E72}"/>
               </a:ext>
             </a:extLst>
           </p:cNvPr>
@@ -1544,7 +1545,7 @@
           <p:cNvPr id="3" name="Marcador de texto 2">
             <a:extLst>
               <a:ext uri="{FF2B5EF4-FFF2-40B4-BE49-F238E27FC236}">
-                <a16:creationId xmlns:a16="http://schemas.microsoft.com/office/drawing/2014/main" id="{CC0E6F54-D0B0-F348-794D-EE62CF0AB331}"/>
+                <a16:creationId xmlns:a16="http://schemas.microsoft.com/office/drawing/2014/main" id="{8EBBD5DC-CCF8-D485-798B-6AB5C2A0DE82}"/>
               </a:ext>
             </a:extLst>
           </p:cNvPr>
@@ -1615,7 +1616,7 @@
           <p:cNvPr id="4" name="Marcador de contenido 3">
             <a:extLst>
               <a:ext uri="{FF2B5EF4-FFF2-40B4-BE49-F238E27FC236}">
-                <a16:creationId xmlns:a16="http://schemas.microsoft.com/office/drawing/2014/main" id="{309A6DFE-D54E-75B3-2A40-FB12A5D33AE5}"/>
+                <a16:creationId xmlns:a16="http://schemas.microsoft.com/office/drawing/2014/main" id="{0571066C-45D5-022F-A6E3-5932C0375624}"/>
               </a:ext>
             </a:extLst>
           </p:cNvPr>
@@ -1678,7 +1679,7 @@
           <p:cNvPr id="5" name="Marcador de texto 4">
             <a:extLst>
               <a:ext uri="{FF2B5EF4-FFF2-40B4-BE49-F238E27FC236}">
-                <a16:creationId xmlns:a16="http://schemas.microsoft.com/office/drawing/2014/main" id="{D329DA31-834F-5477-D6A7-6CD6F3728828}"/>
+                <a16:creationId xmlns:a16="http://schemas.microsoft.com/office/drawing/2014/main" id="{B4B7F05E-BD82-5B59-AF5B-21EABE9300B0}"/>
               </a:ext>
             </a:extLst>
           </p:cNvPr>
@@ -1749,7 +1750,7 @@
           <p:cNvPr id="6" name="Marcador de contenido 5">
             <a:extLst>
               <a:ext uri="{FF2B5EF4-FFF2-40B4-BE49-F238E27FC236}">
-                <a16:creationId xmlns:a16="http://schemas.microsoft.com/office/drawing/2014/main" id="{1B186A8D-BEA5-7A1F-3B12-4B62A6EBE2EB}"/>
+                <a16:creationId xmlns:a16="http://schemas.microsoft.com/office/drawing/2014/main" id="{93DA352A-B24A-A578-16C3-A76A4C134FA0}"/>
               </a:ext>
             </a:extLst>
           </p:cNvPr>
@@ -1812,7 +1813,7 @@
           <p:cNvPr id="7" name="Marcador de fecha 6">
             <a:extLst>
               <a:ext uri="{FF2B5EF4-FFF2-40B4-BE49-F238E27FC236}">
-                <a16:creationId xmlns:a16="http://schemas.microsoft.com/office/drawing/2014/main" id="{C03D48A4-864B-4824-00EA-702244CA20C3}"/>
+                <a16:creationId xmlns:a16="http://schemas.microsoft.com/office/drawing/2014/main" id="{73E4C548-3725-3D3E-CA44-52463C24CD41}"/>
               </a:ext>
             </a:extLst>
           </p:cNvPr>
@@ -1830,7 +1831,7 @@
           <a:p>
             <a:fld id="{5168E37E-15F7-438B-818D-F7499F12F3AC}" type="datetimeFigureOut">
               <a:rPr lang="es-ES_tradnl" smtClean="0"/>
-              <a:t>20/05/2025</a:t>
+              <a:t>21/05/2025</a:t>
             </a:fld>
             <a:endParaRPr lang="es-ES_tradnl" dirty="0"/>
           </a:p>
@@ -1841,7 +1842,7 @@
           <p:cNvPr id="8" name="Marcador de pie de página 7">
             <a:extLst>
               <a:ext uri="{FF2B5EF4-FFF2-40B4-BE49-F238E27FC236}">
-                <a16:creationId xmlns:a16="http://schemas.microsoft.com/office/drawing/2014/main" id="{013FCEFF-5143-B245-662A-C75FB04198E3}"/>
+                <a16:creationId xmlns:a16="http://schemas.microsoft.com/office/drawing/2014/main" id="{F4FA89FE-04BF-7410-CB28-887B9124DAE9}"/>
               </a:ext>
             </a:extLst>
           </p:cNvPr>
@@ -1866,7 +1867,7 @@
           <p:cNvPr id="9" name="Marcador de número de diapositiva 8">
             <a:extLst>
               <a:ext uri="{FF2B5EF4-FFF2-40B4-BE49-F238E27FC236}">
-                <a16:creationId xmlns:a16="http://schemas.microsoft.com/office/drawing/2014/main" id="{54D12B99-7B35-3631-DCE4-6616D249B9EB}"/>
+                <a16:creationId xmlns:a16="http://schemas.microsoft.com/office/drawing/2014/main" id="{D49070C3-6E3C-0F1C-C57D-0662FC871D3B}"/>
               </a:ext>
             </a:extLst>
           </p:cNvPr>
@@ -1893,7 +1894,7 @@
     </p:spTree>
     <p:extLst>
       <p:ext uri="{BB962C8B-B14F-4D97-AF65-F5344CB8AC3E}">
-        <p14:creationId xmlns:p14="http://schemas.microsoft.com/office/powerpoint/2010/main" val="594634937"/>
+        <p14:creationId xmlns:p14="http://schemas.microsoft.com/office/powerpoint/2010/main" val="3259324078"/>
       </p:ext>
     </p:extLst>
   </p:cSld>
@@ -1925,7 +1926,7 @@
           <p:cNvPr id="2" name="Título 1">
             <a:extLst>
               <a:ext uri="{FF2B5EF4-FFF2-40B4-BE49-F238E27FC236}">
-                <a16:creationId xmlns:a16="http://schemas.microsoft.com/office/drawing/2014/main" id="{8DFC033D-CF2C-194A-882F-7D43D7EDF74F}"/>
+                <a16:creationId xmlns:a16="http://schemas.microsoft.com/office/drawing/2014/main" id="{4D5D79C6-FD52-787D-B7A9-BDAD4CB5D14C}"/>
               </a:ext>
             </a:extLst>
           </p:cNvPr>
@@ -1954,7 +1955,7 @@
           <p:cNvPr id="3" name="Marcador de fecha 2">
             <a:extLst>
               <a:ext uri="{FF2B5EF4-FFF2-40B4-BE49-F238E27FC236}">
-                <a16:creationId xmlns:a16="http://schemas.microsoft.com/office/drawing/2014/main" id="{4B0F85B0-42CF-7491-423E-F4323094060A}"/>
+                <a16:creationId xmlns:a16="http://schemas.microsoft.com/office/drawing/2014/main" id="{292EA502-1273-EF7E-05C2-2C50C1F97BD5}"/>
               </a:ext>
             </a:extLst>
           </p:cNvPr>
@@ -1972,7 +1973,7 @@
           <a:p>
             <a:fld id="{5168E37E-15F7-438B-818D-F7499F12F3AC}" type="datetimeFigureOut">
               <a:rPr lang="es-ES_tradnl" smtClean="0"/>
-              <a:t>20/05/2025</a:t>
+              <a:t>21/05/2025</a:t>
             </a:fld>
             <a:endParaRPr lang="es-ES_tradnl" dirty="0"/>
           </a:p>
@@ -1983,7 +1984,7 @@
           <p:cNvPr id="4" name="Marcador de pie de página 3">
             <a:extLst>
               <a:ext uri="{FF2B5EF4-FFF2-40B4-BE49-F238E27FC236}">
-                <a16:creationId xmlns:a16="http://schemas.microsoft.com/office/drawing/2014/main" id="{35B3E83D-9E3B-FA04-46BB-271BFFEE4491}"/>
+                <a16:creationId xmlns:a16="http://schemas.microsoft.com/office/drawing/2014/main" id="{ACCEFFDD-9F14-8D60-0881-E887520D1DC6}"/>
               </a:ext>
             </a:extLst>
           </p:cNvPr>
@@ -2008,7 +2009,7 @@
           <p:cNvPr id="5" name="Marcador de número de diapositiva 4">
             <a:extLst>
               <a:ext uri="{FF2B5EF4-FFF2-40B4-BE49-F238E27FC236}">
-                <a16:creationId xmlns:a16="http://schemas.microsoft.com/office/drawing/2014/main" id="{D3744009-4B32-9DE5-A884-F8749F2CA120}"/>
+                <a16:creationId xmlns:a16="http://schemas.microsoft.com/office/drawing/2014/main" id="{73E86837-8CFC-2AC3-EA84-E9917B7983E7}"/>
               </a:ext>
             </a:extLst>
           </p:cNvPr>
@@ -2035,7 +2036,7 @@
     </p:spTree>
     <p:extLst>
       <p:ext uri="{BB962C8B-B14F-4D97-AF65-F5344CB8AC3E}">
-        <p14:creationId xmlns:p14="http://schemas.microsoft.com/office/powerpoint/2010/main" val="3503413650"/>
+        <p14:creationId xmlns:p14="http://schemas.microsoft.com/office/powerpoint/2010/main" val="2074756797"/>
       </p:ext>
     </p:extLst>
   </p:cSld>
@@ -2067,7 +2068,7 @@
           <p:cNvPr id="2" name="Marcador de fecha 1">
             <a:extLst>
               <a:ext uri="{FF2B5EF4-FFF2-40B4-BE49-F238E27FC236}">
-                <a16:creationId xmlns:a16="http://schemas.microsoft.com/office/drawing/2014/main" id="{2D239E82-BFAA-D652-9BAB-11DB9F9B7E23}"/>
+                <a16:creationId xmlns:a16="http://schemas.microsoft.com/office/drawing/2014/main" id="{690B410D-E8D7-FB1E-F821-179B504640EA}"/>
               </a:ext>
             </a:extLst>
           </p:cNvPr>
@@ -2085,7 +2086,7 @@
           <a:p>
             <a:fld id="{5168E37E-15F7-438B-818D-F7499F12F3AC}" type="datetimeFigureOut">
               <a:rPr lang="es-ES_tradnl" smtClean="0"/>
-              <a:t>20/05/2025</a:t>
+              <a:t>21/05/2025</a:t>
             </a:fld>
             <a:endParaRPr lang="es-ES_tradnl" dirty="0"/>
           </a:p>
@@ -2096,7 +2097,7 @@
           <p:cNvPr id="3" name="Marcador de pie de página 2">
             <a:extLst>
               <a:ext uri="{FF2B5EF4-FFF2-40B4-BE49-F238E27FC236}">
-                <a16:creationId xmlns:a16="http://schemas.microsoft.com/office/drawing/2014/main" id="{162F7847-4F26-B6DE-8AA2-C54C4A94C233}"/>
+                <a16:creationId xmlns:a16="http://schemas.microsoft.com/office/drawing/2014/main" id="{EF4F5897-029C-E754-36F0-00880C9D2091}"/>
               </a:ext>
             </a:extLst>
           </p:cNvPr>
@@ -2121,7 +2122,7 @@
           <p:cNvPr id="4" name="Marcador de número de diapositiva 3">
             <a:extLst>
               <a:ext uri="{FF2B5EF4-FFF2-40B4-BE49-F238E27FC236}">
-                <a16:creationId xmlns:a16="http://schemas.microsoft.com/office/drawing/2014/main" id="{269A0F4D-8F5C-DA74-C9F3-31B580622CE5}"/>
+                <a16:creationId xmlns:a16="http://schemas.microsoft.com/office/drawing/2014/main" id="{A88E0771-B861-39AC-DC9C-E8F1752880C5}"/>
               </a:ext>
             </a:extLst>
           </p:cNvPr>
@@ -2148,7 +2149,7 @@
     </p:spTree>
     <p:extLst>
       <p:ext uri="{BB962C8B-B14F-4D97-AF65-F5344CB8AC3E}">
-        <p14:creationId xmlns:p14="http://schemas.microsoft.com/office/powerpoint/2010/main" val="3530177591"/>
+        <p14:creationId xmlns:p14="http://schemas.microsoft.com/office/powerpoint/2010/main" val="3962871211"/>
       </p:ext>
     </p:extLst>
   </p:cSld>
@@ -2180,7 +2181,7 @@
           <p:cNvPr id="2" name="Título 1">
             <a:extLst>
               <a:ext uri="{FF2B5EF4-FFF2-40B4-BE49-F238E27FC236}">
-                <a16:creationId xmlns:a16="http://schemas.microsoft.com/office/drawing/2014/main" id="{3AEE86DA-7C01-0231-FBD9-FFAB0138FF4F}"/>
+                <a16:creationId xmlns:a16="http://schemas.microsoft.com/office/drawing/2014/main" id="{F06B5508-256D-E2D6-2FE2-E3C92AF8DE32}"/>
               </a:ext>
             </a:extLst>
           </p:cNvPr>
@@ -2218,7 +2219,7 @@
           <p:cNvPr id="3" name="Marcador de contenido 2">
             <a:extLst>
               <a:ext uri="{FF2B5EF4-FFF2-40B4-BE49-F238E27FC236}">
-                <a16:creationId xmlns:a16="http://schemas.microsoft.com/office/drawing/2014/main" id="{B855F100-DAFA-287D-71AD-A0756AE50D95}"/>
+                <a16:creationId xmlns:a16="http://schemas.microsoft.com/office/drawing/2014/main" id="{0F9FA520-CFB0-87EE-6B0E-ED5F389C7ED7}"/>
               </a:ext>
             </a:extLst>
           </p:cNvPr>
@@ -2309,7 +2310,7 @@
           <p:cNvPr id="4" name="Marcador de texto 3">
             <a:extLst>
               <a:ext uri="{FF2B5EF4-FFF2-40B4-BE49-F238E27FC236}">
-                <a16:creationId xmlns:a16="http://schemas.microsoft.com/office/drawing/2014/main" id="{E3BF8953-6D7A-CB35-9F41-1C5950B1D674}"/>
+                <a16:creationId xmlns:a16="http://schemas.microsoft.com/office/drawing/2014/main" id="{AB304043-E659-C29F-4036-F47263814DEB}"/>
               </a:ext>
             </a:extLst>
           </p:cNvPr>
@@ -2380,7 +2381,7 @@
           <p:cNvPr id="5" name="Marcador de fecha 4">
             <a:extLst>
               <a:ext uri="{FF2B5EF4-FFF2-40B4-BE49-F238E27FC236}">
-                <a16:creationId xmlns:a16="http://schemas.microsoft.com/office/drawing/2014/main" id="{639E6E82-EA07-E41F-E623-7C52948887FE}"/>
+                <a16:creationId xmlns:a16="http://schemas.microsoft.com/office/drawing/2014/main" id="{18BE37D7-9AE8-6D0B-2A50-BE28DF78D236}"/>
               </a:ext>
             </a:extLst>
           </p:cNvPr>
@@ -2398,7 +2399,7 @@
           <a:p>
             <a:fld id="{5168E37E-15F7-438B-818D-F7499F12F3AC}" type="datetimeFigureOut">
               <a:rPr lang="es-ES_tradnl" smtClean="0"/>
-              <a:t>20/05/2025</a:t>
+              <a:t>21/05/2025</a:t>
             </a:fld>
             <a:endParaRPr lang="es-ES_tradnl" dirty="0"/>
           </a:p>
@@ -2409,7 +2410,7 @@
           <p:cNvPr id="6" name="Marcador de pie de página 5">
             <a:extLst>
               <a:ext uri="{FF2B5EF4-FFF2-40B4-BE49-F238E27FC236}">
-                <a16:creationId xmlns:a16="http://schemas.microsoft.com/office/drawing/2014/main" id="{7B173108-0D5D-BE32-D085-FA3C348102DA}"/>
+                <a16:creationId xmlns:a16="http://schemas.microsoft.com/office/drawing/2014/main" id="{914EDBD1-AD94-D7F0-E876-31A9B50984A5}"/>
               </a:ext>
             </a:extLst>
           </p:cNvPr>
@@ -2434,7 +2435,7 @@
           <p:cNvPr id="7" name="Marcador de número de diapositiva 6">
             <a:extLst>
               <a:ext uri="{FF2B5EF4-FFF2-40B4-BE49-F238E27FC236}">
-                <a16:creationId xmlns:a16="http://schemas.microsoft.com/office/drawing/2014/main" id="{D9AB5A2C-E9E9-C15F-692B-3DD8C87821D9}"/>
+                <a16:creationId xmlns:a16="http://schemas.microsoft.com/office/drawing/2014/main" id="{6C7DE186-DB7F-57D0-4077-BFCE4EC82564}"/>
               </a:ext>
             </a:extLst>
           </p:cNvPr>
@@ -2461,7 +2462,7 @@
     </p:spTree>
     <p:extLst>
       <p:ext uri="{BB962C8B-B14F-4D97-AF65-F5344CB8AC3E}">
-        <p14:creationId xmlns:p14="http://schemas.microsoft.com/office/powerpoint/2010/main" val="738615488"/>
+        <p14:creationId xmlns:p14="http://schemas.microsoft.com/office/powerpoint/2010/main" val="66678178"/>
       </p:ext>
     </p:extLst>
   </p:cSld>
@@ -2493,7 +2494,7 @@
           <p:cNvPr id="2" name="Título 1">
             <a:extLst>
               <a:ext uri="{FF2B5EF4-FFF2-40B4-BE49-F238E27FC236}">
-                <a16:creationId xmlns:a16="http://schemas.microsoft.com/office/drawing/2014/main" id="{B3CED2AC-F593-1ADC-ECEA-3C323E2F8EE3}"/>
+                <a16:creationId xmlns:a16="http://schemas.microsoft.com/office/drawing/2014/main" id="{76277B00-2F44-7EDB-4C0C-24FA57CED747}"/>
               </a:ext>
             </a:extLst>
           </p:cNvPr>
@@ -2531,7 +2532,7 @@
           <p:cNvPr id="3" name="Marcador de posición de imagen 2">
             <a:extLst>
               <a:ext uri="{FF2B5EF4-FFF2-40B4-BE49-F238E27FC236}">
-                <a16:creationId xmlns:a16="http://schemas.microsoft.com/office/drawing/2014/main" id="{04BAA798-B491-DAC2-ACE0-830E1FD127B6}"/>
+                <a16:creationId xmlns:a16="http://schemas.microsoft.com/office/drawing/2014/main" id="{45A8CF14-FCC9-BD62-CBCF-C8A24A9A3117}"/>
               </a:ext>
             </a:extLst>
           </p:cNvPr>
@@ -2598,7 +2599,7 @@
           <p:cNvPr id="4" name="Marcador de texto 3">
             <a:extLst>
               <a:ext uri="{FF2B5EF4-FFF2-40B4-BE49-F238E27FC236}">
-                <a16:creationId xmlns:a16="http://schemas.microsoft.com/office/drawing/2014/main" id="{4AAECBA6-15F2-BD4B-63DF-A9B401EE785D}"/>
+                <a16:creationId xmlns:a16="http://schemas.microsoft.com/office/drawing/2014/main" id="{823425BF-BA47-CE4E-7CFF-508E222EB7CB}"/>
               </a:ext>
             </a:extLst>
           </p:cNvPr>
@@ -2669,7 +2670,7 @@
           <p:cNvPr id="5" name="Marcador de fecha 4">
             <a:extLst>
               <a:ext uri="{FF2B5EF4-FFF2-40B4-BE49-F238E27FC236}">
-                <a16:creationId xmlns:a16="http://schemas.microsoft.com/office/drawing/2014/main" id="{D15C8FD3-07C1-3AAE-0107-EFB744902596}"/>
+                <a16:creationId xmlns:a16="http://schemas.microsoft.com/office/drawing/2014/main" id="{45E87245-81FC-5F60-77EF-BD8BB698387C}"/>
               </a:ext>
             </a:extLst>
           </p:cNvPr>
@@ -2687,7 +2688,7 @@
           <a:p>
             <a:fld id="{5168E37E-15F7-438B-818D-F7499F12F3AC}" type="datetimeFigureOut">
               <a:rPr lang="es-ES_tradnl" smtClean="0"/>
-              <a:t>20/05/2025</a:t>
+              <a:t>21/05/2025</a:t>
             </a:fld>
             <a:endParaRPr lang="es-ES_tradnl" dirty="0"/>
           </a:p>
@@ -2698,7 +2699,7 @@
           <p:cNvPr id="6" name="Marcador de pie de página 5">
             <a:extLst>
               <a:ext uri="{FF2B5EF4-FFF2-40B4-BE49-F238E27FC236}">
-                <a16:creationId xmlns:a16="http://schemas.microsoft.com/office/drawing/2014/main" id="{BE3D7CF0-4478-1210-40FE-85203003B84E}"/>
+                <a16:creationId xmlns:a16="http://schemas.microsoft.com/office/drawing/2014/main" id="{B7E0BF1B-D487-8677-7FF6-124A7B3ACFD4}"/>
               </a:ext>
             </a:extLst>
           </p:cNvPr>
@@ -2723,7 +2724,7 @@
           <p:cNvPr id="7" name="Marcador de número de diapositiva 6">
             <a:extLst>
               <a:ext uri="{FF2B5EF4-FFF2-40B4-BE49-F238E27FC236}">
-                <a16:creationId xmlns:a16="http://schemas.microsoft.com/office/drawing/2014/main" id="{1E53F851-8468-EE76-8906-3F661C88E470}"/>
+                <a16:creationId xmlns:a16="http://schemas.microsoft.com/office/drawing/2014/main" id="{B6499D79-2583-CFDF-0CF9-E8598951686C}"/>
               </a:ext>
             </a:extLst>
           </p:cNvPr>
@@ -2750,7 +2751,7 @@
     </p:spTree>
     <p:extLst>
       <p:ext uri="{BB962C8B-B14F-4D97-AF65-F5344CB8AC3E}">
-        <p14:creationId xmlns:p14="http://schemas.microsoft.com/office/powerpoint/2010/main" val="3096759678"/>
+        <p14:creationId xmlns:p14="http://schemas.microsoft.com/office/powerpoint/2010/main" val="4142855272"/>
       </p:ext>
     </p:extLst>
   </p:cSld>
@@ -2787,7 +2788,7 @@
           <p:cNvPr id="2" name="Marcador de título 1">
             <a:extLst>
               <a:ext uri="{FF2B5EF4-FFF2-40B4-BE49-F238E27FC236}">
-                <a16:creationId xmlns:a16="http://schemas.microsoft.com/office/drawing/2014/main" id="{1B9511F2-768D-3151-6CB2-185DBD525A5B}"/>
+                <a16:creationId xmlns:a16="http://schemas.microsoft.com/office/drawing/2014/main" id="{BD600DEE-8520-E972-383F-521B3E90F52C}"/>
               </a:ext>
             </a:extLst>
           </p:cNvPr>
@@ -2826,7 +2827,7 @@
           <p:cNvPr id="3" name="Marcador de texto 2">
             <a:extLst>
               <a:ext uri="{FF2B5EF4-FFF2-40B4-BE49-F238E27FC236}">
-                <a16:creationId xmlns:a16="http://schemas.microsoft.com/office/drawing/2014/main" id="{1E15CCC6-3490-E1A4-8171-9A16FAE2581B}"/>
+                <a16:creationId xmlns:a16="http://schemas.microsoft.com/office/drawing/2014/main" id="{EDD8503A-AEB2-63E7-537A-A96434F4B5EF}"/>
               </a:ext>
             </a:extLst>
           </p:cNvPr>
@@ -2894,7 +2895,7 @@
           <p:cNvPr id="4" name="Marcador de fecha 3">
             <a:extLst>
               <a:ext uri="{FF2B5EF4-FFF2-40B4-BE49-F238E27FC236}">
-                <a16:creationId xmlns:a16="http://schemas.microsoft.com/office/drawing/2014/main" id="{8D045CF2-18C8-16C6-893B-4A11C46538A3}"/>
+                <a16:creationId xmlns:a16="http://schemas.microsoft.com/office/drawing/2014/main" id="{19826989-E39E-E55A-08A2-B71868D59C27}"/>
               </a:ext>
             </a:extLst>
           </p:cNvPr>
@@ -2930,7 +2931,7 @@
           <a:p>
             <a:fld id="{5168E37E-15F7-438B-818D-F7499F12F3AC}" type="datetimeFigureOut">
               <a:rPr lang="es-ES_tradnl" smtClean="0"/>
-              <a:t>20/05/2025</a:t>
+              <a:t>21/05/2025</a:t>
             </a:fld>
             <a:endParaRPr lang="es-ES_tradnl" dirty="0"/>
           </a:p>
@@ -2941,7 +2942,7 @@
           <p:cNvPr id="5" name="Marcador de pie de página 4">
             <a:extLst>
               <a:ext uri="{FF2B5EF4-FFF2-40B4-BE49-F238E27FC236}">
-                <a16:creationId xmlns:a16="http://schemas.microsoft.com/office/drawing/2014/main" id="{8042ECAE-D51D-F449-95A4-9B6517CC4A5C}"/>
+                <a16:creationId xmlns:a16="http://schemas.microsoft.com/office/drawing/2014/main" id="{74D0AA52-B935-1AD7-0F7B-00AA1C8670D5}"/>
               </a:ext>
             </a:extLst>
           </p:cNvPr>
@@ -2984,7 +2985,7 @@
           <p:cNvPr id="6" name="Marcador de número de diapositiva 5">
             <a:extLst>
               <a:ext uri="{FF2B5EF4-FFF2-40B4-BE49-F238E27FC236}">
-                <a16:creationId xmlns:a16="http://schemas.microsoft.com/office/drawing/2014/main" id="{6F40B7D4-F4E8-5A8C-478F-FF531BE8A418}"/>
+                <a16:creationId xmlns:a16="http://schemas.microsoft.com/office/drawing/2014/main" id="{195E830C-FCC6-832D-4269-FED310E282CF}"/>
               </a:ext>
             </a:extLst>
           </p:cNvPr>
@@ -3029,23 +3030,23 @@
     </p:spTree>
     <p:extLst>
       <p:ext uri="{BB962C8B-B14F-4D97-AF65-F5344CB8AC3E}">
-        <p14:creationId xmlns:p14="http://schemas.microsoft.com/office/powerpoint/2010/main" val="3027338824"/>
+        <p14:creationId xmlns:p14="http://schemas.microsoft.com/office/powerpoint/2010/main" val="2431139887"/>
       </p:ext>
     </p:extLst>
   </p:cSld>
   <p:clrMap bg1="lt1" tx1="dk1" bg2="lt2" tx2="dk2" accent1="accent1" accent2="accent2" accent3="accent3" accent4="accent4" accent5="accent5" accent6="accent6" hlink="hlink" folHlink="folHlink"/>
   <p:sldLayoutIdLst>
-    <p:sldLayoutId id="2147483649" r:id="rId1"/>
-    <p:sldLayoutId id="2147483650" r:id="rId2"/>
-    <p:sldLayoutId id="2147483651" r:id="rId3"/>
-    <p:sldLayoutId id="2147483652" r:id="rId4"/>
-    <p:sldLayoutId id="2147483653" r:id="rId5"/>
-    <p:sldLayoutId id="2147483654" r:id="rId6"/>
-    <p:sldLayoutId id="2147483655" r:id="rId7"/>
-    <p:sldLayoutId id="2147483656" r:id="rId8"/>
-    <p:sldLayoutId id="2147483657" r:id="rId9"/>
-    <p:sldLayoutId id="2147483658" r:id="rId10"/>
-    <p:sldLayoutId id="2147483659" r:id="rId11"/>
+    <p:sldLayoutId id="2147483661" r:id="rId1"/>
+    <p:sldLayoutId id="2147483662" r:id="rId2"/>
+    <p:sldLayoutId id="2147483663" r:id="rId3"/>
+    <p:sldLayoutId id="2147483664" r:id="rId4"/>
+    <p:sldLayoutId id="2147483665" r:id="rId5"/>
+    <p:sldLayoutId id="2147483666" r:id="rId6"/>
+    <p:sldLayoutId id="2147483667" r:id="rId7"/>
+    <p:sldLayoutId id="2147483668" r:id="rId8"/>
+    <p:sldLayoutId id="2147483669" r:id="rId9"/>
+    <p:sldLayoutId id="2147483670" r:id="rId10"/>
+    <p:sldLayoutId id="2147483671" r:id="rId11"/>
   </p:sldLayoutIdLst>
   <p:txStyles>
     <p:titleStyle>
@@ -3363,6 +3364,7 @@
         </p:nvPicPr>
         <p:blipFill>
           <a:blip r:embed="rId2">
+            <a:alphaModFix amt="50000"/>
             <a:extLst>
               <a:ext uri="{28A0092B-C50C-407E-A947-70E740481C1C}">
                 <a14:useLocalDpi xmlns:a14="http://schemas.microsoft.com/office/drawing/2010/main" val="0"/>
@@ -3381,6 +3383,9 @@
           <a:prstGeom prst="rect">
             <a:avLst/>
           </a:prstGeom>
+          <a:effectLst>
+            <a:reflection stA="45000" endPos="65000" dist="50800" dir="5400000" sy="-100000" algn="bl" rotWithShape="0"/>
+          </a:effectLst>
         </p:spPr>
       </p:pic>
       <p:sp>
@@ -3404,6 +3409,7 @@
             <a:off x="1524000" y="216590"/>
             <a:ext cx="9144000" cy="2387600"/>
           </a:xfrm>
+          <a:effectLst/>
         </p:spPr>
         <p:txBody>
           <a:bodyPr>
@@ -3416,6 +3422,13 @@
                 <a:solidFill>
                   <a:srgbClr val="454545"/>
                 </a:solidFill>
+                <a:effectLst>
+                  <a:outerShdw blurRad="50800" dist="38100" dir="5400000" algn="t" rotWithShape="0">
+                    <a:prstClr val="black">
+                      <a:alpha val="40000"/>
+                    </a:prstClr>
+                  </a:outerShdw>
+                </a:effectLst>
                 <a:latin typeface="Montserrat" pitchFamily="2" charset="0"/>
               </a:rPr>
               <a:t>Rey</a:t>
@@ -3425,28 +3438,63 @@
                 <a:solidFill>
                   <a:srgbClr val="EA1B26"/>
                 </a:solidFill>
+                <a:effectLst>
+                  <a:outerShdw blurRad="50800" dist="38100" dir="5400000" algn="t" rotWithShape="0">
+                    <a:prstClr val="black">
+                      <a:alpha val="40000"/>
+                    </a:prstClr>
+                  </a:outerShdw>
+                </a:effectLst>
                 <a:latin typeface="Montserrat" pitchFamily="2" charset="0"/>
               </a:rPr>
               <a:t>Boxes</a:t>
             </a:r>
             <a:r>
               <a:rPr lang="es-ES" b="1" i="1" dirty="0">
+                <a:effectLst>
+                  <a:outerShdw blurRad="50800" dist="38100" dir="5400000" algn="t" rotWithShape="0">
+                    <a:prstClr val="black">
+                      <a:alpha val="40000"/>
+                    </a:prstClr>
+                  </a:outerShdw>
+                </a:effectLst>
                 <a:latin typeface="Montserrat" pitchFamily="2" charset="0"/>
               </a:rPr>
               <a:t>  </a:t>
             </a:r>
             <a:br>
               <a:rPr lang="es-ES" b="1" i="1" dirty="0">
+                <a:effectLst>
+                  <a:outerShdw blurRad="50800" dist="38100" dir="5400000" algn="t" rotWithShape="0">
+                    <a:prstClr val="black">
+                      <a:alpha val="40000"/>
+                    </a:prstClr>
+                  </a:outerShdw>
+                </a:effectLst>
                 <a:latin typeface="Montserrat" pitchFamily="2" charset="0"/>
               </a:rPr>
             </a:br>
             <a:r>
-              <a:rPr lang="es-ES" sz="4400" b="1" i="1" dirty="0">
+              <a:rPr lang="es-ES" sz="4400" dirty="0">
+                <a:effectLst>
+                  <a:outerShdw blurRad="50800" dist="38100" dir="5400000" algn="t" rotWithShape="0">
+                    <a:prstClr val="black">
+                      <a:alpha val="40000"/>
+                    </a:prstClr>
+                  </a:outerShdw>
+                </a:effectLst>
                 <a:latin typeface="Montserrat" pitchFamily="2" charset="0"/>
               </a:rPr>
               <a:t>Sistema de Gestión de Taller Mecánico</a:t>
             </a:r>
-            <a:endParaRPr lang="es-ES_tradnl" sz="4400" b="1" i="1" dirty="0">
+            <a:endParaRPr lang="es-ES_tradnl" sz="4400" dirty="0">
+              <a:effectLst>
+                <a:outerShdw blurRad="50800" dist="38100" dir="5400000" algn="t" rotWithShape="0">
+                  <a:prstClr val="black">
+                    <a:alpha val="40000"/>
+                  </a:prstClr>
+                </a:outerShdw>
+              </a:effectLst>
               <a:latin typeface="Montserrat" pitchFamily="2" charset="0"/>
             </a:endParaRPr>
           </a:p>
@@ -3470,18 +3518,34 @@
         </p:nvSpPr>
         <p:spPr>
           <a:xfrm>
-            <a:off x="8517148" y="4661331"/>
-            <a:ext cx="3513826" cy="1655762"/>
+            <a:off x="8517148" y="4192438"/>
+            <a:ext cx="3513826" cy="2124655"/>
           </a:xfrm>
         </p:spPr>
         <p:txBody>
           <a:bodyPr>
-            <a:normAutofit fontScale="92500" lnSpcReduction="10000"/>
+            <a:normAutofit fontScale="85000" lnSpcReduction="20000"/>
           </a:bodyPr>
           <a:lstStyle/>
           <a:p>
-            <a:r>
-              <a:rPr lang="es-ES" dirty="0">
+            <a:pPr algn="just"/>
+            <a:r>
+              <a:rPr lang="es-ES_tradnl" dirty="0"/>
+              <a:t>Presentado por:</a:t>
+            </a:r>
+          </a:p>
+          <a:p>
+            <a:pPr algn="just"/>
+            <a:endParaRPr lang="es-ES" dirty="0">
+              <a:latin typeface="Open Sans" pitchFamily="2" charset="0"/>
+              <a:ea typeface="Open Sans" pitchFamily="2" charset="0"/>
+              <a:cs typeface="Open Sans" pitchFamily="2" charset="0"/>
+            </a:endParaRPr>
+          </a:p>
+          <a:p>
+            <a:pPr algn="just"/>
+            <a:r>
+              <a:rPr lang="es-ES" b="1" i="1" dirty="0">
                 <a:latin typeface="Open Sans" pitchFamily="2" charset="0"/>
                 <a:ea typeface="Open Sans" pitchFamily="2" charset="0"/>
                 <a:cs typeface="Open Sans" pitchFamily="2" charset="0"/>
@@ -3490,6 +3554,7 @@
             </a:r>
           </a:p>
           <a:p>
+            <a:pPr algn="just"/>
             <a:r>
               <a:rPr lang="es-ES" dirty="0">
                 <a:latin typeface="Open Sans" pitchFamily="2" charset="0"/>
@@ -3500,6 +3565,7 @@
             </a:r>
           </a:p>
           <a:p>
+            <a:pPr algn="just"/>
             <a:endParaRPr lang="es-ES" dirty="0">
               <a:latin typeface="Open Sans" pitchFamily="2" charset="0"/>
               <a:ea typeface="Open Sans" pitchFamily="2" charset="0"/>
@@ -3507,6 +3573,7 @@
             </a:endParaRPr>
           </a:p>
           <a:p>
+            <a:pPr algn="just"/>
             <a:r>
               <a:rPr lang="es-ES" dirty="0">
                 <a:latin typeface="Open Sans" pitchFamily="2" charset="0"/>
@@ -3592,6 +3659,801 @@
   <p:clrMapOvr>
     <a:masterClrMapping/>
   </p:clrMapOvr>
+  <mc:AlternateContent xmlns:mc="http://schemas.openxmlformats.org/markup-compatibility/2006">
+    <mc:Choice xmlns:p14="http://schemas.microsoft.com/office/powerpoint/2010/main" Requires="p14">
+      <p:transition spd="slow" p14:dur="900">
+        <p14:warp dir="in"/>
+      </p:transition>
+    </mc:Choice>
+    <mc:Fallback>
+      <p:transition spd="slow">
+        <p:fade/>
+      </p:transition>
+    </mc:Fallback>
+  </mc:AlternateContent>
+</p:sld>
+</file>
+
+<file path=ppt/slides/slide2.xml><?xml version="1.0" encoding="utf-8"?>
+<p:sld xmlns:a="http://schemas.openxmlformats.org/drawingml/2006/main" xmlns:r="http://schemas.openxmlformats.org/officeDocument/2006/relationships" xmlns:p="http://schemas.openxmlformats.org/presentationml/2006/main">
+  <p:cSld>
+    <p:spTree>
+      <p:nvGrpSpPr>
+        <p:cNvPr id="1" name=""/>
+        <p:cNvGrpSpPr/>
+        <p:nvPr/>
+      </p:nvGrpSpPr>
+      <p:grpSpPr>
+        <a:xfrm>
+          <a:off x="0" y="0"/>
+          <a:ext cx="0" cy="0"/>
+          <a:chOff x="0" y="0"/>
+          <a:chExt cx="0" cy="0"/>
+        </a:xfrm>
+      </p:grpSpPr>
+      <p:pic>
+        <p:nvPicPr>
+          <p:cNvPr id="3" name="Imagen 2" descr="Imagen que contiene Forma&#10;&#10;El contenido generado por IA puede ser incorrecto.">
+            <a:extLst>
+              <a:ext uri="{FF2B5EF4-FFF2-40B4-BE49-F238E27FC236}">
+                <a16:creationId xmlns:a16="http://schemas.microsoft.com/office/drawing/2014/main" id="{485EC8C7-44DC-716D-54AE-494E588C3F2E}"/>
+              </a:ext>
+            </a:extLst>
+          </p:cNvPr>
+          <p:cNvPicPr>
+            <a:picLocks noChangeAspect="1"/>
+          </p:cNvPicPr>
+          <p:nvPr/>
+        </p:nvPicPr>
+        <p:blipFill>
+          <a:blip r:embed="rId2">
+            <a:extLst>
+              <a:ext uri="{28A0092B-C50C-407E-A947-70E740481C1C}">
+                <a14:useLocalDpi xmlns:a14="http://schemas.microsoft.com/office/drawing/2010/main" val="0"/>
+              </a:ext>
+            </a:extLst>
+          </a:blip>
+          <a:stretch>
+            <a:fillRect/>
+          </a:stretch>
+        </p:blipFill>
+        <p:spPr>
+          <a:xfrm>
+            <a:off x="-10171" y="0"/>
+            <a:ext cx="12192000" cy="7178293"/>
+          </a:xfrm>
+          <a:prstGeom prst="rect">
+            <a:avLst/>
+          </a:prstGeom>
+        </p:spPr>
+      </p:pic>
+      <p:sp>
+        <p:nvSpPr>
+          <p:cNvPr id="4" name="CuadroTexto 3">
+            <a:extLst>
+              <a:ext uri="{FF2B5EF4-FFF2-40B4-BE49-F238E27FC236}">
+                <a16:creationId xmlns:a16="http://schemas.microsoft.com/office/drawing/2014/main" id="{286B1FC5-374F-A335-A7A5-74A524B63A2A}"/>
+              </a:ext>
+            </a:extLst>
+          </p:cNvPr>
+          <p:cNvSpPr txBox="1"/>
+          <p:nvPr/>
+        </p:nvSpPr>
+        <p:spPr>
+          <a:xfrm>
+            <a:off x="862441" y="289246"/>
+            <a:ext cx="1537600" cy="584775"/>
+          </a:xfrm>
+          <a:prstGeom prst="rect">
+            <a:avLst/>
+          </a:prstGeom>
+          <a:noFill/>
+        </p:spPr>
+        <p:txBody>
+          <a:bodyPr wrap="none" rtlCol="0">
+            <a:spAutoFit/>
+          </a:bodyPr>
+          <a:lstStyle/>
+          <a:p>
+            <a:pPr algn="ctr"/>
+            <a:r>
+              <a:rPr lang="es-ES" sz="3200" i="1" dirty="0">
+                <a:solidFill>
+                  <a:srgbClr val="FF0000"/>
+                </a:solidFill>
+                <a:latin typeface="Montserrat" pitchFamily="2" charset="0"/>
+                <a:ea typeface="Open Sans" pitchFamily="2" charset="0"/>
+                <a:cs typeface="Open Sans" pitchFamily="2" charset="0"/>
+              </a:rPr>
+              <a:t>Índice</a:t>
+            </a:r>
+            <a:r>
+              <a:rPr lang="es-ES" sz="3200" dirty="0">
+                <a:solidFill>
+                  <a:srgbClr val="FF0000"/>
+                </a:solidFill>
+                <a:latin typeface="Montserrat" pitchFamily="2" charset="0"/>
+                <a:ea typeface="Open Sans" pitchFamily="2" charset="0"/>
+                <a:cs typeface="Open Sans" pitchFamily="2" charset="0"/>
+              </a:rPr>
+              <a:t>:</a:t>
+            </a:r>
+            <a:endParaRPr lang="es-ES_tradnl" sz="3200" dirty="0">
+              <a:solidFill>
+                <a:srgbClr val="FF0000"/>
+              </a:solidFill>
+              <a:latin typeface="Montserrat" pitchFamily="2" charset="0"/>
+              <a:ea typeface="Open Sans" pitchFamily="2" charset="0"/>
+              <a:cs typeface="Open Sans" pitchFamily="2" charset="0"/>
+            </a:endParaRPr>
+          </a:p>
+        </p:txBody>
+      </p:sp>
+      <p:sp>
+        <p:nvSpPr>
+          <p:cNvPr id="11" name="CuadroTexto 10">
+            <a:extLst>
+              <a:ext uri="{FF2B5EF4-FFF2-40B4-BE49-F238E27FC236}">
+                <a16:creationId xmlns:a16="http://schemas.microsoft.com/office/drawing/2014/main" id="{2924BCFA-EF65-663B-FFE7-9A0ED7CFCF2D}"/>
+              </a:ext>
+            </a:extLst>
+          </p:cNvPr>
+          <p:cNvSpPr txBox="1"/>
+          <p:nvPr/>
+        </p:nvSpPr>
+        <p:spPr>
+          <a:xfrm>
+            <a:off x="3177800" y="1500880"/>
+            <a:ext cx="4095993" cy="461665"/>
+          </a:xfrm>
+          <a:prstGeom prst="rect">
+            <a:avLst/>
+          </a:prstGeom>
+          <a:noFill/>
+        </p:spPr>
+        <p:txBody>
+          <a:bodyPr wrap="none" rtlCol="0" anchor="ctr">
+            <a:spAutoFit/>
+          </a:bodyPr>
+          <a:lstStyle/>
+          <a:p>
+            <a:r>
+              <a:rPr lang="es-ES" sz="2400" dirty="0">
+                <a:solidFill>
+                  <a:srgbClr val="FF0000"/>
+                </a:solidFill>
+                <a:latin typeface="Open Sans" pitchFamily="2" charset="0"/>
+                <a:ea typeface="Open Sans" pitchFamily="2" charset="0"/>
+                <a:cs typeface="Open Sans" pitchFamily="2" charset="0"/>
+              </a:rPr>
+              <a:t>1.</a:t>
+            </a:r>
+            <a:r>
+              <a:rPr lang="es-ES" sz="2400" dirty="0">
+                <a:latin typeface="Open Sans" pitchFamily="2" charset="0"/>
+                <a:ea typeface="Open Sans" pitchFamily="2" charset="0"/>
+                <a:cs typeface="Open Sans" pitchFamily="2" charset="0"/>
+              </a:rPr>
+              <a:t>  Introducción al proyecto</a:t>
+            </a:r>
+            <a:endParaRPr lang="es-ES_tradnl" sz="2400" dirty="0">
+              <a:latin typeface="Open Sans" pitchFamily="2" charset="0"/>
+              <a:ea typeface="Open Sans" pitchFamily="2" charset="0"/>
+              <a:cs typeface="Open Sans" pitchFamily="2" charset="0"/>
+            </a:endParaRPr>
+          </a:p>
+        </p:txBody>
+      </p:sp>
+      <p:sp>
+        <p:nvSpPr>
+          <p:cNvPr id="12" name="CuadroTexto 11">
+            <a:extLst>
+              <a:ext uri="{FF2B5EF4-FFF2-40B4-BE49-F238E27FC236}">
+                <a16:creationId xmlns:a16="http://schemas.microsoft.com/office/drawing/2014/main" id="{25E968A7-1796-E277-12A2-9ED7C2AD3F67}"/>
+              </a:ext>
+            </a:extLst>
+          </p:cNvPr>
+          <p:cNvSpPr txBox="1"/>
+          <p:nvPr/>
+        </p:nvSpPr>
+        <p:spPr>
+          <a:xfrm>
+            <a:off x="3708526" y="1966014"/>
+            <a:ext cx="1949573" cy="461665"/>
+          </a:xfrm>
+          <a:prstGeom prst="rect">
+            <a:avLst/>
+          </a:prstGeom>
+          <a:noFill/>
+        </p:spPr>
+        <p:txBody>
+          <a:bodyPr wrap="none" rtlCol="0" anchor="ctr">
+            <a:spAutoFit/>
+          </a:bodyPr>
+          <a:lstStyle/>
+          <a:p>
+            <a:r>
+              <a:rPr lang="es-ES" sz="2400" dirty="0">
+                <a:solidFill>
+                  <a:srgbClr val="FF0000"/>
+                </a:solidFill>
+                <a:latin typeface="Open Sans" pitchFamily="2" charset="0"/>
+                <a:ea typeface="Open Sans" pitchFamily="2" charset="0"/>
+                <a:cs typeface="Open Sans" pitchFamily="2" charset="0"/>
+              </a:rPr>
+              <a:t>2.</a:t>
+            </a:r>
+            <a:r>
+              <a:rPr lang="es-ES" sz="2400" dirty="0">
+                <a:latin typeface="Open Sans" pitchFamily="2" charset="0"/>
+                <a:ea typeface="Open Sans" pitchFamily="2" charset="0"/>
+                <a:cs typeface="Open Sans" pitchFamily="2" charset="0"/>
+              </a:rPr>
+              <a:t>  Objetivos</a:t>
+            </a:r>
+          </a:p>
+        </p:txBody>
+      </p:sp>
+      <p:sp>
+        <p:nvSpPr>
+          <p:cNvPr id="13" name="CuadroTexto 12">
+            <a:extLst>
+              <a:ext uri="{FF2B5EF4-FFF2-40B4-BE49-F238E27FC236}">
+                <a16:creationId xmlns:a16="http://schemas.microsoft.com/office/drawing/2014/main" id="{5044A187-2054-CA83-DDFE-B32850EDB60B}"/>
+              </a:ext>
+            </a:extLst>
+          </p:cNvPr>
+          <p:cNvSpPr txBox="1"/>
+          <p:nvPr/>
+        </p:nvSpPr>
+        <p:spPr>
+          <a:xfrm>
+            <a:off x="4026883" y="2423232"/>
+            <a:ext cx="3810659" cy="461665"/>
+          </a:xfrm>
+          <a:prstGeom prst="rect">
+            <a:avLst/>
+          </a:prstGeom>
+          <a:noFill/>
+        </p:spPr>
+        <p:txBody>
+          <a:bodyPr wrap="none" rtlCol="0" anchor="ctr">
+            <a:spAutoFit/>
+          </a:bodyPr>
+          <a:lstStyle/>
+          <a:p>
+            <a:r>
+              <a:rPr lang="es-ES" sz="2400" dirty="0">
+                <a:solidFill>
+                  <a:srgbClr val="FF0000"/>
+                </a:solidFill>
+                <a:latin typeface="Open Sans" pitchFamily="2" charset="0"/>
+                <a:ea typeface="Open Sans" pitchFamily="2" charset="0"/>
+                <a:cs typeface="Open Sans" pitchFamily="2" charset="0"/>
+              </a:rPr>
+              <a:t>3.</a:t>
+            </a:r>
+            <a:r>
+              <a:rPr lang="es-ES" sz="2400" dirty="0">
+                <a:latin typeface="Open Sans" pitchFamily="2" charset="0"/>
+                <a:ea typeface="Open Sans" pitchFamily="2" charset="0"/>
+                <a:cs typeface="Open Sans" pitchFamily="2" charset="0"/>
+              </a:rPr>
+              <a:t>  Problemas detectados</a:t>
+            </a:r>
+            <a:endParaRPr lang="es-ES_tradnl" sz="2400" dirty="0">
+              <a:latin typeface="Open Sans" pitchFamily="2" charset="0"/>
+              <a:ea typeface="Open Sans" pitchFamily="2" charset="0"/>
+              <a:cs typeface="Open Sans" pitchFamily="2" charset="0"/>
+            </a:endParaRPr>
+          </a:p>
+        </p:txBody>
+      </p:sp>
+      <p:sp>
+        <p:nvSpPr>
+          <p:cNvPr id="14" name="CuadroTexto 13">
+            <a:extLst>
+              <a:ext uri="{FF2B5EF4-FFF2-40B4-BE49-F238E27FC236}">
+                <a16:creationId xmlns:a16="http://schemas.microsoft.com/office/drawing/2014/main" id="{8A7E64FA-C8F7-A966-ED99-B64EF4EEE9B3}"/>
+              </a:ext>
+            </a:extLst>
+          </p:cNvPr>
+          <p:cNvSpPr txBox="1"/>
+          <p:nvPr/>
+        </p:nvSpPr>
+        <p:spPr>
+          <a:xfrm>
+            <a:off x="4145902" y="2883039"/>
+            <a:ext cx="3373039" cy="461665"/>
+          </a:xfrm>
+          <a:prstGeom prst="rect">
+            <a:avLst/>
+          </a:prstGeom>
+          <a:noFill/>
+        </p:spPr>
+        <p:txBody>
+          <a:bodyPr wrap="none" rtlCol="0" anchor="ctr">
+            <a:spAutoFit/>
+          </a:bodyPr>
+          <a:lstStyle/>
+          <a:p>
+            <a:r>
+              <a:rPr lang="es-ES" sz="2400" dirty="0">
+                <a:solidFill>
+                  <a:srgbClr val="FF0000"/>
+                </a:solidFill>
+                <a:latin typeface="Open Sans" pitchFamily="2" charset="0"/>
+                <a:ea typeface="Open Sans" pitchFamily="2" charset="0"/>
+                <a:cs typeface="Open Sans" pitchFamily="2" charset="0"/>
+              </a:rPr>
+              <a:t>4.</a:t>
+            </a:r>
+            <a:r>
+              <a:rPr lang="es-ES" sz="2400" dirty="0">
+                <a:latin typeface="Open Sans" pitchFamily="2" charset="0"/>
+                <a:ea typeface="Open Sans" pitchFamily="2" charset="0"/>
+                <a:cs typeface="Open Sans" pitchFamily="2" charset="0"/>
+              </a:rPr>
+              <a:t>  Solución propuesta</a:t>
+            </a:r>
+            <a:endParaRPr lang="es-ES_tradnl" sz="2400" dirty="0">
+              <a:latin typeface="Open Sans" pitchFamily="2" charset="0"/>
+              <a:ea typeface="Open Sans" pitchFamily="2" charset="0"/>
+              <a:cs typeface="Open Sans" pitchFamily="2" charset="0"/>
+            </a:endParaRPr>
+          </a:p>
+        </p:txBody>
+      </p:sp>
+      <p:sp>
+        <p:nvSpPr>
+          <p:cNvPr id="15" name="CuadroTexto 14">
+            <a:extLst>
+              <a:ext uri="{FF2B5EF4-FFF2-40B4-BE49-F238E27FC236}">
+                <a16:creationId xmlns:a16="http://schemas.microsoft.com/office/drawing/2014/main" id="{139AE48C-9A9F-1327-3110-A729A08104DE}"/>
+              </a:ext>
+            </a:extLst>
+          </p:cNvPr>
+          <p:cNvSpPr txBox="1"/>
+          <p:nvPr/>
+        </p:nvSpPr>
+        <p:spPr>
+          <a:xfrm>
+            <a:off x="4283364" y="3340988"/>
+            <a:ext cx="3722494" cy="461665"/>
+          </a:xfrm>
+          <a:prstGeom prst="rect">
+            <a:avLst/>
+          </a:prstGeom>
+          <a:noFill/>
+        </p:spPr>
+        <p:txBody>
+          <a:bodyPr wrap="none" rtlCol="0" anchor="ctr">
+            <a:spAutoFit/>
+          </a:bodyPr>
+          <a:lstStyle/>
+          <a:p>
+            <a:r>
+              <a:rPr lang="es-ES" sz="2400" dirty="0">
+                <a:solidFill>
+                  <a:srgbClr val="FF0000"/>
+                </a:solidFill>
+                <a:latin typeface="Open Sans" pitchFamily="2" charset="0"/>
+                <a:ea typeface="Open Sans" pitchFamily="2" charset="0"/>
+                <a:cs typeface="Open Sans" pitchFamily="2" charset="0"/>
+              </a:rPr>
+              <a:t>5.</a:t>
+            </a:r>
+            <a:r>
+              <a:rPr lang="es-ES" sz="2400" dirty="0">
+                <a:latin typeface="Open Sans" pitchFamily="2" charset="0"/>
+                <a:ea typeface="Open Sans" pitchFamily="2" charset="0"/>
+                <a:cs typeface="Open Sans" pitchFamily="2" charset="0"/>
+              </a:rPr>
+              <a:t>  Tecnologías utilizadas</a:t>
+            </a:r>
+            <a:endParaRPr lang="es-ES_tradnl" sz="2400" dirty="0">
+              <a:latin typeface="Open Sans" pitchFamily="2" charset="0"/>
+              <a:ea typeface="Open Sans" pitchFamily="2" charset="0"/>
+              <a:cs typeface="Open Sans" pitchFamily="2" charset="0"/>
+            </a:endParaRPr>
+          </a:p>
+        </p:txBody>
+      </p:sp>
+      <p:sp>
+        <p:nvSpPr>
+          <p:cNvPr id="16" name="CuadroTexto 15">
+            <a:extLst>
+              <a:ext uri="{FF2B5EF4-FFF2-40B4-BE49-F238E27FC236}">
+                <a16:creationId xmlns:a16="http://schemas.microsoft.com/office/drawing/2014/main" id="{987EEFD7-7D75-BA7F-CB06-F35FA9D55302}"/>
+              </a:ext>
+            </a:extLst>
+          </p:cNvPr>
+          <p:cNvSpPr txBox="1"/>
+          <p:nvPr/>
+        </p:nvSpPr>
+        <p:spPr>
+          <a:xfrm>
+            <a:off x="4318911" y="3800064"/>
+            <a:ext cx="3554178" cy="461665"/>
+          </a:xfrm>
+          <a:prstGeom prst="rect">
+            <a:avLst/>
+          </a:prstGeom>
+          <a:noFill/>
+        </p:spPr>
+        <p:txBody>
+          <a:bodyPr wrap="none" rtlCol="0" anchor="ctr">
+            <a:spAutoFit/>
+          </a:bodyPr>
+          <a:lstStyle/>
+          <a:p>
+            <a:r>
+              <a:rPr lang="es-ES" sz="2400" dirty="0">
+                <a:solidFill>
+                  <a:srgbClr val="FF0000"/>
+                </a:solidFill>
+                <a:latin typeface="Open Sans" pitchFamily="2" charset="0"/>
+                <a:ea typeface="Open Sans" pitchFamily="2" charset="0"/>
+                <a:cs typeface="Open Sans" pitchFamily="2" charset="0"/>
+              </a:rPr>
+              <a:t>6.</a:t>
+            </a:r>
+            <a:r>
+              <a:rPr lang="es-ES" sz="2400" dirty="0">
+                <a:latin typeface="Open Sans" pitchFamily="2" charset="0"/>
+                <a:ea typeface="Open Sans" pitchFamily="2" charset="0"/>
+                <a:cs typeface="Open Sans" pitchFamily="2" charset="0"/>
+              </a:rPr>
+              <a:t>  Arquitectura general</a:t>
+            </a:r>
+            <a:endParaRPr lang="es-ES_tradnl" sz="2400" dirty="0">
+              <a:latin typeface="Open Sans" pitchFamily="2" charset="0"/>
+              <a:ea typeface="Open Sans" pitchFamily="2" charset="0"/>
+              <a:cs typeface="Open Sans" pitchFamily="2" charset="0"/>
+            </a:endParaRPr>
+          </a:p>
+        </p:txBody>
+      </p:sp>
+      <p:sp>
+        <p:nvSpPr>
+          <p:cNvPr id="17" name="CuadroTexto 16">
+            <a:extLst>
+              <a:ext uri="{FF2B5EF4-FFF2-40B4-BE49-F238E27FC236}">
+                <a16:creationId xmlns:a16="http://schemas.microsoft.com/office/drawing/2014/main" id="{99341081-3068-BA24-BC64-AF065CF08022}"/>
+              </a:ext>
+            </a:extLst>
+          </p:cNvPr>
+          <p:cNvSpPr txBox="1"/>
+          <p:nvPr/>
+        </p:nvSpPr>
+        <p:spPr>
+          <a:xfrm>
+            <a:off x="4342695" y="4260357"/>
+            <a:ext cx="3411511" cy="461665"/>
+          </a:xfrm>
+          <a:prstGeom prst="rect">
+            <a:avLst/>
+          </a:prstGeom>
+          <a:noFill/>
+        </p:spPr>
+        <p:txBody>
+          <a:bodyPr wrap="none" rtlCol="0" anchor="ctr">
+            <a:spAutoFit/>
+          </a:bodyPr>
+          <a:lstStyle/>
+          <a:p>
+            <a:r>
+              <a:rPr lang="es-ES" sz="2400" dirty="0">
+                <a:solidFill>
+                  <a:srgbClr val="FF0000"/>
+                </a:solidFill>
+                <a:latin typeface="Open Sans" pitchFamily="2" charset="0"/>
+                <a:ea typeface="Open Sans" pitchFamily="2" charset="0"/>
+                <a:cs typeface="Open Sans" pitchFamily="2" charset="0"/>
+              </a:rPr>
+              <a:t>7.</a:t>
+            </a:r>
+            <a:r>
+              <a:rPr lang="es-ES" sz="2400" dirty="0">
+                <a:latin typeface="Open Sans" pitchFamily="2" charset="0"/>
+                <a:ea typeface="Open Sans" pitchFamily="2" charset="0"/>
+                <a:cs typeface="Open Sans" pitchFamily="2" charset="0"/>
+              </a:rPr>
+              <a:t>  Funcionalidad clave</a:t>
+            </a:r>
+            <a:endParaRPr lang="es-ES_tradnl" sz="2400" dirty="0">
+              <a:latin typeface="Open Sans" pitchFamily="2" charset="0"/>
+              <a:ea typeface="Open Sans" pitchFamily="2" charset="0"/>
+              <a:cs typeface="Open Sans" pitchFamily="2" charset="0"/>
+            </a:endParaRPr>
+          </a:p>
+        </p:txBody>
+      </p:sp>
+      <p:sp>
+        <p:nvSpPr>
+          <p:cNvPr id="18" name="CuadroTexto 17">
+            <a:extLst>
+              <a:ext uri="{FF2B5EF4-FFF2-40B4-BE49-F238E27FC236}">
+                <a16:creationId xmlns:a16="http://schemas.microsoft.com/office/drawing/2014/main" id="{42D1A08A-089E-47B6-1DF8-0853F89CA897}"/>
+              </a:ext>
+            </a:extLst>
+          </p:cNvPr>
+          <p:cNvSpPr txBox="1"/>
+          <p:nvPr/>
+        </p:nvSpPr>
+        <p:spPr>
+          <a:xfrm>
+            <a:off x="4318911" y="4718061"/>
+            <a:ext cx="3852337" cy="461665"/>
+          </a:xfrm>
+          <a:prstGeom prst="rect">
+            <a:avLst/>
+          </a:prstGeom>
+          <a:noFill/>
+        </p:spPr>
+        <p:txBody>
+          <a:bodyPr wrap="none" rtlCol="0" anchor="ctr">
+            <a:spAutoFit/>
+          </a:bodyPr>
+          <a:lstStyle/>
+          <a:p>
+            <a:r>
+              <a:rPr lang="es-ES" sz="2400" dirty="0">
+                <a:solidFill>
+                  <a:srgbClr val="FF0000"/>
+                </a:solidFill>
+                <a:latin typeface="Open Sans" pitchFamily="2" charset="0"/>
+                <a:ea typeface="Open Sans" pitchFamily="2" charset="0"/>
+                <a:cs typeface="Open Sans" pitchFamily="2" charset="0"/>
+              </a:rPr>
+              <a:t>8.</a:t>
+            </a:r>
+            <a:r>
+              <a:rPr lang="es-ES" sz="2400" dirty="0">
+                <a:latin typeface="Open Sans" pitchFamily="2" charset="0"/>
+                <a:ea typeface="Open Sans" pitchFamily="2" charset="0"/>
+                <a:cs typeface="Open Sans" pitchFamily="2" charset="0"/>
+              </a:rPr>
+              <a:t>  Pruebas y validaciones</a:t>
+            </a:r>
+            <a:endParaRPr lang="es-ES_tradnl" sz="2400" dirty="0">
+              <a:latin typeface="Open Sans" pitchFamily="2" charset="0"/>
+              <a:ea typeface="Open Sans" pitchFamily="2" charset="0"/>
+              <a:cs typeface="Open Sans" pitchFamily="2" charset="0"/>
+            </a:endParaRPr>
+          </a:p>
+        </p:txBody>
+      </p:sp>
+      <p:sp>
+        <p:nvSpPr>
+          <p:cNvPr id="19" name="CuadroTexto 18">
+            <a:extLst>
+              <a:ext uri="{FF2B5EF4-FFF2-40B4-BE49-F238E27FC236}">
+                <a16:creationId xmlns:a16="http://schemas.microsoft.com/office/drawing/2014/main" id="{7936AD03-2E9F-5A94-274F-CDF161D17B23}"/>
+              </a:ext>
+            </a:extLst>
+          </p:cNvPr>
+          <p:cNvSpPr txBox="1"/>
+          <p:nvPr/>
+        </p:nvSpPr>
+        <p:spPr>
+          <a:xfrm>
+            <a:off x="4206825" y="5177868"/>
+            <a:ext cx="4028667" cy="461665"/>
+          </a:xfrm>
+          <a:prstGeom prst="rect">
+            <a:avLst/>
+          </a:prstGeom>
+          <a:noFill/>
+        </p:spPr>
+        <p:txBody>
+          <a:bodyPr wrap="none" rtlCol="0" anchor="ctr">
+            <a:spAutoFit/>
+          </a:bodyPr>
+          <a:lstStyle/>
+          <a:p>
+            <a:r>
+              <a:rPr lang="es-ES" sz="2400" dirty="0">
+                <a:solidFill>
+                  <a:srgbClr val="FF0000"/>
+                </a:solidFill>
+                <a:latin typeface="Open Sans" pitchFamily="2" charset="0"/>
+                <a:ea typeface="Open Sans" pitchFamily="2" charset="0"/>
+                <a:cs typeface="Open Sans" pitchFamily="2" charset="0"/>
+              </a:rPr>
+              <a:t>9.</a:t>
+            </a:r>
+            <a:r>
+              <a:rPr lang="es-ES" sz="2400" dirty="0">
+                <a:latin typeface="Open Sans" pitchFamily="2" charset="0"/>
+                <a:ea typeface="Open Sans" pitchFamily="2" charset="0"/>
+                <a:cs typeface="Open Sans" pitchFamily="2" charset="0"/>
+              </a:rPr>
+              <a:t>  Documentación general</a:t>
+            </a:r>
+            <a:endParaRPr lang="es-ES_tradnl" sz="2400" dirty="0">
+              <a:latin typeface="Open Sans" pitchFamily="2" charset="0"/>
+              <a:ea typeface="Open Sans" pitchFamily="2" charset="0"/>
+              <a:cs typeface="Open Sans" pitchFamily="2" charset="0"/>
+            </a:endParaRPr>
+          </a:p>
+        </p:txBody>
+      </p:sp>
+      <p:sp>
+        <p:nvSpPr>
+          <p:cNvPr id="20" name="CuadroTexto 19">
+            <a:extLst>
+              <a:ext uri="{FF2B5EF4-FFF2-40B4-BE49-F238E27FC236}">
+                <a16:creationId xmlns:a16="http://schemas.microsoft.com/office/drawing/2014/main" id="{83D20213-15BF-8084-3F76-84E9A83F8DEE}"/>
+              </a:ext>
+            </a:extLst>
+          </p:cNvPr>
+          <p:cNvSpPr txBox="1"/>
+          <p:nvPr/>
+        </p:nvSpPr>
+        <p:spPr>
+          <a:xfrm>
+            <a:off x="3962629" y="5637675"/>
+            <a:ext cx="5270995" cy="461665"/>
+          </a:xfrm>
+          <a:prstGeom prst="rect">
+            <a:avLst/>
+          </a:prstGeom>
+          <a:noFill/>
+        </p:spPr>
+        <p:txBody>
+          <a:bodyPr wrap="none" rtlCol="0" anchor="ctr">
+            <a:spAutoFit/>
+          </a:bodyPr>
+          <a:lstStyle/>
+          <a:p>
+            <a:r>
+              <a:rPr lang="es-ES" sz="2400" dirty="0">
+                <a:solidFill>
+                  <a:srgbClr val="FF0000"/>
+                </a:solidFill>
+                <a:latin typeface="Open Sans" pitchFamily="2" charset="0"/>
+                <a:ea typeface="Open Sans" pitchFamily="2" charset="0"/>
+                <a:cs typeface="Open Sans" pitchFamily="2" charset="0"/>
+              </a:rPr>
+              <a:t>10.</a:t>
+            </a:r>
+            <a:r>
+              <a:rPr lang="es-ES" sz="2400" dirty="0">
+                <a:latin typeface="Open Sans" pitchFamily="2" charset="0"/>
+                <a:ea typeface="Open Sans" pitchFamily="2" charset="0"/>
+                <a:cs typeface="Open Sans" pitchFamily="2" charset="0"/>
+              </a:rPr>
+              <a:t>  Conclusiones y mejoras futuras</a:t>
+            </a:r>
+            <a:endParaRPr lang="es-ES_tradnl" sz="2400" dirty="0">
+              <a:latin typeface="Open Sans" pitchFamily="2" charset="0"/>
+              <a:ea typeface="Open Sans" pitchFamily="2" charset="0"/>
+              <a:cs typeface="Open Sans" pitchFamily="2" charset="0"/>
+            </a:endParaRPr>
+          </a:p>
+        </p:txBody>
+      </p:sp>
+      <p:sp>
+        <p:nvSpPr>
+          <p:cNvPr id="21" name="CuadroTexto 20">
+            <a:extLst>
+              <a:ext uri="{FF2B5EF4-FFF2-40B4-BE49-F238E27FC236}">
+                <a16:creationId xmlns:a16="http://schemas.microsoft.com/office/drawing/2014/main" id="{1D387948-5E50-4099-E15F-E59A669455BD}"/>
+              </a:ext>
+            </a:extLst>
+          </p:cNvPr>
+          <p:cNvSpPr txBox="1"/>
+          <p:nvPr/>
+        </p:nvSpPr>
+        <p:spPr>
+          <a:xfrm>
+            <a:off x="3769449" y="6099340"/>
+            <a:ext cx="2234907" cy="461665"/>
+          </a:xfrm>
+          <a:prstGeom prst="rect">
+            <a:avLst/>
+          </a:prstGeom>
+          <a:noFill/>
+        </p:spPr>
+        <p:txBody>
+          <a:bodyPr wrap="none" rtlCol="0" anchor="ctr">
+            <a:spAutoFit/>
+          </a:bodyPr>
+          <a:lstStyle/>
+          <a:p>
+            <a:r>
+              <a:rPr lang="es-ES" sz="2400" dirty="0">
+                <a:solidFill>
+                  <a:srgbClr val="FF0000"/>
+                </a:solidFill>
+                <a:latin typeface="Open Sans" pitchFamily="2" charset="0"/>
+                <a:ea typeface="Open Sans" pitchFamily="2" charset="0"/>
+                <a:cs typeface="Open Sans" pitchFamily="2" charset="0"/>
+              </a:rPr>
+              <a:t>11.</a:t>
+            </a:r>
+            <a:r>
+              <a:rPr lang="es-ES" sz="2400" dirty="0">
+                <a:latin typeface="Open Sans" pitchFamily="2" charset="0"/>
+                <a:ea typeface="Open Sans" pitchFamily="2" charset="0"/>
+                <a:cs typeface="Open Sans" pitchFamily="2" charset="0"/>
+              </a:rPr>
+              <a:t>  Preguntas</a:t>
+            </a:r>
+            <a:endParaRPr lang="es-ES_tradnl" sz="2400" dirty="0">
+              <a:latin typeface="Open Sans" pitchFamily="2" charset="0"/>
+              <a:ea typeface="Open Sans" pitchFamily="2" charset="0"/>
+              <a:cs typeface="Open Sans" pitchFamily="2" charset="0"/>
+            </a:endParaRPr>
+          </a:p>
+        </p:txBody>
+      </p:sp>
+      <p:cxnSp>
+        <p:nvCxnSpPr>
+          <p:cNvPr id="23" name="Conector recto 22">
+            <a:extLst>
+              <a:ext uri="{FF2B5EF4-FFF2-40B4-BE49-F238E27FC236}">
+                <a16:creationId xmlns:a16="http://schemas.microsoft.com/office/drawing/2014/main" id="{F13A05DD-CD60-A4D4-75E6-EBF121C2258B}"/>
+              </a:ext>
+            </a:extLst>
+          </p:cNvPr>
+          <p:cNvCxnSpPr>
+            <a:cxnSpLocks/>
+          </p:cNvCxnSpPr>
+          <p:nvPr/>
+        </p:nvCxnSpPr>
+        <p:spPr>
+          <a:xfrm>
+            <a:off x="822366" y="871333"/>
+            <a:ext cx="9428671" cy="0"/>
+          </a:xfrm>
+          <a:prstGeom prst="line">
+            <a:avLst/>
+          </a:prstGeom>
+          <a:ln>
+            <a:solidFill>
+              <a:srgbClr val="454545"/>
+            </a:solidFill>
+          </a:ln>
+        </p:spPr>
+        <p:style>
+          <a:lnRef idx="3">
+            <a:schemeClr val="accent1"/>
+          </a:lnRef>
+          <a:fillRef idx="0">
+            <a:schemeClr val="accent1"/>
+          </a:fillRef>
+          <a:effectRef idx="2">
+            <a:schemeClr val="accent1"/>
+          </a:effectRef>
+          <a:fontRef idx="minor">
+            <a:schemeClr val="tx1"/>
+          </a:fontRef>
+        </p:style>
+      </p:cxnSp>
+    </p:spTree>
+    <p:extLst>
+      <p:ext uri="{BB962C8B-B14F-4D97-AF65-F5344CB8AC3E}">
+        <p14:creationId xmlns:p14="http://schemas.microsoft.com/office/powerpoint/2010/main" val="3068707301"/>
+      </p:ext>
+    </p:extLst>
+  </p:cSld>
+  <p:clrMapOvr>
+    <a:masterClrMapping/>
+  </p:clrMapOvr>
+  <mc:AlternateContent xmlns:mc="http://schemas.openxmlformats.org/markup-compatibility/2006">
+    <mc:Choice xmlns:p14="http://schemas.microsoft.com/office/powerpoint/2010/main" Requires="p14">
+      <p:transition spd="slow" p14:dur="1600">
+        <p:blinds dir="vert"/>
+      </p:transition>
+    </mc:Choice>
+    <mc:Fallback>
+      <p:transition spd="slow">
+        <p:blinds dir="vert"/>
+      </p:transition>
+    </mc:Fallback>
+  </mc:AlternateContent>
 </p:sld>
 </file>
 

--- a/Documentacion/Presentacion power point/ReyBoxes - Sistema de Gestión de Taller Mecánico.pptx
+++ b/Documentacion/Presentacion power point/ReyBoxes - Sistema de Gestión de Taller Mecánico.pptx
@@ -5,7 +5,7 @@
     <p:sldMasterId id="2147483660" r:id="rId1"/>
   </p:sldMasterIdLst>
   <p:notesMasterIdLst>
-    <p:notesMasterId r:id="rId11"/>
+    <p:notesMasterId r:id="rId15"/>
   </p:notesMasterIdLst>
   <p:sldIdLst>
     <p:sldId id="256" r:id="rId2"/>
@@ -17,6 +17,10 @@
     <p:sldId id="262" r:id="rId8"/>
     <p:sldId id="263" r:id="rId9"/>
     <p:sldId id="264" r:id="rId10"/>
+    <p:sldId id="265" r:id="rId11"/>
+    <p:sldId id="266" r:id="rId12"/>
+    <p:sldId id="267" r:id="rId13"/>
+    <p:sldId id="268" r:id="rId14"/>
   </p:sldIdLst>
   <p:sldSz cx="12192000" cy="6858000"/>
   <p:notesSz cx="6858000" cy="9144000"/>
@@ -130,6 +134,9 @@
         </p15:guide>
       </p15:sldGuideLst>
     </p:ext>
+    <p:ext uri="{2D200454-40CA-4A62-9FC3-DE9A4176ACB9}">
+      <p15:notesGuideLst xmlns:p15="http://schemas.microsoft.com/office/powerpoint/2012/main"/>
+    </p:ext>
   </p:extLst>
 </p:presentation>
 </file>
@@ -216,7 +223,7 @@
           <a:p>
             <a:fld id="{36402E49-C8CD-4D60-AABF-A658D202CB93}" type="datetimeFigureOut">
               <a:rPr lang="es-ES_tradnl" smtClean="0"/>
-              <a:t>22/05/2025</a:t>
+              <a:t>23/05/2025</a:t>
             </a:fld>
             <a:endParaRPr lang="es-ES_tradnl"/>
           </a:p>
@@ -633,7 +640,7 @@
           <a:p>
             <a:fld id="{5168E37E-15F7-438B-818D-F7499F12F3AC}" type="datetimeFigureOut">
               <a:rPr lang="es-ES_tradnl" smtClean="0"/>
-              <a:t>22/05/2025</a:t>
+              <a:t>23/05/2025</a:t>
             </a:fld>
             <a:endParaRPr lang="es-ES_tradnl" dirty="0"/>
           </a:p>
@@ -833,7 +840,7 @@
           <a:p>
             <a:fld id="{5168E37E-15F7-438B-818D-F7499F12F3AC}" type="datetimeFigureOut">
               <a:rPr lang="es-ES_tradnl" smtClean="0"/>
-              <a:t>22/05/2025</a:t>
+              <a:t>23/05/2025</a:t>
             </a:fld>
             <a:endParaRPr lang="es-ES_tradnl" dirty="0"/>
           </a:p>
@@ -1043,7 +1050,7 @@
           <a:p>
             <a:fld id="{5168E37E-15F7-438B-818D-F7499F12F3AC}" type="datetimeFigureOut">
               <a:rPr lang="es-ES_tradnl" smtClean="0"/>
-              <a:t>22/05/2025</a:t>
+              <a:t>23/05/2025</a:t>
             </a:fld>
             <a:endParaRPr lang="es-ES_tradnl" dirty="0"/>
           </a:p>
@@ -1243,7 +1250,7 @@
           <a:p>
             <a:fld id="{5168E37E-15F7-438B-818D-F7499F12F3AC}" type="datetimeFigureOut">
               <a:rPr lang="es-ES_tradnl" smtClean="0"/>
-              <a:t>22/05/2025</a:t>
+              <a:t>23/05/2025</a:t>
             </a:fld>
             <a:endParaRPr lang="es-ES_tradnl" dirty="0"/>
           </a:p>
@@ -1519,7 +1526,7 @@
           <a:p>
             <a:fld id="{5168E37E-15F7-438B-818D-F7499F12F3AC}" type="datetimeFigureOut">
               <a:rPr lang="es-ES_tradnl" smtClean="0"/>
-              <a:t>22/05/2025</a:t>
+              <a:t>23/05/2025</a:t>
             </a:fld>
             <a:endParaRPr lang="es-ES_tradnl" dirty="0"/>
           </a:p>
@@ -1787,7 +1794,7 @@
           <a:p>
             <a:fld id="{5168E37E-15F7-438B-818D-F7499F12F3AC}" type="datetimeFigureOut">
               <a:rPr lang="es-ES_tradnl" smtClean="0"/>
-              <a:t>22/05/2025</a:t>
+              <a:t>23/05/2025</a:t>
             </a:fld>
             <a:endParaRPr lang="es-ES_tradnl" dirty="0"/>
           </a:p>
@@ -2202,7 +2209,7 @@
           <a:p>
             <a:fld id="{5168E37E-15F7-438B-818D-F7499F12F3AC}" type="datetimeFigureOut">
               <a:rPr lang="es-ES_tradnl" smtClean="0"/>
-              <a:t>22/05/2025</a:t>
+              <a:t>23/05/2025</a:t>
             </a:fld>
             <a:endParaRPr lang="es-ES_tradnl" dirty="0"/>
           </a:p>
@@ -2344,7 +2351,7 @@
           <a:p>
             <a:fld id="{5168E37E-15F7-438B-818D-F7499F12F3AC}" type="datetimeFigureOut">
               <a:rPr lang="es-ES_tradnl" smtClean="0"/>
-              <a:t>22/05/2025</a:t>
+              <a:t>23/05/2025</a:t>
             </a:fld>
             <a:endParaRPr lang="es-ES_tradnl" dirty="0"/>
           </a:p>
@@ -2457,7 +2464,7 @@
           <a:p>
             <a:fld id="{5168E37E-15F7-438B-818D-F7499F12F3AC}" type="datetimeFigureOut">
               <a:rPr lang="es-ES_tradnl" smtClean="0"/>
-              <a:t>22/05/2025</a:t>
+              <a:t>23/05/2025</a:t>
             </a:fld>
             <a:endParaRPr lang="es-ES_tradnl" dirty="0"/>
           </a:p>
@@ -2770,7 +2777,7 @@
           <a:p>
             <a:fld id="{5168E37E-15F7-438B-818D-F7499F12F3AC}" type="datetimeFigureOut">
               <a:rPr lang="es-ES_tradnl" smtClean="0"/>
-              <a:t>22/05/2025</a:t>
+              <a:t>23/05/2025</a:t>
             </a:fld>
             <a:endParaRPr lang="es-ES_tradnl" dirty="0"/>
           </a:p>
@@ -3059,7 +3066,7 @@
           <a:p>
             <a:fld id="{5168E37E-15F7-438B-818D-F7499F12F3AC}" type="datetimeFigureOut">
               <a:rPr lang="es-ES_tradnl" smtClean="0"/>
-              <a:t>22/05/2025</a:t>
+              <a:t>23/05/2025</a:t>
             </a:fld>
             <a:endParaRPr lang="es-ES_tradnl" dirty="0"/>
           </a:p>
@@ -3302,7 +3309,7 @@
           <a:p>
             <a:fld id="{5168E37E-15F7-438B-818D-F7499F12F3AC}" type="datetimeFigureOut">
               <a:rPr lang="es-ES_tradnl" smtClean="0"/>
-              <a:t>22/05/2025</a:t>
+              <a:t>23/05/2025</a:t>
             </a:fld>
             <a:endParaRPr lang="es-ES_tradnl" dirty="0"/>
           </a:p>
@@ -4045,6 +4052,4938 @@
 </p:sld>
 </file>
 
+<file path=ppt/slides/slide10.xml><?xml version="1.0" encoding="utf-8"?>
+<p:sld xmlns:a="http://schemas.openxmlformats.org/drawingml/2006/main" xmlns:r="http://schemas.openxmlformats.org/officeDocument/2006/relationships" xmlns:p="http://schemas.openxmlformats.org/presentationml/2006/main">
+  <p:cSld>
+    <p:spTree>
+      <p:nvGrpSpPr>
+        <p:cNvPr id="1" name=""/>
+        <p:cNvGrpSpPr/>
+        <p:nvPr/>
+      </p:nvGrpSpPr>
+      <p:grpSpPr>
+        <a:xfrm>
+          <a:off x="0" y="0"/>
+          <a:ext cx="0" cy="0"/>
+          <a:chOff x="0" y="0"/>
+          <a:chExt cx="0" cy="0"/>
+        </a:xfrm>
+      </p:grpSpPr>
+      <p:pic>
+        <p:nvPicPr>
+          <p:cNvPr id="29" name="Imagen 28" descr="Diagrama&#10;&#10;El contenido generado por IA puede ser incorrecto.">
+            <a:extLst>
+              <a:ext uri="{FF2B5EF4-FFF2-40B4-BE49-F238E27FC236}">
+                <a16:creationId xmlns:a16="http://schemas.microsoft.com/office/drawing/2014/main" id="{57D815B5-F4A4-CF59-04EF-718247413B97}"/>
+              </a:ext>
+            </a:extLst>
+          </p:cNvPr>
+          <p:cNvPicPr>
+            <a:picLocks noChangeAspect="1"/>
+          </p:cNvPicPr>
+          <p:nvPr/>
+        </p:nvPicPr>
+        <p:blipFill>
+          <a:blip r:embed="rId2">
+            <a:alphaModFix amt="50000"/>
+            <a:extLst>
+              <a:ext uri="{28A0092B-C50C-407E-A947-70E740481C1C}">
+                <a14:useLocalDpi xmlns:a14="http://schemas.microsoft.com/office/drawing/2010/main" val="0"/>
+              </a:ext>
+            </a:extLst>
+          </a:blip>
+          <a:stretch>
+            <a:fillRect/>
+          </a:stretch>
+        </p:blipFill>
+        <p:spPr>
+          <a:xfrm rot="16200000">
+            <a:off x="2667000" y="-2667000"/>
+            <a:ext cx="6858000" cy="12192000"/>
+          </a:xfrm>
+          <a:prstGeom prst="rect">
+            <a:avLst/>
+          </a:prstGeom>
+        </p:spPr>
+      </p:pic>
+      <p:sp>
+        <p:nvSpPr>
+          <p:cNvPr id="3" name="CuadroTexto 2">
+            <a:extLst>
+              <a:ext uri="{FF2B5EF4-FFF2-40B4-BE49-F238E27FC236}">
+                <a16:creationId xmlns:a16="http://schemas.microsoft.com/office/drawing/2014/main" id="{AA272C35-CDCE-DC83-7011-9C388918EF00}"/>
+              </a:ext>
+            </a:extLst>
+          </p:cNvPr>
+          <p:cNvSpPr txBox="1"/>
+          <p:nvPr/>
+        </p:nvSpPr>
+        <p:spPr>
+          <a:xfrm>
+            <a:off x="2070847" y="0"/>
+            <a:ext cx="8050305" cy="646331"/>
+          </a:xfrm>
+          <a:prstGeom prst="rect">
+            <a:avLst/>
+          </a:prstGeom>
+          <a:noFill/>
+        </p:spPr>
+        <p:txBody>
+          <a:bodyPr wrap="square">
+            <a:spAutoFit/>
+          </a:bodyPr>
+          <a:lstStyle/>
+          <a:p>
+            <a:r>
+              <a:rPr lang="es-ES_tradnl" sz="3600" b="1" dirty="0">
+                <a:solidFill>
+                  <a:srgbClr val="454545"/>
+                </a:solidFill>
+                <a:effectLst>
+                  <a:outerShdw blurRad="38100" dist="38100" dir="2700000" algn="tl">
+                    <a:srgbClr val="000000">
+                      <a:alpha val="43137"/>
+                    </a:srgbClr>
+                  </a:outerShdw>
+                </a:effectLst>
+                <a:latin typeface="Montserrat" pitchFamily="2" charset="0"/>
+              </a:rPr>
+              <a:t>Arquitectura general </a:t>
+            </a:r>
+            <a:r>
+              <a:rPr lang="es-ES_tradnl" sz="3600" b="1" dirty="0">
+                <a:solidFill>
+                  <a:srgbClr val="EA1B26"/>
+                </a:solidFill>
+                <a:effectLst>
+                  <a:outerShdw blurRad="38100" dist="38100" dir="2700000" algn="tl">
+                    <a:srgbClr val="000000">
+                      <a:alpha val="43137"/>
+                    </a:srgbClr>
+                  </a:outerShdw>
+                </a:effectLst>
+                <a:latin typeface="Montserrat" pitchFamily="2" charset="0"/>
+              </a:rPr>
+              <a:t>del sistema</a:t>
+            </a:r>
+          </a:p>
+        </p:txBody>
+      </p:sp>
+      <p:pic>
+        <p:nvPicPr>
+          <p:cNvPr id="7" name="Imagen 6">
+            <a:extLst>
+              <a:ext uri="{FF2B5EF4-FFF2-40B4-BE49-F238E27FC236}">
+                <a16:creationId xmlns:a16="http://schemas.microsoft.com/office/drawing/2014/main" id="{6B10DB9D-7753-7D3C-B41B-51D26AADD949}"/>
+              </a:ext>
+            </a:extLst>
+          </p:cNvPr>
+          <p:cNvPicPr>
+            <a:picLocks noChangeAspect="1"/>
+          </p:cNvPicPr>
+          <p:nvPr/>
+        </p:nvPicPr>
+        <p:blipFill>
+          <a:blip r:embed="rId3"/>
+          <a:stretch>
+            <a:fillRect/>
+          </a:stretch>
+        </p:blipFill>
+        <p:spPr>
+          <a:xfrm>
+            <a:off x="510988" y="1259496"/>
+            <a:ext cx="2633158" cy="1203414"/>
+          </a:xfrm>
+          <a:prstGeom prst="rect">
+            <a:avLst/>
+          </a:prstGeom>
+          <a:effectLst>
+            <a:outerShdw blurRad="50800" dist="38100" dir="5400000" algn="t" rotWithShape="0">
+              <a:prstClr val="black">
+                <a:alpha val="40000"/>
+              </a:prstClr>
+            </a:outerShdw>
+          </a:effectLst>
+        </p:spPr>
+      </p:pic>
+      <p:pic>
+        <p:nvPicPr>
+          <p:cNvPr id="9" name="Imagen 8">
+            <a:extLst>
+              <a:ext uri="{FF2B5EF4-FFF2-40B4-BE49-F238E27FC236}">
+                <a16:creationId xmlns:a16="http://schemas.microsoft.com/office/drawing/2014/main" id="{CBF45B3B-4512-9A6D-BA32-36BDAB35C204}"/>
+              </a:ext>
+            </a:extLst>
+          </p:cNvPr>
+          <p:cNvPicPr>
+            <a:picLocks noChangeAspect="1"/>
+          </p:cNvPicPr>
+          <p:nvPr/>
+        </p:nvPicPr>
+        <p:blipFill>
+          <a:blip r:embed="rId4"/>
+          <a:stretch>
+            <a:fillRect/>
+          </a:stretch>
+        </p:blipFill>
+        <p:spPr>
+          <a:xfrm>
+            <a:off x="506058" y="3081176"/>
+            <a:ext cx="2666279" cy="1203414"/>
+          </a:xfrm>
+          <a:prstGeom prst="rect">
+            <a:avLst/>
+          </a:prstGeom>
+          <a:effectLst>
+            <a:outerShdw blurRad="50800" dist="38100" dir="5400000" algn="t" rotWithShape="0">
+              <a:prstClr val="black">
+                <a:alpha val="40000"/>
+              </a:prstClr>
+            </a:outerShdw>
+          </a:effectLst>
+        </p:spPr>
+      </p:pic>
+      <p:pic>
+        <p:nvPicPr>
+          <p:cNvPr id="11" name="Imagen 10">
+            <a:extLst>
+              <a:ext uri="{FF2B5EF4-FFF2-40B4-BE49-F238E27FC236}">
+                <a16:creationId xmlns:a16="http://schemas.microsoft.com/office/drawing/2014/main" id="{20B506D5-EF21-3516-A9B2-18CDF3E83707}"/>
+              </a:ext>
+            </a:extLst>
+          </p:cNvPr>
+          <p:cNvPicPr>
+            <a:picLocks noChangeAspect="1"/>
+          </p:cNvPicPr>
+          <p:nvPr/>
+        </p:nvPicPr>
+        <p:blipFill>
+          <a:blip r:embed="rId5"/>
+          <a:stretch>
+            <a:fillRect/>
+          </a:stretch>
+        </p:blipFill>
+        <p:spPr>
+          <a:xfrm>
+            <a:off x="506058" y="4840136"/>
+            <a:ext cx="2633158" cy="1203414"/>
+          </a:xfrm>
+          <a:prstGeom prst="rect">
+            <a:avLst/>
+          </a:prstGeom>
+          <a:effectLst>
+            <a:outerShdw blurRad="50800" dist="38100" dir="5400000" algn="t" rotWithShape="0">
+              <a:prstClr val="black">
+                <a:alpha val="40000"/>
+              </a:prstClr>
+            </a:outerShdw>
+          </a:effectLst>
+        </p:spPr>
+      </p:pic>
+      <p:pic>
+        <p:nvPicPr>
+          <p:cNvPr id="13" name="Imagen 12">
+            <a:extLst>
+              <a:ext uri="{FF2B5EF4-FFF2-40B4-BE49-F238E27FC236}">
+                <a16:creationId xmlns:a16="http://schemas.microsoft.com/office/drawing/2014/main" id="{3933E60F-B4E9-C6CB-7869-9829E1B9BAE8}"/>
+              </a:ext>
+            </a:extLst>
+          </p:cNvPr>
+          <p:cNvPicPr>
+            <a:picLocks noChangeAspect="1"/>
+          </p:cNvPicPr>
+          <p:nvPr/>
+        </p:nvPicPr>
+        <p:blipFill>
+          <a:blip r:embed="rId6"/>
+          <a:stretch>
+            <a:fillRect/>
+          </a:stretch>
+        </p:blipFill>
+        <p:spPr>
+          <a:xfrm>
+            <a:off x="1775715" y="2462910"/>
+            <a:ext cx="93844" cy="618266"/>
+          </a:xfrm>
+          <a:prstGeom prst="rect">
+            <a:avLst/>
+          </a:prstGeom>
+        </p:spPr>
+      </p:pic>
+      <p:pic>
+        <p:nvPicPr>
+          <p:cNvPr id="15" name="Imagen 14">
+            <a:extLst>
+              <a:ext uri="{FF2B5EF4-FFF2-40B4-BE49-F238E27FC236}">
+                <a16:creationId xmlns:a16="http://schemas.microsoft.com/office/drawing/2014/main" id="{4B58E3C6-DAB0-08C0-B568-527638378BAE}"/>
+              </a:ext>
+            </a:extLst>
+          </p:cNvPr>
+          <p:cNvPicPr>
+            <a:picLocks noChangeAspect="1"/>
+          </p:cNvPicPr>
+          <p:nvPr/>
+        </p:nvPicPr>
+        <p:blipFill>
+          <a:blip r:embed="rId7"/>
+          <a:stretch>
+            <a:fillRect/>
+          </a:stretch>
+        </p:blipFill>
+        <p:spPr>
+          <a:xfrm>
+            <a:off x="3718842" y="1673514"/>
+            <a:ext cx="794916" cy="375377"/>
+          </a:xfrm>
+          <a:prstGeom prst="rect">
+            <a:avLst/>
+          </a:prstGeom>
+        </p:spPr>
+      </p:pic>
+      <p:pic>
+        <p:nvPicPr>
+          <p:cNvPr id="17" name="Imagen 16">
+            <a:extLst>
+              <a:ext uri="{FF2B5EF4-FFF2-40B4-BE49-F238E27FC236}">
+                <a16:creationId xmlns:a16="http://schemas.microsoft.com/office/drawing/2014/main" id="{862BF366-912A-9D45-E5C4-A4A7AD46F1CA}"/>
+              </a:ext>
+            </a:extLst>
+          </p:cNvPr>
+          <p:cNvPicPr>
+            <a:picLocks noChangeAspect="1"/>
+          </p:cNvPicPr>
+          <p:nvPr/>
+        </p:nvPicPr>
+        <p:blipFill>
+          <a:blip r:embed="rId8"/>
+          <a:stretch>
+            <a:fillRect/>
+          </a:stretch>
+        </p:blipFill>
+        <p:spPr>
+          <a:xfrm>
+            <a:off x="3718842" y="3490093"/>
+            <a:ext cx="734193" cy="375377"/>
+          </a:xfrm>
+          <a:prstGeom prst="rect">
+            <a:avLst/>
+          </a:prstGeom>
+        </p:spPr>
+      </p:pic>
+      <p:pic>
+        <p:nvPicPr>
+          <p:cNvPr id="19" name="Imagen 18">
+            <a:extLst>
+              <a:ext uri="{FF2B5EF4-FFF2-40B4-BE49-F238E27FC236}">
+                <a16:creationId xmlns:a16="http://schemas.microsoft.com/office/drawing/2014/main" id="{2599C020-3F5C-2B2F-1398-A24E5C2E70C5}"/>
+              </a:ext>
+            </a:extLst>
+          </p:cNvPr>
+          <p:cNvPicPr>
+            <a:picLocks noChangeAspect="1"/>
+          </p:cNvPicPr>
+          <p:nvPr/>
+        </p:nvPicPr>
+        <p:blipFill>
+          <a:blip r:embed="rId9"/>
+          <a:stretch>
+            <a:fillRect/>
+          </a:stretch>
+        </p:blipFill>
+        <p:spPr>
+          <a:xfrm>
+            <a:off x="3718842" y="5154790"/>
+            <a:ext cx="1175813" cy="574106"/>
+          </a:xfrm>
+          <a:prstGeom prst="rect">
+            <a:avLst/>
+          </a:prstGeom>
+        </p:spPr>
+      </p:pic>
+      <p:pic>
+        <p:nvPicPr>
+          <p:cNvPr id="21" name="Imagen 20">
+            <a:extLst>
+              <a:ext uri="{FF2B5EF4-FFF2-40B4-BE49-F238E27FC236}">
+                <a16:creationId xmlns:a16="http://schemas.microsoft.com/office/drawing/2014/main" id="{0B99D420-17EF-1FAA-51D2-86CBB7DC69C6}"/>
+              </a:ext>
+            </a:extLst>
+          </p:cNvPr>
+          <p:cNvPicPr>
+            <a:picLocks noChangeAspect="1"/>
+          </p:cNvPicPr>
+          <p:nvPr/>
+        </p:nvPicPr>
+        <p:blipFill>
+          <a:blip r:embed="rId10"/>
+          <a:stretch>
+            <a:fillRect/>
+          </a:stretch>
+        </p:blipFill>
+        <p:spPr>
+          <a:xfrm>
+            <a:off x="3139216" y="1814281"/>
+            <a:ext cx="579626" cy="93844"/>
+          </a:xfrm>
+          <a:prstGeom prst="rect">
+            <a:avLst/>
+          </a:prstGeom>
+        </p:spPr>
+      </p:pic>
+      <p:pic>
+        <p:nvPicPr>
+          <p:cNvPr id="23" name="Imagen 22">
+            <a:extLst>
+              <a:ext uri="{FF2B5EF4-FFF2-40B4-BE49-F238E27FC236}">
+                <a16:creationId xmlns:a16="http://schemas.microsoft.com/office/drawing/2014/main" id="{1B7C2719-85DC-27E6-E044-11D404F90499}"/>
+              </a:ext>
+            </a:extLst>
+          </p:cNvPr>
+          <p:cNvPicPr>
+            <a:picLocks noChangeAspect="1"/>
+          </p:cNvPicPr>
+          <p:nvPr/>
+        </p:nvPicPr>
+        <p:blipFill>
+          <a:blip r:embed="rId10"/>
+          <a:stretch>
+            <a:fillRect/>
+          </a:stretch>
+        </p:blipFill>
+        <p:spPr>
+          <a:xfrm>
+            <a:off x="3139216" y="3630860"/>
+            <a:ext cx="579626" cy="93844"/>
+          </a:xfrm>
+          <a:prstGeom prst="rect">
+            <a:avLst/>
+          </a:prstGeom>
+        </p:spPr>
+      </p:pic>
+      <p:pic>
+        <p:nvPicPr>
+          <p:cNvPr id="25" name="Imagen 24">
+            <a:extLst>
+              <a:ext uri="{FF2B5EF4-FFF2-40B4-BE49-F238E27FC236}">
+                <a16:creationId xmlns:a16="http://schemas.microsoft.com/office/drawing/2014/main" id="{BD8C5C1F-7A4A-B623-DF51-150D9F8DB10A}"/>
+              </a:ext>
+            </a:extLst>
+          </p:cNvPr>
+          <p:cNvPicPr>
+            <a:picLocks noChangeAspect="1"/>
+          </p:cNvPicPr>
+          <p:nvPr/>
+        </p:nvPicPr>
+        <p:blipFill>
+          <a:blip r:embed="rId10"/>
+          <a:stretch>
+            <a:fillRect/>
+          </a:stretch>
+        </p:blipFill>
+        <p:spPr>
+          <a:xfrm>
+            <a:off x="3139216" y="5394921"/>
+            <a:ext cx="579626" cy="93844"/>
+          </a:xfrm>
+          <a:prstGeom prst="rect">
+            <a:avLst/>
+          </a:prstGeom>
+        </p:spPr>
+      </p:pic>
+      <p:pic>
+        <p:nvPicPr>
+          <p:cNvPr id="26" name="Imagen 25">
+            <a:extLst>
+              <a:ext uri="{FF2B5EF4-FFF2-40B4-BE49-F238E27FC236}">
+                <a16:creationId xmlns:a16="http://schemas.microsoft.com/office/drawing/2014/main" id="{E3E954E9-C2C4-CA6A-BA9A-7CAEE695603D}"/>
+              </a:ext>
+            </a:extLst>
+          </p:cNvPr>
+          <p:cNvPicPr>
+            <a:picLocks noChangeAspect="1"/>
+          </p:cNvPicPr>
+          <p:nvPr/>
+        </p:nvPicPr>
+        <p:blipFill>
+          <a:blip r:embed="rId6"/>
+          <a:stretch>
+            <a:fillRect/>
+          </a:stretch>
+        </p:blipFill>
+        <p:spPr>
+          <a:xfrm>
+            <a:off x="1775715" y="4259110"/>
+            <a:ext cx="93844" cy="618266"/>
+          </a:xfrm>
+          <a:prstGeom prst="rect">
+            <a:avLst/>
+          </a:prstGeom>
+        </p:spPr>
+      </p:pic>
+      <p:pic>
+        <p:nvPicPr>
+          <p:cNvPr id="33" name="Imagen 32">
+            <a:extLst>
+              <a:ext uri="{FF2B5EF4-FFF2-40B4-BE49-F238E27FC236}">
+                <a16:creationId xmlns:a16="http://schemas.microsoft.com/office/drawing/2014/main" id="{B7C5A239-8811-B21E-20B9-C3DA5EB0430C}"/>
+              </a:ext>
+            </a:extLst>
+          </p:cNvPr>
+          <p:cNvPicPr>
+            <a:picLocks noChangeAspect="1"/>
+          </p:cNvPicPr>
+          <p:nvPr/>
+        </p:nvPicPr>
+        <p:blipFill>
+          <a:blip r:embed="rId11"/>
+          <a:stretch>
+            <a:fillRect/>
+          </a:stretch>
+        </p:blipFill>
+        <p:spPr>
+          <a:xfrm>
+            <a:off x="4894655" y="3677781"/>
+            <a:ext cx="6991350" cy="1143000"/>
+          </a:xfrm>
+          <a:prstGeom prst="rect">
+            <a:avLst/>
+          </a:prstGeom>
+        </p:spPr>
+      </p:pic>
+      <p:pic>
+        <p:nvPicPr>
+          <p:cNvPr id="35" name="Imagen 34">
+            <a:extLst>
+              <a:ext uri="{FF2B5EF4-FFF2-40B4-BE49-F238E27FC236}">
+                <a16:creationId xmlns:a16="http://schemas.microsoft.com/office/drawing/2014/main" id="{B1884062-8260-D1B5-0BF3-300F1B45E70F}"/>
+              </a:ext>
+            </a:extLst>
+          </p:cNvPr>
+          <p:cNvPicPr>
+            <a:picLocks noChangeAspect="1"/>
+          </p:cNvPicPr>
+          <p:nvPr/>
+        </p:nvPicPr>
+        <p:blipFill>
+          <a:blip r:embed="rId12"/>
+          <a:stretch>
+            <a:fillRect/>
+          </a:stretch>
+        </p:blipFill>
+        <p:spPr>
+          <a:xfrm>
+            <a:off x="4894655" y="4788733"/>
+            <a:ext cx="6991350" cy="676275"/>
+          </a:xfrm>
+          <a:prstGeom prst="rect">
+            <a:avLst/>
+          </a:prstGeom>
+        </p:spPr>
+      </p:pic>
+      <p:pic>
+        <p:nvPicPr>
+          <p:cNvPr id="37" name="Imagen 36">
+            <a:extLst>
+              <a:ext uri="{FF2B5EF4-FFF2-40B4-BE49-F238E27FC236}">
+                <a16:creationId xmlns:a16="http://schemas.microsoft.com/office/drawing/2014/main" id="{381E34DE-948E-189A-CE8E-366D91AA2D2B}"/>
+              </a:ext>
+            </a:extLst>
+          </p:cNvPr>
+          <p:cNvPicPr>
+            <a:picLocks noChangeAspect="1"/>
+          </p:cNvPicPr>
+          <p:nvPr/>
+        </p:nvPicPr>
+        <p:blipFill>
+          <a:blip r:embed="rId13"/>
+          <a:stretch>
+            <a:fillRect/>
+          </a:stretch>
+        </p:blipFill>
+        <p:spPr>
+          <a:xfrm>
+            <a:off x="4894655" y="5432415"/>
+            <a:ext cx="6981825" cy="952500"/>
+          </a:xfrm>
+          <a:prstGeom prst="rect">
+            <a:avLst/>
+          </a:prstGeom>
+        </p:spPr>
+      </p:pic>
+      <p:sp>
+        <p:nvSpPr>
+          <p:cNvPr id="39" name="Rectángulo: esquinas redondeadas 38">
+            <a:extLst>
+              <a:ext uri="{FF2B5EF4-FFF2-40B4-BE49-F238E27FC236}">
+                <a16:creationId xmlns:a16="http://schemas.microsoft.com/office/drawing/2014/main" id="{6B478D6B-37D9-F516-77E9-8220DA5BFC7A}"/>
+              </a:ext>
+            </a:extLst>
+          </p:cNvPr>
+          <p:cNvSpPr/>
+          <p:nvPr/>
+        </p:nvSpPr>
+        <p:spPr>
+          <a:xfrm>
+            <a:off x="4894655" y="986829"/>
+            <a:ext cx="6786357" cy="1973682"/>
+          </a:xfrm>
+          <a:prstGeom prst="roundRect">
+            <a:avLst/>
+          </a:prstGeom>
+        </p:spPr>
+        <p:style>
+          <a:lnRef idx="1">
+            <a:schemeClr val="accent1"/>
+          </a:lnRef>
+          <a:fillRef idx="2">
+            <a:schemeClr val="accent1"/>
+          </a:fillRef>
+          <a:effectRef idx="1">
+            <a:schemeClr val="accent1"/>
+          </a:effectRef>
+          <a:fontRef idx="minor">
+            <a:schemeClr val="dk1"/>
+          </a:fontRef>
+        </p:style>
+        <p:txBody>
+          <a:bodyPr rtlCol="0" anchor="ctr"/>
+          <a:lstStyle/>
+          <a:p>
+            <a:pPr algn="ctr"/>
+            <a:endParaRPr lang="es-ES_tradnl"/>
+          </a:p>
+        </p:txBody>
+      </p:sp>
+      <p:sp>
+        <p:nvSpPr>
+          <p:cNvPr id="38" name="CuadroTexto 37">
+            <a:extLst>
+              <a:ext uri="{FF2B5EF4-FFF2-40B4-BE49-F238E27FC236}">
+                <a16:creationId xmlns:a16="http://schemas.microsoft.com/office/drawing/2014/main" id="{FAA861A1-ADB3-BDCF-16E0-85BCD488D03D}"/>
+              </a:ext>
+            </a:extLst>
+          </p:cNvPr>
+          <p:cNvSpPr txBox="1"/>
+          <p:nvPr/>
+        </p:nvSpPr>
+        <p:spPr>
+          <a:xfrm>
+            <a:off x="5088454" y="1088024"/>
+            <a:ext cx="6762749" cy="1754326"/>
+          </a:xfrm>
+          <a:prstGeom prst="rect">
+            <a:avLst/>
+          </a:prstGeom>
+          <a:noFill/>
+        </p:spPr>
+        <p:txBody>
+          <a:bodyPr wrap="square" rtlCol="0">
+            <a:spAutoFit/>
+          </a:bodyPr>
+          <a:lstStyle/>
+          <a:p>
+            <a:r>
+              <a:rPr lang="es-ES" dirty="0">
+                <a:latin typeface="Montserrat" pitchFamily="2" charset="0"/>
+              </a:rPr>
+              <a:t>El sistema ReyBoxes está estructurado en tres capas principales: una interfaz gráfica creada con PySide6, una lógica central desarrollada en Python que gestiona el flujo de datos y operaciones, y una base de datos en la nube mediante Supabase, que garantiza almacenamiento seguro y acceso eficiente.</a:t>
+            </a:r>
+            <a:endParaRPr lang="es-ES_tradnl" dirty="0">
+              <a:latin typeface="Montserrat" pitchFamily="2" charset="0"/>
+            </a:endParaRPr>
+          </a:p>
+        </p:txBody>
+      </p:sp>
+    </p:spTree>
+    <p:extLst>
+      <p:ext uri="{BB962C8B-B14F-4D97-AF65-F5344CB8AC3E}">
+        <p14:creationId xmlns:p14="http://schemas.microsoft.com/office/powerpoint/2010/main" val="3875330892"/>
+      </p:ext>
+    </p:extLst>
+  </p:cSld>
+  <p:clrMapOvr>
+    <a:masterClrMapping/>
+  </p:clrMapOvr>
+  <mc:AlternateContent xmlns:mc="http://schemas.openxmlformats.org/markup-compatibility/2006">
+    <mc:Choice xmlns:p14="http://schemas.microsoft.com/office/powerpoint/2010/main" Requires="p14">
+      <p:transition spd="slow" p14:dur="800">
+        <p14:flythrough/>
+      </p:transition>
+    </mc:Choice>
+    <mc:Fallback>
+      <p:transition spd="slow">
+        <p:fade/>
+      </p:transition>
+    </mc:Fallback>
+  </mc:AlternateContent>
+  <p:timing>
+    <p:tnLst>
+      <p:par>
+        <p:cTn id="1" dur="indefinite" restart="never" nodeType="tmRoot">
+          <p:childTnLst>
+            <p:seq concurrent="1" nextAc="seek">
+              <p:cTn id="2" dur="indefinite" nodeType="mainSeq">
+                <p:childTnLst>
+                  <p:par>
+                    <p:cTn id="3" fill="hold">
+                      <p:stCondLst>
+                        <p:cond delay="indefinite"/>
+                        <p:cond evt="onBegin" delay="0">
+                          <p:tn val="2"/>
+                        </p:cond>
+                      </p:stCondLst>
+                      <p:childTnLst>
+                        <p:par>
+                          <p:cTn id="4" fill="hold">
+                            <p:stCondLst>
+                              <p:cond delay="0"/>
+                            </p:stCondLst>
+                            <p:childTnLst>
+                              <p:par>
+                                <p:cTn id="5" presetID="14" presetClass="entr" presetSubtype="10" fill="hold" nodeType="withEffect">
+                                  <p:stCondLst>
+                                    <p:cond delay="0"/>
+                                  </p:stCondLst>
+                                  <p:childTnLst>
+                                    <p:set>
+                                      <p:cBhvr>
+                                        <p:cTn id="6" dur="1" fill="hold">
+                                          <p:stCondLst>
+                                            <p:cond delay="0"/>
+                                          </p:stCondLst>
+                                        </p:cTn>
+                                        <p:tgtEl>
+                                          <p:spTgt spid="7"/>
+                                        </p:tgtEl>
+                                        <p:attrNameLst>
+                                          <p:attrName>style.visibility</p:attrName>
+                                        </p:attrNameLst>
+                                      </p:cBhvr>
+                                      <p:to>
+                                        <p:strVal val="visible"/>
+                                      </p:to>
+                                    </p:set>
+                                    <p:animEffect transition="in" filter="randombar(horizontal)">
+                                      <p:cBhvr>
+                                        <p:cTn id="7" dur="500"/>
+                                        <p:tgtEl>
+                                          <p:spTgt spid="7"/>
+                                        </p:tgtEl>
+                                      </p:cBhvr>
+                                    </p:animEffect>
+                                  </p:childTnLst>
+                                </p:cTn>
+                              </p:par>
+                              <p:par>
+                                <p:cTn id="8" presetID="14" presetClass="entr" presetSubtype="10" fill="hold" nodeType="withEffect">
+                                  <p:stCondLst>
+                                    <p:cond delay="0"/>
+                                  </p:stCondLst>
+                                  <p:childTnLst>
+                                    <p:set>
+                                      <p:cBhvr>
+                                        <p:cTn id="9" dur="1" fill="hold">
+                                          <p:stCondLst>
+                                            <p:cond delay="0"/>
+                                          </p:stCondLst>
+                                        </p:cTn>
+                                        <p:tgtEl>
+                                          <p:spTgt spid="21"/>
+                                        </p:tgtEl>
+                                        <p:attrNameLst>
+                                          <p:attrName>style.visibility</p:attrName>
+                                        </p:attrNameLst>
+                                      </p:cBhvr>
+                                      <p:to>
+                                        <p:strVal val="visible"/>
+                                      </p:to>
+                                    </p:set>
+                                    <p:animEffect transition="in" filter="randombar(horizontal)">
+                                      <p:cBhvr>
+                                        <p:cTn id="10" dur="500"/>
+                                        <p:tgtEl>
+                                          <p:spTgt spid="21"/>
+                                        </p:tgtEl>
+                                      </p:cBhvr>
+                                    </p:animEffect>
+                                  </p:childTnLst>
+                                </p:cTn>
+                              </p:par>
+                              <p:par>
+                                <p:cTn id="11" presetID="14" presetClass="entr" presetSubtype="10" fill="hold" nodeType="withEffect">
+                                  <p:stCondLst>
+                                    <p:cond delay="0"/>
+                                  </p:stCondLst>
+                                  <p:childTnLst>
+                                    <p:set>
+                                      <p:cBhvr>
+                                        <p:cTn id="12" dur="1" fill="hold">
+                                          <p:stCondLst>
+                                            <p:cond delay="0"/>
+                                          </p:stCondLst>
+                                        </p:cTn>
+                                        <p:tgtEl>
+                                          <p:spTgt spid="15"/>
+                                        </p:tgtEl>
+                                        <p:attrNameLst>
+                                          <p:attrName>style.visibility</p:attrName>
+                                        </p:attrNameLst>
+                                      </p:cBhvr>
+                                      <p:to>
+                                        <p:strVal val="visible"/>
+                                      </p:to>
+                                    </p:set>
+                                    <p:animEffect transition="in" filter="randombar(horizontal)">
+                                      <p:cBhvr>
+                                        <p:cTn id="13" dur="500"/>
+                                        <p:tgtEl>
+                                          <p:spTgt spid="15"/>
+                                        </p:tgtEl>
+                                      </p:cBhvr>
+                                    </p:animEffect>
+                                  </p:childTnLst>
+                                </p:cTn>
+                              </p:par>
+                              <p:par>
+                                <p:cTn id="14" presetID="14" presetClass="entr" presetSubtype="10" fill="hold" nodeType="withEffect">
+                                  <p:stCondLst>
+                                    <p:cond delay="0"/>
+                                  </p:stCondLst>
+                                  <p:childTnLst>
+                                    <p:set>
+                                      <p:cBhvr>
+                                        <p:cTn id="15" dur="1" fill="hold">
+                                          <p:stCondLst>
+                                            <p:cond delay="0"/>
+                                          </p:stCondLst>
+                                        </p:cTn>
+                                        <p:tgtEl>
+                                          <p:spTgt spid="33"/>
+                                        </p:tgtEl>
+                                        <p:attrNameLst>
+                                          <p:attrName>style.visibility</p:attrName>
+                                        </p:attrNameLst>
+                                      </p:cBhvr>
+                                      <p:to>
+                                        <p:strVal val="visible"/>
+                                      </p:to>
+                                    </p:set>
+                                    <p:animEffect transition="in" filter="randombar(horizontal)">
+                                      <p:cBhvr>
+                                        <p:cTn id="16" dur="500"/>
+                                        <p:tgtEl>
+                                          <p:spTgt spid="33"/>
+                                        </p:tgtEl>
+                                      </p:cBhvr>
+                                    </p:animEffect>
+                                  </p:childTnLst>
+                                </p:cTn>
+                              </p:par>
+                            </p:childTnLst>
+                          </p:cTn>
+                        </p:par>
+                      </p:childTnLst>
+                    </p:cTn>
+                  </p:par>
+                  <p:par>
+                    <p:cTn id="17" fill="hold">
+                      <p:stCondLst>
+                        <p:cond delay="indefinite"/>
+                      </p:stCondLst>
+                      <p:childTnLst>
+                        <p:par>
+                          <p:cTn id="18" fill="hold">
+                            <p:stCondLst>
+                              <p:cond delay="0"/>
+                            </p:stCondLst>
+                            <p:childTnLst>
+                              <p:par>
+                                <p:cTn id="19" presetID="12" presetClass="entr" presetSubtype="1" fill="hold" nodeType="clickEffect">
+                                  <p:stCondLst>
+                                    <p:cond delay="0"/>
+                                  </p:stCondLst>
+                                  <p:childTnLst>
+                                    <p:set>
+                                      <p:cBhvr>
+                                        <p:cTn id="20" dur="1" fill="hold">
+                                          <p:stCondLst>
+                                            <p:cond delay="0"/>
+                                          </p:stCondLst>
+                                        </p:cTn>
+                                        <p:tgtEl>
+                                          <p:spTgt spid="13"/>
+                                        </p:tgtEl>
+                                        <p:attrNameLst>
+                                          <p:attrName>style.visibility</p:attrName>
+                                        </p:attrNameLst>
+                                      </p:cBhvr>
+                                      <p:to>
+                                        <p:strVal val="visible"/>
+                                      </p:to>
+                                    </p:set>
+                                    <p:anim calcmode="lin" valueType="num">
+                                      <p:cBhvr additive="base">
+                                        <p:cTn id="21" dur="500"/>
+                                        <p:tgtEl>
+                                          <p:spTgt spid="13"/>
+                                        </p:tgtEl>
+                                        <p:attrNameLst>
+                                          <p:attrName>ppt_y</p:attrName>
+                                        </p:attrNameLst>
+                                      </p:cBhvr>
+                                      <p:tavLst>
+                                        <p:tav tm="0">
+                                          <p:val>
+                                            <p:strVal val="#ppt_y-#ppt_h*1.125000"/>
+                                          </p:val>
+                                        </p:tav>
+                                        <p:tav tm="100000">
+                                          <p:val>
+                                            <p:strVal val="#ppt_y"/>
+                                          </p:val>
+                                        </p:tav>
+                                      </p:tavLst>
+                                    </p:anim>
+                                    <p:animEffect transition="in" filter="wipe(down)">
+                                      <p:cBhvr>
+                                        <p:cTn id="22" dur="500"/>
+                                        <p:tgtEl>
+                                          <p:spTgt spid="13"/>
+                                        </p:tgtEl>
+                                      </p:cBhvr>
+                                    </p:animEffect>
+                                  </p:childTnLst>
+                                </p:cTn>
+                              </p:par>
+                              <p:par>
+                                <p:cTn id="23" presetID="12" presetClass="entr" presetSubtype="1" fill="hold" nodeType="withEffect">
+                                  <p:stCondLst>
+                                    <p:cond delay="0"/>
+                                  </p:stCondLst>
+                                  <p:childTnLst>
+                                    <p:set>
+                                      <p:cBhvr>
+                                        <p:cTn id="24" dur="1" fill="hold">
+                                          <p:stCondLst>
+                                            <p:cond delay="0"/>
+                                          </p:stCondLst>
+                                        </p:cTn>
+                                        <p:tgtEl>
+                                          <p:spTgt spid="9"/>
+                                        </p:tgtEl>
+                                        <p:attrNameLst>
+                                          <p:attrName>style.visibility</p:attrName>
+                                        </p:attrNameLst>
+                                      </p:cBhvr>
+                                      <p:to>
+                                        <p:strVal val="visible"/>
+                                      </p:to>
+                                    </p:set>
+                                    <p:anim calcmode="lin" valueType="num">
+                                      <p:cBhvr additive="base">
+                                        <p:cTn id="25" dur="500"/>
+                                        <p:tgtEl>
+                                          <p:spTgt spid="9"/>
+                                        </p:tgtEl>
+                                        <p:attrNameLst>
+                                          <p:attrName>ppt_y</p:attrName>
+                                        </p:attrNameLst>
+                                      </p:cBhvr>
+                                      <p:tavLst>
+                                        <p:tav tm="0">
+                                          <p:val>
+                                            <p:strVal val="#ppt_y-#ppt_h*1.125000"/>
+                                          </p:val>
+                                        </p:tav>
+                                        <p:tav tm="100000">
+                                          <p:val>
+                                            <p:strVal val="#ppt_y"/>
+                                          </p:val>
+                                        </p:tav>
+                                      </p:tavLst>
+                                    </p:anim>
+                                    <p:animEffect transition="in" filter="wipe(down)">
+                                      <p:cBhvr>
+                                        <p:cTn id="26" dur="500"/>
+                                        <p:tgtEl>
+                                          <p:spTgt spid="9"/>
+                                        </p:tgtEl>
+                                      </p:cBhvr>
+                                    </p:animEffect>
+                                  </p:childTnLst>
+                                </p:cTn>
+                              </p:par>
+                              <p:par>
+                                <p:cTn id="27" presetID="12" presetClass="entr" presetSubtype="1" fill="hold" nodeType="withEffect">
+                                  <p:stCondLst>
+                                    <p:cond delay="0"/>
+                                  </p:stCondLst>
+                                  <p:childTnLst>
+                                    <p:set>
+                                      <p:cBhvr>
+                                        <p:cTn id="28" dur="1" fill="hold">
+                                          <p:stCondLst>
+                                            <p:cond delay="0"/>
+                                          </p:stCondLst>
+                                        </p:cTn>
+                                        <p:tgtEl>
+                                          <p:spTgt spid="23"/>
+                                        </p:tgtEl>
+                                        <p:attrNameLst>
+                                          <p:attrName>style.visibility</p:attrName>
+                                        </p:attrNameLst>
+                                      </p:cBhvr>
+                                      <p:to>
+                                        <p:strVal val="visible"/>
+                                      </p:to>
+                                    </p:set>
+                                    <p:anim calcmode="lin" valueType="num">
+                                      <p:cBhvr additive="base">
+                                        <p:cTn id="29" dur="500"/>
+                                        <p:tgtEl>
+                                          <p:spTgt spid="23"/>
+                                        </p:tgtEl>
+                                        <p:attrNameLst>
+                                          <p:attrName>ppt_y</p:attrName>
+                                        </p:attrNameLst>
+                                      </p:cBhvr>
+                                      <p:tavLst>
+                                        <p:tav tm="0">
+                                          <p:val>
+                                            <p:strVal val="#ppt_y-#ppt_h*1.125000"/>
+                                          </p:val>
+                                        </p:tav>
+                                        <p:tav tm="100000">
+                                          <p:val>
+                                            <p:strVal val="#ppt_y"/>
+                                          </p:val>
+                                        </p:tav>
+                                      </p:tavLst>
+                                    </p:anim>
+                                    <p:animEffect transition="in" filter="wipe(down)">
+                                      <p:cBhvr>
+                                        <p:cTn id="30" dur="500"/>
+                                        <p:tgtEl>
+                                          <p:spTgt spid="23"/>
+                                        </p:tgtEl>
+                                      </p:cBhvr>
+                                    </p:animEffect>
+                                  </p:childTnLst>
+                                </p:cTn>
+                              </p:par>
+                              <p:par>
+                                <p:cTn id="31" presetID="12" presetClass="entr" presetSubtype="1" fill="hold" nodeType="withEffect">
+                                  <p:stCondLst>
+                                    <p:cond delay="0"/>
+                                  </p:stCondLst>
+                                  <p:childTnLst>
+                                    <p:set>
+                                      <p:cBhvr>
+                                        <p:cTn id="32" dur="1" fill="hold">
+                                          <p:stCondLst>
+                                            <p:cond delay="0"/>
+                                          </p:stCondLst>
+                                        </p:cTn>
+                                        <p:tgtEl>
+                                          <p:spTgt spid="17"/>
+                                        </p:tgtEl>
+                                        <p:attrNameLst>
+                                          <p:attrName>style.visibility</p:attrName>
+                                        </p:attrNameLst>
+                                      </p:cBhvr>
+                                      <p:to>
+                                        <p:strVal val="visible"/>
+                                      </p:to>
+                                    </p:set>
+                                    <p:anim calcmode="lin" valueType="num">
+                                      <p:cBhvr additive="base">
+                                        <p:cTn id="33" dur="500"/>
+                                        <p:tgtEl>
+                                          <p:spTgt spid="17"/>
+                                        </p:tgtEl>
+                                        <p:attrNameLst>
+                                          <p:attrName>ppt_y</p:attrName>
+                                        </p:attrNameLst>
+                                      </p:cBhvr>
+                                      <p:tavLst>
+                                        <p:tav tm="0">
+                                          <p:val>
+                                            <p:strVal val="#ppt_y-#ppt_h*1.125000"/>
+                                          </p:val>
+                                        </p:tav>
+                                        <p:tav tm="100000">
+                                          <p:val>
+                                            <p:strVal val="#ppt_y"/>
+                                          </p:val>
+                                        </p:tav>
+                                      </p:tavLst>
+                                    </p:anim>
+                                    <p:animEffect transition="in" filter="wipe(down)">
+                                      <p:cBhvr>
+                                        <p:cTn id="34" dur="500"/>
+                                        <p:tgtEl>
+                                          <p:spTgt spid="17"/>
+                                        </p:tgtEl>
+                                      </p:cBhvr>
+                                    </p:animEffect>
+                                  </p:childTnLst>
+                                </p:cTn>
+                              </p:par>
+                              <p:par>
+                                <p:cTn id="35" presetID="12" presetClass="entr" presetSubtype="1" fill="hold" nodeType="withEffect">
+                                  <p:stCondLst>
+                                    <p:cond delay="0"/>
+                                  </p:stCondLst>
+                                  <p:childTnLst>
+                                    <p:set>
+                                      <p:cBhvr>
+                                        <p:cTn id="36" dur="1" fill="hold">
+                                          <p:stCondLst>
+                                            <p:cond delay="0"/>
+                                          </p:stCondLst>
+                                        </p:cTn>
+                                        <p:tgtEl>
+                                          <p:spTgt spid="35"/>
+                                        </p:tgtEl>
+                                        <p:attrNameLst>
+                                          <p:attrName>style.visibility</p:attrName>
+                                        </p:attrNameLst>
+                                      </p:cBhvr>
+                                      <p:to>
+                                        <p:strVal val="visible"/>
+                                      </p:to>
+                                    </p:set>
+                                    <p:anim calcmode="lin" valueType="num">
+                                      <p:cBhvr additive="base">
+                                        <p:cTn id="37" dur="500"/>
+                                        <p:tgtEl>
+                                          <p:spTgt spid="35"/>
+                                        </p:tgtEl>
+                                        <p:attrNameLst>
+                                          <p:attrName>ppt_y</p:attrName>
+                                        </p:attrNameLst>
+                                      </p:cBhvr>
+                                      <p:tavLst>
+                                        <p:tav tm="0">
+                                          <p:val>
+                                            <p:strVal val="#ppt_y-#ppt_h*1.125000"/>
+                                          </p:val>
+                                        </p:tav>
+                                        <p:tav tm="100000">
+                                          <p:val>
+                                            <p:strVal val="#ppt_y"/>
+                                          </p:val>
+                                        </p:tav>
+                                      </p:tavLst>
+                                    </p:anim>
+                                    <p:animEffect transition="in" filter="wipe(down)">
+                                      <p:cBhvr>
+                                        <p:cTn id="38" dur="500"/>
+                                        <p:tgtEl>
+                                          <p:spTgt spid="35"/>
+                                        </p:tgtEl>
+                                      </p:cBhvr>
+                                    </p:animEffect>
+                                  </p:childTnLst>
+                                </p:cTn>
+                              </p:par>
+                            </p:childTnLst>
+                          </p:cTn>
+                        </p:par>
+                      </p:childTnLst>
+                    </p:cTn>
+                  </p:par>
+                  <p:par>
+                    <p:cTn id="39" fill="hold">
+                      <p:stCondLst>
+                        <p:cond delay="indefinite"/>
+                      </p:stCondLst>
+                      <p:childTnLst>
+                        <p:par>
+                          <p:cTn id="40" fill="hold">
+                            <p:stCondLst>
+                              <p:cond delay="0"/>
+                            </p:stCondLst>
+                            <p:childTnLst>
+                              <p:par>
+                                <p:cTn id="41" presetID="12" presetClass="entr" presetSubtype="1" fill="hold" nodeType="clickEffect">
+                                  <p:stCondLst>
+                                    <p:cond delay="0"/>
+                                  </p:stCondLst>
+                                  <p:childTnLst>
+                                    <p:set>
+                                      <p:cBhvr>
+                                        <p:cTn id="42" dur="1" fill="hold">
+                                          <p:stCondLst>
+                                            <p:cond delay="0"/>
+                                          </p:stCondLst>
+                                        </p:cTn>
+                                        <p:tgtEl>
+                                          <p:spTgt spid="26"/>
+                                        </p:tgtEl>
+                                        <p:attrNameLst>
+                                          <p:attrName>style.visibility</p:attrName>
+                                        </p:attrNameLst>
+                                      </p:cBhvr>
+                                      <p:to>
+                                        <p:strVal val="visible"/>
+                                      </p:to>
+                                    </p:set>
+                                    <p:anim calcmode="lin" valueType="num">
+                                      <p:cBhvr additive="base">
+                                        <p:cTn id="43" dur="500"/>
+                                        <p:tgtEl>
+                                          <p:spTgt spid="26"/>
+                                        </p:tgtEl>
+                                        <p:attrNameLst>
+                                          <p:attrName>ppt_y</p:attrName>
+                                        </p:attrNameLst>
+                                      </p:cBhvr>
+                                      <p:tavLst>
+                                        <p:tav tm="0">
+                                          <p:val>
+                                            <p:strVal val="#ppt_y-#ppt_h*1.125000"/>
+                                          </p:val>
+                                        </p:tav>
+                                        <p:tav tm="100000">
+                                          <p:val>
+                                            <p:strVal val="#ppt_y"/>
+                                          </p:val>
+                                        </p:tav>
+                                      </p:tavLst>
+                                    </p:anim>
+                                    <p:animEffect transition="in" filter="wipe(down)">
+                                      <p:cBhvr>
+                                        <p:cTn id="44" dur="500"/>
+                                        <p:tgtEl>
+                                          <p:spTgt spid="26"/>
+                                        </p:tgtEl>
+                                      </p:cBhvr>
+                                    </p:animEffect>
+                                  </p:childTnLst>
+                                </p:cTn>
+                              </p:par>
+                              <p:par>
+                                <p:cTn id="45" presetID="12" presetClass="entr" presetSubtype="1" fill="hold" nodeType="withEffect">
+                                  <p:stCondLst>
+                                    <p:cond delay="0"/>
+                                  </p:stCondLst>
+                                  <p:childTnLst>
+                                    <p:set>
+                                      <p:cBhvr>
+                                        <p:cTn id="46" dur="1" fill="hold">
+                                          <p:stCondLst>
+                                            <p:cond delay="0"/>
+                                          </p:stCondLst>
+                                        </p:cTn>
+                                        <p:tgtEl>
+                                          <p:spTgt spid="11"/>
+                                        </p:tgtEl>
+                                        <p:attrNameLst>
+                                          <p:attrName>style.visibility</p:attrName>
+                                        </p:attrNameLst>
+                                      </p:cBhvr>
+                                      <p:to>
+                                        <p:strVal val="visible"/>
+                                      </p:to>
+                                    </p:set>
+                                    <p:anim calcmode="lin" valueType="num">
+                                      <p:cBhvr additive="base">
+                                        <p:cTn id="47" dur="500"/>
+                                        <p:tgtEl>
+                                          <p:spTgt spid="11"/>
+                                        </p:tgtEl>
+                                        <p:attrNameLst>
+                                          <p:attrName>ppt_y</p:attrName>
+                                        </p:attrNameLst>
+                                      </p:cBhvr>
+                                      <p:tavLst>
+                                        <p:tav tm="0">
+                                          <p:val>
+                                            <p:strVal val="#ppt_y-#ppt_h*1.125000"/>
+                                          </p:val>
+                                        </p:tav>
+                                        <p:tav tm="100000">
+                                          <p:val>
+                                            <p:strVal val="#ppt_y"/>
+                                          </p:val>
+                                        </p:tav>
+                                      </p:tavLst>
+                                    </p:anim>
+                                    <p:animEffect transition="in" filter="wipe(down)">
+                                      <p:cBhvr>
+                                        <p:cTn id="48" dur="500"/>
+                                        <p:tgtEl>
+                                          <p:spTgt spid="11"/>
+                                        </p:tgtEl>
+                                      </p:cBhvr>
+                                    </p:animEffect>
+                                  </p:childTnLst>
+                                </p:cTn>
+                              </p:par>
+                              <p:par>
+                                <p:cTn id="49" presetID="12" presetClass="entr" presetSubtype="1" fill="hold" nodeType="withEffect">
+                                  <p:stCondLst>
+                                    <p:cond delay="0"/>
+                                  </p:stCondLst>
+                                  <p:childTnLst>
+                                    <p:set>
+                                      <p:cBhvr>
+                                        <p:cTn id="50" dur="1" fill="hold">
+                                          <p:stCondLst>
+                                            <p:cond delay="0"/>
+                                          </p:stCondLst>
+                                        </p:cTn>
+                                        <p:tgtEl>
+                                          <p:spTgt spid="25"/>
+                                        </p:tgtEl>
+                                        <p:attrNameLst>
+                                          <p:attrName>style.visibility</p:attrName>
+                                        </p:attrNameLst>
+                                      </p:cBhvr>
+                                      <p:to>
+                                        <p:strVal val="visible"/>
+                                      </p:to>
+                                    </p:set>
+                                    <p:anim calcmode="lin" valueType="num">
+                                      <p:cBhvr additive="base">
+                                        <p:cTn id="51" dur="500"/>
+                                        <p:tgtEl>
+                                          <p:spTgt spid="25"/>
+                                        </p:tgtEl>
+                                        <p:attrNameLst>
+                                          <p:attrName>ppt_y</p:attrName>
+                                        </p:attrNameLst>
+                                      </p:cBhvr>
+                                      <p:tavLst>
+                                        <p:tav tm="0">
+                                          <p:val>
+                                            <p:strVal val="#ppt_y-#ppt_h*1.125000"/>
+                                          </p:val>
+                                        </p:tav>
+                                        <p:tav tm="100000">
+                                          <p:val>
+                                            <p:strVal val="#ppt_y"/>
+                                          </p:val>
+                                        </p:tav>
+                                      </p:tavLst>
+                                    </p:anim>
+                                    <p:animEffect transition="in" filter="wipe(down)">
+                                      <p:cBhvr>
+                                        <p:cTn id="52" dur="500"/>
+                                        <p:tgtEl>
+                                          <p:spTgt spid="25"/>
+                                        </p:tgtEl>
+                                      </p:cBhvr>
+                                    </p:animEffect>
+                                  </p:childTnLst>
+                                </p:cTn>
+                              </p:par>
+                              <p:par>
+                                <p:cTn id="53" presetID="12" presetClass="entr" presetSubtype="1" fill="hold" nodeType="withEffect">
+                                  <p:stCondLst>
+                                    <p:cond delay="0"/>
+                                  </p:stCondLst>
+                                  <p:childTnLst>
+                                    <p:set>
+                                      <p:cBhvr>
+                                        <p:cTn id="54" dur="1" fill="hold">
+                                          <p:stCondLst>
+                                            <p:cond delay="0"/>
+                                          </p:stCondLst>
+                                        </p:cTn>
+                                        <p:tgtEl>
+                                          <p:spTgt spid="19"/>
+                                        </p:tgtEl>
+                                        <p:attrNameLst>
+                                          <p:attrName>style.visibility</p:attrName>
+                                        </p:attrNameLst>
+                                      </p:cBhvr>
+                                      <p:to>
+                                        <p:strVal val="visible"/>
+                                      </p:to>
+                                    </p:set>
+                                    <p:anim calcmode="lin" valueType="num">
+                                      <p:cBhvr additive="base">
+                                        <p:cTn id="55" dur="500"/>
+                                        <p:tgtEl>
+                                          <p:spTgt spid="19"/>
+                                        </p:tgtEl>
+                                        <p:attrNameLst>
+                                          <p:attrName>ppt_y</p:attrName>
+                                        </p:attrNameLst>
+                                      </p:cBhvr>
+                                      <p:tavLst>
+                                        <p:tav tm="0">
+                                          <p:val>
+                                            <p:strVal val="#ppt_y-#ppt_h*1.125000"/>
+                                          </p:val>
+                                        </p:tav>
+                                        <p:tav tm="100000">
+                                          <p:val>
+                                            <p:strVal val="#ppt_y"/>
+                                          </p:val>
+                                        </p:tav>
+                                      </p:tavLst>
+                                    </p:anim>
+                                    <p:animEffect transition="in" filter="wipe(down)">
+                                      <p:cBhvr>
+                                        <p:cTn id="56" dur="500"/>
+                                        <p:tgtEl>
+                                          <p:spTgt spid="19"/>
+                                        </p:tgtEl>
+                                      </p:cBhvr>
+                                    </p:animEffect>
+                                  </p:childTnLst>
+                                </p:cTn>
+                              </p:par>
+                              <p:par>
+                                <p:cTn id="57" presetID="12" presetClass="entr" presetSubtype="1" fill="hold" nodeType="withEffect">
+                                  <p:stCondLst>
+                                    <p:cond delay="0"/>
+                                  </p:stCondLst>
+                                  <p:childTnLst>
+                                    <p:set>
+                                      <p:cBhvr>
+                                        <p:cTn id="58" dur="1" fill="hold">
+                                          <p:stCondLst>
+                                            <p:cond delay="0"/>
+                                          </p:stCondLst>
+                                        </p:cTn>
+                                        <p:tgtEl>
+                                          <p:spTgt spid="37"/>
+                                        </p:tgtEl>
+                                        <p:attrNameLst>
+                                          <p:attrName>style.visibility</p:attrName>
+                                        </p:attrNameLst>
+                                      </p:cBhvr>
+                                      <p:to>
+                                        <p:strVal val="visible"/>
+                                      </p:to>
+                                    </p:set>
+                                    <p:anim calcmode="lin" valueType="num">
+                                      <p:cBhvr additive="base">
+                                        <p:cTn id="59" dur="500"/>
+                                        <p:tgtEl>
+                                          <p:spTgt spid="37"/>
+                                        </p:tgtEl>
+                                        <p:attrNameLst>
+                                          <p:attrName>ppt_y</p:attrName>
+                                        </p:attrNameLst>
+                                      </p:cBhvr>
+                                      <p:tavLst>
+                                        <p:tav tm="0">
+                                          <p:val>
+                                            <p:strVal val="#ppt_y-#ppt_h*1.125000"/>
+                                          </p:val>
+                                        </p:tav>
+                                        <p:tav tm="100000">
+                                          <p:val>
+                                            <p:strVal val="#ppt_y"/>
+                                          </p:val>
+                                        </p:tav>
+                                      </p:tavLst>
+                                    </p:anim>
+                                    <p:animEffect transition="in" filter="wipe(down)">
+                                      <p:cBhvr>
+                                        <p:cTn id="60" dur="500"/>
+                                        <p:tgtEl>
+                                          <p:spTgt spid="37"/>
+                                        </p:tgtEl>
+                                      </p:cBhvr>
+                                    </p:animEffect>
+                                  </p:childTnLst>
+                                </p:cTn>
+                              </p:par>
+                            </p:childTnLst>
+                          </p:cTn>
+                        </p:par>
+                      </p:childTnLst>
+                    </p:cTn>
+                  </p:par>
+                </p:childTnLst>
+              </p:cTn>
+              <p:prevCondLst>
+                <p:cond evt="onPrev" delay="0">
+                  <p:tgtEl>
+                    <p:sldTgt/>
+                  </p:tgtEl>
+                </p:cond>
+              </p:prevCondLst>
+              <p:nextCondLst>
+                <p:cond evt="onNext" delay="0">
+                  <p:tgtEl>
+                    <p:sldTgt/>
+                  </p:tgtEl>
+                </p:cond>
+              </p:nextCondLst>
+            </p:seq>
+          </p:childTnLst>
+        </p:cTn>
+      </p:par>
+    </p:tnLst>
+  </p:timing>
+</p:sld>
+</file>
+
+<file path=ppt/slides/slide11.xml><?xml version="1.0" encoding="utf-8"?>
+<p:sld xmlns:a="http://schemas.openxmlformats.org/drawingml/2006/main" xmlns:r="http://schemas.openxmlformats.org/officeDocument/2006/relationships" xmlns:p="http://schemas.openxmlformats.org/presentationml/2006/main">
+  <p:cSld>
+    <p:spTree>
+      <p:nvGrpSpPr>
+        <p:cNvPr id="1" name=""/>
+        <p:cNvGrpSpPr/>
+        <p:nvPr/>
+      </p:nvGrpSpPr>
+      <p:grpSpPr>
+        <a:xfrm>
+          <a:off x="0" y="0"/>
+          <a:ext cx="0" cy="0"/>
+          <a:chOff x="0" y="0"/>
+          <a:chExt cx="0" cy="0"/>
+        </a:xfrm>
+      </p:grpSpPr>
+      <p:pic>
+        <p:nvPicPr>
+          <p:cNvPr id="6" name="Imagen 5" descr="Diagrama, Esquemático&#10;&#10;El contenido generado por IA puede ser incorrecto.">
+            <a:extLst>
+              <a:ext uri="{FF2B5EF4-FFF2-40B4-BE49-F238E27FC236}">
+                <a16:creationId xmlns:a16="http://schemas.microsoft.com/office/drawing/2014/main" id="{5A2CA513-8357-293A-8409-C9F5A5E33EB9}"/>
+              </a:ext>
+            </a:extLst>
+          </p:cNvPr>
+          <p:cNvPicPr>
+            <a:picLocks noChangeAspect="1"/>
+          </p:cNvPicPr>
+          <p:nvPr/>
+        </p:nvPicPr>
+        <p:blipFill>
+          <a:blip r:embed="rId2">
+            <a:alphaModFix amt="50000"/>
+            <a:extLst>
+              <a:ext uri="{28A0092B-C50C-407E-A947-70E740481C1C}">
+                <a14:useLocalDpi xmlns:a14="http://schemas.microsoft.com/office/drawing/2010/main" val="0"/>
+              </a:ext>
+            </a:extLst>
+          </a:blip>
+          <a:stretch>
+            <a:fillRect/>
+          </a:stretch>
+        </p:blipFill>
+        <p:spPr>
+          <a:xfrm>
+            <a:off x="0" y="-220895"/>
+            <a:ext cx="12192000" cy="6858000"/>
+          </a:xfrm>
+          <a:prstGeom prst="rect">
+            <a:avLst/>
+          </a:prstGeom>
+        </p:spPr>
+      </p:pic>
+      <p:sp>
+        <p:nvSpPr>
+          <p:cNvPr id="3" name="CuadroTexto 2">
+            <a:extLst>
+              <a:ext uri="{FF2B5EF4-FFF2-40B4-BE49-F238E27FC236}">
+                <a16:creationId xmlns:a16="http://schemas.microsoft.com/office/drawing/2014/main" id="{DECE15D3-4C5F-F093-B015-3D877A3770B0}"/>
+              </a:ext>
+            </a:extLst>
+          </p:cNvPr>
+          <p:cNvSpPr txBox="1"/>
+          <p:nvPr/>
+        </p:nvSpPr>
+        <p:spPr>
+          <a:xfrm>
+            <a:off x="4857750" y="282947"/>
+            <a:ext cx="5191125" cy="1200329"/>
+          </a:xfrm>
+          <a:prstGeom prst="rect">
+            <a:avLst/>
+          </a:prstGeom>
+          <a:noFill/>
+        </p:spPr>
+        <p:txBody>
+          <a:bodyPr wrap="square">
+            <a:spAutoFit/>
+          </a:bodyPr>
+          <a:lstStyle/>
+          <a:p>
+            <a:r>
+              <a:rPr lang="es-ES_tradnl" sz="3600" b="1" dirty="0">
+                <a:solidFill>
+                  <a:srgbClr val="454545"/>
+                </a:solidFill>
+                <a:effectLst>
+                  <a:outerShdw blurRad="38100" dist="38100" dir="2700000" algn="tl">
+                    <a:srgbClr val="000000">
+                      <a:alpha val="43137"/>
+                    </a:srgbClr>
+                  </a:outerShdw>
+                </a:effectLst>
+                <a:latin typeface="Montserrat" pitchFamily="2" charset="0"/>
+              </a:rPr>
+              <a:t>Algunas</a:t>
+            </a:r>
+          </a:p>
+          <a:p>
+            <a:r>
+              <a:rPr lang="es-ES_tradnl" sz="3600" b="1" dirty="0">
+                <a:solidFill>
+                  <a:srgbClr val="454545"/>
+                </a:solidFill>
+                <a:effectLst>
+                  <a:outerShdw blurRad="38100" dist="38100" dir="2700000" algn="tl">
+                    <a:srgbClr val="000000">
+                      <a:alpha val="43137"/>
+                    </a:srgbClr>
+                  </a:outerShdw>
+                </a:effectLst>
+                <a:latin typeface="Montserrat" pitchFamily="2" charset="0"/>
+              </a:rPr>
+              <a:t>        </a:t>
+            </a:r>
+            <a:r>
+              <a:rPr lang="es-ES_tradnl" sz="3600" b="1" dirty="0">
+                <a:solidFill>
+                  <a:srgbClr val="EA1B26"/>
+                </a:solidFill>
+                <a:effectLst>
+                  <a:outerShdw blurRad="38100" dist="38100" dir="2700000" algn="tl">
+                    <a:srgbClr val="000000">
+                      <a:alpha val="43137"/>
+                    </a:srgbClr>
+                  </a:outerShdw>
+                </a:effectLst>
+                <a:latin typeface="Montserrat" pitchFamily="2" charset="0"/>
+              </a:rPr>
+              <a:t>Funcionalidades</a:t>
+            </a:r>
+            <a:endParaRPr lang="es-ES_tradnl" sz="3600" dirty="0">
+              <a:solidFill>
+                <a:srgbClr val="EA1B26"/>
+              </a:solidFill>
+              <a:effectLst>
+                <a:outerShdw blurRad="38100" dist="38100" dir="2700000" algn="tl">
+                  <a:srgbClr val="000000">
+                    <a:alpha val="43137"/>
+                  </a:srgbClr>
+                </a:outerShdw>
+              </a:effectLst>
+              <a:latin typeface="Montserrat" pitchFamily="2" charset="0"/>
+            </a:endParaRPr>
+          </a:p>
+        </p:txBody>
+      </p:sp>
+      <p:grpSp>
+        <p:nvGrpSpPr>
+          <p:cNvPr id="10" name="Grupo 9">
+            <a:extLst>
+              <a:ext uri="{FF2B5EF4-FFF2-40B4-BE49-F238E27FC236}">
+                <a16:creationId xmlns:a16="http://schemas.microsoft.com/office/drawing/2014/main" id="{78F466EC-9E64-0216-366D-BDFAA0DE3D50}"/>
+              </a:ext>
+            </a:extLst>
+          </p:cNvPr>
+          <p:cNvGrpSpPr/>
+          <p:nvPr/>
+        </p:nvGrpSpPr>
+        <p:grpSpPr>
+          <a:xfrm>
+            <a:off x="146621" y="1271319"/>
+            <a:ext cx="5372101" cy="1752600"/>
+            <a:chOff x="495299" y="1676400"/>
+            <a:chExt cx="5372101" cy="1752600"/>
+          </a:xfrm>
+        </p:grpSpPr>
+        <p:sp>
+          <p:nvSpPr>
+            <p:cNvPr id="4" name="Rectángulo: esquinas redondeadas 3">
+              <a:extLst>
+                <a:ext uri="{FF2B5EF4-FFF2-40B4-BE49-F238E27FC236}">
+                  <a16:creationId xmlns:a16="http://schemas.microsoft.com/office/drawing/2014/main" id="{06B55D3D-2B4C-82E6-8C3A-06A8DA36D239}"/>
+                </a:ext>
+              </a:extLst>
+            </p:cNvPr>
+            <p:cNvSpPr/>
+            <p:nvPr/>
+          </p:nvSpPr>
+          <p:spPr>
+            <a:xfrm>
+              <a:off x="495299" y="1676400"/>
+              <a:ext cx="5372101" cy="1752600"/>
+            </a:xfrm>
+            <a:prstGeom prst="roundRect">
+              <a:avLst/>
+            </a:prstGeom>
+          </p:spPr>
+          <p:style>
+            <a:lnRef idx="2">
+              <a:schemeClr val="accent1">
+                <a:shade val="15000"/>
+              </a:schemeClr>
+            </a:lnRef>
+            <a:fillRef idx="1">
+              <a:schemeClr val="accent1"/>
+            </a:fillRef>
+            <a:effectRef idx="0">
+              <a:schemeClr val="accent1"/>
+            </a:effectRef>
+            <a:fontRef idx="minor">
+              <a:schemeClr val="lt1"/>
+            </a:fontRef>
+          </p:style>
+          <p:txBody>
+            <a:bodyPr rtlCol="0" anchor="ctr"/>
+            <a:lstStyle/>
+            <a:p>
+              <a:pPr algn="ctr"/>
+              <a:endParaRPr lang="es-ES_tradnl" dirty="0"/>
+            </a:p>
+          </p:txBody>
+        </p:sp>
+        <p:pic>
+          <p:nvPicPr>
+            <p:cNvPr id="8" name="Imagen 7" descr="Icono&#10;&#10;El contenido generado por IA puede ser incorrecto.">
+              <a:extLst>
+                <a:ext uri="{FF2B5EF4-FFF2-40B4-BE49-F238E27FC236}">
+                  <a16:creationId xmlns:a16="http://schemas.microsoft.com/office/drawing/2014/main" id="{0C71961C-681D-D1BB-F154-1FBFD28D4608}"/>
+                </a:ext>
+              </a:extLst>
+            </p:cNvPr>
+            <p:cNvPicPr>
+              <a:picLocks noChangeAspect="1"/>
+            </p:cNvPicPr>
+            <p:nvPr/>
+          </p:nvPicPr>
+          <p:blipFill>
+            <a:blip r:embed="rId3">
+              <a:extLst>
+                <a:ext uri="{28A0092B-C50C-407E-A947-70E740481C1C}">
+                  <a14:useLocalDpi xmlns:a14="http://schemas.microsoft.com/office/drawing/2010/main" val="0"/>
+                </a:ext>
+              </a:extLst>
+            </a:blip>
+            <a:stretch>
+              <a:fillRect/>
+            </a:stretch>
+          </p:blipFill>
+          <p:spPr>
+            <a:xfrm>
+              <a:off x="581025" y="1995487"/>
+              <a:ext cx="1114425" cy="1114425"/>
+            </a:xfrm>
+            <a:prstGeom prst="rect">
+              <a:avLst/>
+            </a:prstGeom>
+          </p:spPr>
+        </p:pic>
+        <p:sp>
+          <p:nvSpPr>
+            <p:cNvPr id="9" name="CuadroTexto 8">
+              <a:extLst>
+                <a:ext uri="{FF2B5EF4-FFF2-40B4-BE49-F238E27FC236}">
+                  <a16:creationId xmlns:a16="http://schemas.microsoft.com/office/drawing/2014/main" id="{89D7086E-6895-2A3D-C7BF-1380173CE2AF}"/>
+                </a:ext>
+              </a:extLst>
+            </p:cNvPr>
+            <p:cNvSpPr txBox="1"/>
+            <p:nvPr/>
+          </p:nvSpPr>
+          <p:spPr>
+            <a:xfrm>
+              <a:off x="1857375" y="1952534"/>
+              <a:ext cx="3924299" cy="1200329"/>
+            </a:xfrm>
+            <a:prstGeom prst="rect">
+              <a:avLst/>
+            </a:prstGeom>
+            <a:noFill/>
+          </p:spPr>
+          <p:txBody>
+            <a:bodyPr wrap="square" rtlCol="0">
+              <a:spAutoFit/>
+            </a:bodyPr>
+            <a:lstStyle/>
+            <a:p>
+              <a:r>
+                <a:rPr lang="es-ES" b="1" dirty="0">
+                  <a:solidFill>
+                    <a:srgbClr val="EA1B26"/>
+                  </a:solidFill>
+                  <a:latin typeface="Montserrat" pitchFamily="2" charset="0"/>
+                  <a:ea typeface="Open Sans" pitchFamily="2" charset="0"/>
+                  <a:cs typeface="Open Sans" pitchFamily="2" charset="0"/>
+                </a:rPr>
+                <a:t>Gestión de clientes y vehículos</a:t>
+              </a:r>
+              <a:br>
+                <a:rPr lang="es-ES" dirty="0">
+                  <a:latin typeface="Open Sans" pitchFamily="2" charset="0"/>
+                  <a:ea typeface="Open Sans" pitchFamily="2" charset="0"/>
+                  <a:cs typeface="Open Sans" pitchFamily="2" charset="0"/>
+                </a:rPr>
+              </a:br>
+              <a:r>
+                <a:rPr lang="es-ES" dirty="0">
+                  <a:solidFill>
+                    <a:srgbClr val="B1B1B1"/>
+                  </a:solidFill>
+                  <a:latin typeface="Open Sans" pitchFamily="2" charset="0"/>
+                  <a:ea typeface="Open Sans" pitchFamily="2" charset="0"/>
+                  <a:cs typeface="Open Sans" pitchFamily="2" charset="0"/>
+                </a:rPr>
+                <a:t>Permite registrar, buscar, modificar y relacionar vehículos con sus propietarios.</a:t>
+              </a:r>
+              <a:endParaRPr lang="es-ES_tradnl" dirty="0">
+                <a:solidFill>
+                  <a:srgbClr val="B1B1B1"/>
+                </a:solidFill>
+                <a:latin typeface="Open Sans" pitchFamily="2" charset="0"/>
+                <a:ea typeface="Open Sans" pitchFamily="2" charset="0"/>
+                <a:cs typeface="Open Sans" pitchFamily="2" charset="0"/>
+              </a:endParaRPr>
+            </a:p>
+          </p:txBody>
+        </p:sp>
+      </p:grpSp>
+      <p:grpSp>
+        <p:nvGrpSpPr>
+          <p:cNvPr id="45" name="Grupo 44">
+            <a:extLst>
+              <a:ext uri="{FF2B5EF4-FFF2-40B4-BE49-F238E27FC236}">
+                <a16:creationId xmlns:a16="http://schemas.microsoft.com/office/drawing/2014/main" id="{3E2BF081-61D5-0D5D-12D7-EE48809CE245}"/>
+              </a:ext>
+            </a:extLst>
+          </p:cNvPr>
+          <p:cNvGrpSpPr/>
+          <p:nvPr/>
+        </p:nvGrpSpPr>
+        <p:grpSpPr>
+          <a:xfrm>
+            <a:off x="1432498" y="1872363"/>
+            <a:ext cx="5372101" cy="1752600"/>
+            <a:chOff x="6332117" y="5725300"/>
+            <a:chExt cx="5372101" cy="1752600"/>
+          </a:xfrm>
+        </p:grpSpPr>
+        <p:sp>
+          <p:nvSpPr>
+            <p:cNvPr id="12" name="Rectángulo: esquinas redondeadas 11">
+              <a:extLst>
+                <a:ext uri="{FF2B5EF4-FFF2-40B4-BE49-F238E27FC236}">
+                  <a16:creationId xmlns:a16="http://schemas.microsoft.com/office/drawing/2014/main" id="{54B9A101-D67B-247A-9ED9-6B75121101BA}"/>
+                </a:ext>
+              </a:extLst>
+            </p:cNvPr>
+            <p:cNvSpPr/>
+            <p:nvPr/>
+          </p:nvSpPr>
+          <p:spPr>
+            <a:xfrm>
+              <a:off x="6332117" y="5725300"/>
+              <a:ext cx="5372101" cy="1752600"/>
+            </a:xfrm>
+            <a:prstGeom prst="roundRect">
+              <a:avLst/>
+            </a:prstGeom>
+          </p:spPr>
+          <p:style>
+            <a:lnRef idx="2">
+              <a:schemeClr val="accent1">
+                <a:shade val="15000"/>
+              </a:schemeClr>
+            </a:lnRef>
+            <a:fillRef idx="1">
+              <a:schemeClr val="accent1"/>
+            </a:fillRef>
+            <a:effectRef idx="0">
+              <a:schemeClr val="accent1"/>
+            </a:effectRef>
+            <a:fontRef idx="minor">
+              <a:schemeClr val="lt1"/>
+            </a:fontRef>
+          </p:style>
+          <p:txBody>
+            <a:bodyPr rtlCol="0" anchor="ctr"/>
+            <a:lstStyle/>
+            <a:p>
+              <a:pPr algn="ctr"/>
+              <a:endParaRPr lang="es-ES_tradnl" dirty="0"/>
+            </a:p>
+          </p:txBody>
+        </p:sp>
+        <p:sp>
+          <p:nvSpPr>
+            <p:cNvPr id="14" name="CuadroTexto 13">
+              <a:extLst>
+                <a:ext uri="{FF2B5EF4-FFF2-40B4-BE49-F238E27FC236}">
+                  <a16:creationId xmlns:a16="http://schemas.microsoft.com/office/drawing/2014/main" id="{65C61775-D5D7-5CC7-A2E1-131811747A28}"/>
+                </a:ext>
+              </a:extLst>
+            </p:cNvPr>
+            <p:cNvSpPr txBox="1"/>
+            <p:nvPr/>
+          </p:nvSpPr>
+          <p:spPr>
+            <a:xfrm>
+              <a:off x="7648574" y="6003489"/>
+              <a:ext cx="4010025" cy="923330"/>
+            </a:xfrm>
+            <a:prstGeom prst="rect">
+              <a:avLst/>
+            </a:prstGeom>
+            <a:noFill/>
+          </p:spPr>
+          <p:txBody>
+            <a:bodyPr wrap="square" rtlCol="0">
+              <a:spAutoFit/>
+            </a:bodyPr>
+            <a:lstStyle/>
+            <a:p>
+              <a:r>
+                <a:rPr lang="es-ES" b="1" dirty="0">
+                  <a:solidFill>
+                    <a:srgbClr val="EA1B26"/>
+                  </a:solidFill>
+                  <a:latin typeface="Montserrat" pitchFamily="2" charset="0"/>
+                </a:rPr>
+                <a:t>Control de fichajes del personal</a:t>
+              </a:r>
+              <a:br>
+                <a:rPr lang="es-ES" dirty="0"/>
+              </a:br>
+              <a:r>
+                <a:rPr lang="es-ES" dirty="0">
+                  <a:solidFill>
+                    <a:srgbClr val="B1B1B1"/>
+                  </a:solidFill>
+                  <a:latin typeface="Open Sans" pitchFamily="2" charset="0"/>
+                  <a:ea typeface="Open Sans" pitchFamily="2" charset="0"/>
+                  <a:cs typeface="Open Sans" pitchFamily="2" charset="0"/>
+                </a:rPr>
+                <a:t>Sistema de entrada y salida con reloj integrado, controlado por rol.</a:t>
+              </a:r>
+              <a:endParaRPr lang="es-ES_tradnl" dirty="0">
+                <a:solidFill>
+                  <a:srgbClr val="B1B1B1"/>
+                </a:solidFill>
+                <a:latin typeface="Open Sans" pitchFamily="2" charset="0"/>
+                <a:ea typeface="Open Sans" pitchFamily="2" charset="0"/>
+                <a:cs typeface="Open Sans" pitchFamily="2" charset="0"/>
+              </a:endParaRPr>
+            </a:p>
+          </p:txBody>
+        </p:sp>
+        <p:pic>
+          <p:nvPicPr>
+            <p:cNvPr id="16" name="Imagen 15" descr="Icono&#10;&#10;El contenido generado por IA puede ser incorrecto.">
+              <a:extLst>
+                <a:ext uri="{FF2B5EF4-FFF2-40B4-BE49-F238E27FC236}">
+                  <a16:creationId xmlns:a16="http://schemas.microsoft.com/office/drawing/2014/main" id="{0E9D0F0F-74F6-2E3B-C375-951A1D1CDE10}"/>
+                </a:ext>
+              </a:extLst>
+            </p:cNvPr>
+            <p:cNvPicPr>
+              <a:picLocks noChangeAspect="1"/>
+            </p:cNvPicPr>
+            <p:nvPr/>
+          </p:nvPicPr>
+          <p:blipFill>
+            <a:blip r:embed="rId4">
+              <a:extLst>
+                <a:ext uri="{28A0092B-C50C-407E-A947-70E740481C1C}">
+                  <a14:useLocalDpi xmlns:a14="http://schemas.microsoft.com/office/drawing/2010/main" val="0"/>
+                </a:ext>
+              </a:extLst>
+            </a:blip>
+            <a:stretch>
+              <a:fillRect/>
+            </a:stretch>
+          </p:blipFill>
+          <p:spPr>
+            <a:xfrm>
+              <a:off x="6466459" y="5967650"/>
+              <a:ext cx="1093392" cy="1093392"/>
+            </a:xfrm>
+            <a:prstGeom prst="rect">
+              <a:avLst/>
+            </a:prstGeom>
+          </p:spPr>
+        </p:pic>
+      </p:grpSp>
+      <p:grpSp>
+        <p:nvGrpSpPr>
+          <p:cNvPr id="50" name="Grupo 49">
+            <a:extLst>
+              <a:ext uri="{FF2B5EF4-FFF2-40B4-BE49-F238E27FC236}">
+                <a16:creationId xmlns:a16="http://schemas.microsoft.com/office/drawing/2014/main" id="{F4C59A66-19FE-B889-3A44-D1BD161D1810}"/>
+              </a:ext>
+            </a:extLst>
+          </p:cNvPr>
+          <p:cNvGrpSpPr/>
+          <p:nvPr/>
+        </p:nvGrpSpPr>
+        <p:grpSpPr>
+          <a:xfrm>
+            <a:off x="2718375" y="2483545"/>
+            <a:ext cx="5372101" cy="1752600"/>
+            <a:chOff x="265683" y="5130382"/>
+            <a:chExt cx="5372101" cy="1752600"/>
+          </a:xfrm>
+        </p:grpSpPr>
+        <p:sp>
+          <p:nvSpPr>
+            <p:cNvPr id="47" name="Rectángulo: esquinas redondeadas 46">
+              <a:extLst>
+                <a:ext uri="{FF2B5EF4-FFF2-40B4-BE49-F238E27FC236}">
+                  <a16:creationId xmlns:a16="http://schemas.microsoft.com/office/drawing/2014/main" id="{B03CFBD8-24D8-5E61-4006-4547EF699E2B}"/>
+                </a:ext>
+              </a:extLst>
+            </p:cNvPr>
+            <p:cNvSpPr/>
+            <p:nvPr/>
+          </p:nvSpPr>
+          <p:spPr>
+            <a:xfrm>
+              <a:off x="265683" y="5130382"/>
+              <a:ext cx="5372101" cy="1752600"/>
+            </a:xfrm>
+            <a:prstGeom prst="roundRect">
+              <a:avLst/>
+            </a:prstGeom>
+          </p:spPr>
+          <p:style>
+            <a:lnRef idx="2">
+              <a:schemeClr val="accent1">
+                <a:shade val="15000"/>
+              </a:schemeClr>
+            </a:lnRef>
+            <a:fillRef idx="1">
+              <a:schemeClr val="accent1"/>
+            </a:fillRef>
+            <a:effectRef idx="0">
+              <a:schemeClr val="accent1"/>
+            </a:effectRef>
+            <a:fontRef idx="minor">
+              <a:schemeClr val="lt1"/>
+            </a:fontRef>
+          </p:style>
+          <p:txBody>
+            <a:bodyPr rtlCol="0" anchor="ctr"/>
+            <a:lstStyle/>
+            <a:p>
+              <a:pPr algn="ctr"/>
+              <a:endParaRPr lang="es-ES_tradnl" dirty="0"/>
+            </a:p>
+          </p:txBody>
+        </p:sp>
+        <p:sp>
+          <p:nvSpPr>
+            <p:cNvPr id="48" name="CuadroTexto 47">
+              <a:extLst>
+                <a:ext uri="{FF2B5EF4-FFF2-40B4-BE49-F238E27FC236}">
+                  <a16:creationId xmlns:a16="http://schemas.microsoft.com/office/drawing/2014/main" id="{75F9C3D4-DBE0-C947-3316-3B103FC46562}"/>
+                </a:ext>
+              </a:extLst>
+            </p:cNvPr>
+            <p:cNvSpPr txBox="1"/>
+            <p:nvPr/>
+          </p:nvSpPr>
+          <p:spPr>
+            <a:xfrm>
+              <a:off x="1546795" y="5268017"/>
+              <a:ext cx="3514726" cy="1477328"/>
+            </a:xfrm>
+            <a:prstGeom prst="rect">
+              <a:avLst/>
+            </a:prstGeom>
+            <a:noFill/>
+          </p:spPr>
+          <p:txBody>
+            <a:bodyPr wrap="square" rtlCol="0">
+              <a:spAutoFit/>
+            </a:bodyPr>
+            <a:lstStyle/>
+            <a:p>
+              <a:r>
+                <a:rPr lang="es-ES" b="1" dirty="0">
+                  <a:solidFill>
+                    <a:srgbClr val="EA1B26"/>
+                  </a:solidFill>
+                  <a:latin typeface="Montserrat" pitchFamily="2" charset="0"/>
+                </a:rPr>
+                <a:t>Registro y seguimiento de reparaciones</a:t>
+              </a:r>
+              <a:br>
+                <a:rPr lang="es-ES" dirty="0"/>
+              </a:br>
+              <a:r>
+                <a:rPr lang="es-ES" dirty="0">
+                  <a:solidFill>
+                    <a:srgbClr val="B1B1B1"/>
+                  </a:solidFill>
+                  <a:latin typeface="Open Sans" pitchFamily="2" charset="0"/>
+                  <a:ea typeface="Open Sans" pitchFamily="2" charset="0"/>
+                  <a:cs typeface="Open Sans" pitchFamily="2" charset="0"/>
+                </a:rPr>
+                <a:t>Cada intervención queda documentada con fechas, tipo, observaciones y estado.</a:t>
+              </a:r>
+              <a:endParaRPr lang="es-ES_tradnl" dirty="0">
+                <a:solidFill>
+                  <a:srgbClr val="B1B1B1"/>
+                </a:solidFill>
+                <a:latin typeface="Open Sans" pitchFamily="2" charset="0"/>
+                <a:ea typeface="Open Sans" pitchFamily="2" charset="0"/>
+                <a:cs typeface="Open Sans" pitchFamily="2" charset="0"/>
+              </a:endParaRPr>
+            </a:p>
+          </p:txBody>
+        </p:sp>
+        <p:pic>
+          <p:nvPicPr>
+            <p:cNvPr id="49" name="Imagen 48" descr="Icono&#10;&#10;El contenido generado por IA puede ser incorrecto.">
+              <a:extLst>
+                <a:ext uri="{FF2B5EF4-FFF2-40B4-BE49-F238E27FC236}">
+                  <a16:creationId xmlns:a16="http://schemas.microsoft.com/office/drawing/2014/main" id="{430C238C-79B9-5E6D-F43A-B2E8DCFC7E90}"/>
+                </a:ext>
+              </a:extLst>
+            </p:cNvPr>
+            <p:cNvPicPr>
+              <a:picLocks noChangeAspect="1"/>
+            </p:cNvPicPr>
+            <p:nvPr/>
+          </p:nvPicPr>
+          <p:blipFill>
+            <a:blip r:embed="rId5">
+              <a:extLst>
+                <a:ext uri="{28A0092B-C50C-407E-A947-70E740481C1C}">
+                  <a14:useLocalDpi xmlns:a14="http://schemas.microsoft.com/office/drawing/2010/main" val="0"/>
+                </a:ext>
+              </a:extLst>
+            </a:blip>
+            <a:stretch>
+              <a:fillRect/>
+            </a:stretch>
+          </p:blipFill>
+          <p:spPr>
+            <a:xfrm>
+              <a:off x="393867" y="5349226"/>
+              <a:ext cx="1094787" cy="1094787"/>
+            </a:xfrm>
+            <a:prstGeom prst="rect">
+              <a:avLst/>
+            </a:prstGeom>
+          </p:spPr>
+        </p:pic>
+      </p:grpSp>
+      <p:grpSp>
+        <p:nvGrpSpPr>
+          <p:cNvPr id="51" name="Grupo 50">
+            <a:extLst>
+              <a:ext uri="{FF2B5EF4-FFF2-40B4-BE49-F238E27FC236}">
+                <a16:creationId xmlns:a16="http://schemas.microsoft.com/office/drawing/2014/main" id="{1A315DF5-A964-A434-4756-1D1B927E48A7}"/>
+              </a:ext>
+            </a:extLst>
+          </p:cNvPr>
+          <p:cNvGrpSpPr/>
+          <p:nvPr/>
+        </p:nvGrpSpPr>
+        <p:grpSpPr>
+          <a:xfrm>
+            <a:off x="3955633" y="3208105"/>
+            <a:ext cx="5372101" cy="1752600"/>
+            <a:chOff x="4419599" y="3233260"/>
+            <a:chExt cx="5372101" cy="1752600"/>
+          </a:xfrm>
+        </p:grpSpPr>
+        <p:sp>
+          <p:nvSpPr>
+            <p:cNvPr id="27" name="Rectángulo: esquinas redondeadas 26">
+              <a:extLst>
+                <a:ext uri="{FF2B5EF4-FFF2-40B4-BE49-F238E27FC236}">
+                  <a16:creationId xmlns:a16="http://schemas.microsoft.com/office/drawing/2014/main" id="{E788E621-6A67-ECD9-0872-2DA77EB358EF}"/>
+                </a:ext>
+              </a:extLst>
+            </p:cNvPr>
+            <p:cNvSpPr/>
+            <p:nvPr/>
+          </p:nvSpPr>
+          <p:spPr>
+            <a:xfrm>
+              <a:off x="4419599" y="3233260"/>
+              <a:ext cx="5372101" cy="1752600"/>
+            </a:xfrm>
+            <a:prstGeom prst="roundRect">
+              <a:avLst/>
+            </a:prstGeom>
+          </p:spPr>
+          <p:style>
+            <a:lnRef idx="2">
+              <a:schemeClr val="accent1">
+                <a:shade val="15000"/>
+              </a:schemeClr>
+            </a:lnRef>
+            <a:fillRef idx="1">
+              <a:schemeClr val="accent1"/>
+            </a:fillRef>
+            <a:effectRef idx="0">
+              <a:schemeClr val="accent1"/>
+            </a:effectRef>
+            <a:fontRef idx="minor">
+              <a:schemeClr val="lt1"/>
+            </a:fontRef>
+          </p:style>
+          <p:txBody>
+            <a:bodyPr rtlCol="0" anchor="ctr"/>
+            <a:lstStyle/>
+            <a:p>
+              <a:pPr algn="ctr"/>
+              <a:endParaRPr lang="es-ES_tradnl" dirty="0"/>
+            </a:p>
+          </p:txBody>
+        </p:sp>
+        <p:sp>
+          <p:nvSpPr>
+            <p:cNvPr id="29" name="CuadroTexto 28">
+              <a:extLst>
+                <a:ext uri="{FF2B5EF4-FFF2-40B4-BE49-F238E27FC236}">
+                  <a16:creationId xmlns:a16="http://schemas.microsoft.com/office/drawing/2014/main" id="{31701A7E-35CE-4DA3-2CE0-617D2C2FE206}"/>
+                </a:ext>
+              </a:extLst>
+            </p:cNvPr>
+            <p:cNvSpPr txBox="1"/>
+            <p:nvPr/>
+          </p:nvSpPr>
+          <p:spPr>
+            <a:xfrm>
+              <a:off x="5781675" y="3509394"/>
+              <a:ext cx="3924299" cy="1200329"/>
+            </a:xfrm>
+            <a:prstGeom prst="rect">
+              <a:avLst/>
+            </a:prstGeom>
+            <a:noFill/>
+          </p:spPr>
+          <p:txBody>
+            <a:bodyPr wrap="square" rtlCol="0">
+              <a:spAutoFit/>
+            </a:bodyPr>
+            <a:lstStyle/>
+            <a:p>
+              <a:r>
+                <a:rPr lang="es-ES" b="1" dirty="0">
+                  <a:solidFill>
+                    <a:srgbClr val="EA1B26"/>
+                  </a:solidFill>
+                  <a:latin typeface="Montserrat" pitchFamily="2" charset="0"/>
+                </a:rPr>
+                <a:t>Generación automática de presupuestos y contratos</a:t>
+              </a:r>
+              <a:br>
+                <a:rPr lang="es-ES" dirty="0">
+                  <a:solidFill>
+                    <a:srgbClr val="EA1B26"/>
+                  </a:solidFill>
+                  <a:latin typeface="Montserrat" pitchFamily="2" charset="0"/>
+                </a:rPr>
+              </a:br>
+              <a:r>
+                <a:rPr lang="es-ES" dirty="0">
+                  <a:solidFill>
+                    <a:srgbClr val="B1B1B1"/>
+                  </a:solidFill>
+                  <a:latin typeface="Open Sans" pitchFamily="2" charset="0"/>
+                  <a:ea typeface="Open Sans" pitchFamily="2" charset="0"/>
+                  <a:cs typeface="Open Sans" pitchFamily="2" charset="0"/>
+                </a:rPr>
+                <a:t>Se generan en PDF desde la app usando plantillas dinámicas.</a:t>
+              </a:r>
+              <a:endParaRPr lang="es-ES_tradnl" dirty="0">
+                <a:solidFill>
+                  <a:srgbClr val="B1B1B1"/>
+                </a:solidFill>
+                <a:latin typeface="Open Sans" pitchFamily="2" charset="0"/>
+                <a:ea typeface="Open Sans" pitchFamily="2" charset="0"/>
+                <a:cs typeface="Open Sans" pitchFamily="2" charset="0"/>
+              </a:endParaRPr>
+            </a:p>
+          </p:txBody>
+        </p:sp>
+        <p:pic>
+          <p:nvPicPr>
+            <p:cNvPr id="33" name="Imagen 32" descr="Icono&#10;&#10;El contenido generado por IA puede ser incorrecto.">
+              <a:extLst>
+                <a:ext uri="{FF2B5EF4-FFF2-40B4-BE49-F238E27FC236}">
+                  <a16:creationId xmlns:a16="http://schemas.microsoft.com/office/drawing/2014/main" id="{66DB1CD2-F55B-3FCC-F4ED-1A8D157537D7}"/>
+                </a:ext>
+              </a:extLst>
+            </p:cNvPr>
+            <p:cNvPicPr>
+              <a:picLocks noChangeAspect="1"/>
+            </p:cNvPicPr>
+            <p:nvPr/>
+          </p:nvPicPr>
+          <p:blipFill>
+            <a:blip r:embed="rId6">
+              <a:extLst>
+                <a:ext uri="{28A0092B-C50C-407E-A947-70E740481C1C}">
+                  <a14:useLocalDpi xmlns:a14="http://schemas.microsoft.com/office/drawing/2010/main" val="0"/>
+                </a:ext>
+              </a:extLst>
+            </a:blip>
+            <a:stretch>
+              <a:fillRect/>
+            </a:stretch>
+          </p:blipFill>
+          <p:spPr>
+            <a:xfrm>
+              <a:off x="4542411" y="3477083"/>
+              <a:ext cx="1176358" cy="1176358"/>
+            </a:xfrm>
+            <a:prstGeom prst="rect">
+              <a:avLst/>
+            </a:prstGeom>
+          </p:spPr>
+        </p:pic>
+      </p:grpSp>
+      <p:grpSp>
+        <p:nvGrpSpPr>
+          <p:cNvPr id="52" name="Grupo 51">
+            <a:extLst>
+              <a:ext uri="{FF2B5EF4-FFF2-40B4-BE49-F238E27FC236}">
+                <a16:creationId xmlns:a16="http://schemas.microsoft.com/office/drawing/2014/main" id="{3295AAFE-7056-9C9D-DBB3-015D24D4F6AC}"/>
+              </a:ext>
+            </a:extLst>
+          </p:cNvPr>
+          <p:cNvGrpSpPr/>
+          <p:nvPr/>
+        </p:nvGrpSpPr>
+        <p:grpSpPr>
+          <a:xfrm>
+            <a:off x="5254803" y="4098395"/>
+            <a:ext cx="5372101" cy="1752600"/>
+            <a:chOff x="5781674" y="3853160"/>
+            <a:chExt cx="5372101" cy="1752600"/>
+          </a:xfrm>
+        </p:grpSpPr>
+        <p:sp>
+          <p:nvSpPr>
+            <p:cNvPr id="35" name="Rectángulo: esquinas redondeadas 34">
+              <a:extLst>
+                <a:ext uri="{FF2B5EF4-FFF2-40B4-BE49-F238E27FC236}">
+                  <a16:creationId xmlns:a16="http://schemas.microsoft.com/office/drawing/2014/main" id="{1A1E8644-4F0A-6182-C096-B51626D02D41}"/>
+                </a:ext>
+              </a:extLst>
+            </p:cNvPr>
+            <p:cNvSpPr/>
+            <p:nvPr/>
+          </p:nvSpPr>
+          <p:spPr>
+            <a:xfrm>
+              <a:off x="5781674" y="3853160"/>
+              <a:ext cx="5372101" cy="1752600"/>
+            </a:xfrm>
+            <a:prstGeom prst="roundRect">
+              <a:avLst/>
+            </a:prstGeom>
+          </p:spPr>
+          <p:style>
+            <a:lnRef idx="2">
+              <a:schemeClr val="accent1">
+                <a:shade val="15000"/>
+              </a:schemeClr>
+            </a:lnRef>
+            <a:fillRef idx="1">
+              <a:schemeClr val="accent1"/>
+            </a:fillRef>
+            <a:effectRef idx="0">
+              <a:schemeClr val="accent1"/>
+            </a:effectRef>
+            <a:fontRef idx="minor">
+              <a:schemeClr val="lt1"/>
+            </a:fontRef>
+          </p:style>
+          <p:txBody>
+            <a:bodyPr rtlCol="0" anchor="ctr"/>
+            <a:lstStyle/>
+            <a:p>
+              <a:pPr algn="ctr"/>
+              <a:endParaRPr lang="es-ES_tradnl" dirty="0"/>
+            </a:p>
+          </p:txBody>
+        </p:sp>
+        <p:sp>
+          <p:nvSpPr>
+            <p:cNvPr id="37" name="CuadroTexto 36">
+              <a:extLst>
+                <a:ext uri="{FF2B5EF4-FFF2-40B4-BE49-F238E27FC236}">
+                  <a16:creationId xmlns:a16="http://schemas.microsoft.com/office/drawing/2014/main" id="{9B4AB8F6-372D-9118-DB5B-8D3E861F853E}"/>
+                </a:ext>
+              </a:extLst>
+            </p:cNvPr>
+            <p:cNvSpPr txBox="1"/>
+            <p:nvPr/>
+          </p:nvSpPr>
+          <p:spPr>
+            <a:xfrm>
+              <a:off x="7143750" y="4129294"/>
+              <a:ext cx="3924299" cy="1200329"/>
+            </a:xfrm>
+            <a:prstGeom prst="rect">
+              <a:avLst/>
+            </a:prstGeom>
+            <a:noFill/>
+          </p:spPr>
+          <p:txBody>
+            <a:bodyPr wrap="square" rtlCol="0">
+              <a:spAutoFit/>
+            </a:bodyPr>
+            <a:lstStyle/>
+            <a:p>
+              <a:r>
+                <a:rPr lang="es-ES" b="1" dirty="0">
+                  <a:solidFill>
+                    <a:srgbClr val="EA1B26"/>
+                  </a:solidFill>
+                  <a:latin typeface="Montserrat" pitchFamily="2" charset="0"/>
+                </a:rPr>
+                <a:t>Recuperación de cuenta por correo electrónico</a:t>
+              </a:r>
+              <a:br>
+                <a:rPr lang="es-ES" dirty="0"/>
+              </a:br>
+              <a:r>
+                <a:rPr lang="es-ES" dirty="0">
+                  <a:solidFill>
+                    <a:srgbClr val="B1B1B1"/>
+                  </a:solidFill>
+                  <a:latin typeface="Open Sans" pitchFamily="2" charset="0"/>
+                  <a:ea typeface="Open Sans" pitchFamily="2" charset="0"/>
+                  <a:cs typeface="Open Sans" pitchFamily="2" charset="0"/>
+                </a:rPr>
+                <a:t>Con código OTP temporal y sistema de verificación.</a:t>
+              </a:r>
+              <a:endParaRPr lang="es-ES_tradnl" dirty="0">
+                <a:solidFill>
+                  <a:srgbClr val="B1B1B1"/>
+                </a:solidFill>
+                <a:latin typeface="Open Sans" pitchFamily="2" charset="0"/>
+                <a:ea typeface="Open Sans" pitchFamily="2" charset="0"/>
+                <a:cs typeface="Open Sans" pitchFamily="2" charset="0"/>
+              </a:endParaRPr>
+            </a:p>
+          </p:txBody>
+        </p:sp>
+        <p:pic>
+          <p:nvPicPr>
+            <p:cNvPr id="39" name="Imagen 38" descr="Icono&#10;&#10;El contenido generado por IA puede ser incorrecto.">
+              <a:extLst>
+                <a:ext uri="{FF2B5EF4-FFF2-40B4-BE49-F238E27FC236}">
+                  <a16:creationId xmlns:a16="http://schemas.microsoft.com/office/drawing/2014/main" id="{3DFDC910-235D-FDF4-1CC5-65E90630B5F2}"/>
+                </a:ext>
+              </a:extLst>
+            </p:cNvPr>
+            <p:cNvPicPr>
+              <a:picLocks noChangeAspect="1"/>
+            </p:cNvPicPr>
+            <p:nvPr/>
+          </p:nvPicPr>
+          <p:blipFill>
+            <a:blip r:embed="rId7">
+              <a:extLst>
+                <a:ext uri="{28A0092B-C50C-407E-A947-70E740481C1C}">
+                  <a14:useLocalDpi xmlns:a14="http://schemas.microsoft.com/office/drawing/2010/main" val="0"/>
+                </a:ext>
+              </a:extLst>
+            </a:blip>
+            <a:stretch>
+              <a:fillRect/>
+            </a:stretch>
+          </p:blipFill>
+          <p:spPr>
+            <a:xfrm>
+              <a:off x="5976918" y="4129294"/>
+              <a:ext cx="1176359" cy="1176359"/>
+            </a:xfrm>
+            <a:prstGeom prst="rect">
+              <a:avLst/>
+            </a:prstGeom>
+          </p:spPr>
+        </p:pic>
+      </p:grpSp>
+      <p:grpSp>
+        <p:nvGrpSpPr>
+          <p:cNvPr id="59" name="Grupo 58">
+            <a:extLst>
+              <a:ext uri="{FF2B5EF4-FFF2-40B4-BE49-F238E27FC236}">
+                <a16:creationId xmlns:a16="http://schemas.microsoft.com/office/drawing/2014/main" id="{72A4C9AD-FAA5-1474-2F0B-575AF448B4A0}"/>
+              </a:ext>
+            </a:extLst>
+          </p:cNvPr>
+          <p:cNvGrpSpPr/>
+          <p:nvPr/>
+        </p:nvGrpSpPr>
+        <p:grpSpPr>
+          <a:xfrm>
+            <a:off x="6641683" y="4988798"/>
+            <a:ext cx="5372101" cy="1752600"/>
+            <a:chOff x="6755983" y="4509190"/>
+            <a:chExt cx="5372101" cy="1752600"/>
+          </a:xfrm>
+        </p:grpSpPr>
+        <p:sp>
+          <p:nvSpPr>
+            <p:cNvPr id="54" name="Rectángulo: esquinas redondeadas 53">
+              <a:extLst>
+                <a:ext uri="{FF2B5EF4-FFF2-40B4-BE49-F238E27FC236}">
+                  <a16:creationId xmlns:a16="http://schemas.microsoft.com/office/drawing/2014/main" id="{B4A7D360-316B-68B3-CF1A-706AAFDBEBBE}"/>
+                </a:ext>
+              </a:extLst>
+            </p:cNvPr>
+            <p:cNvSpPr/>
+            <p:nvPr/>
+          </p:nvSpPr>
+          <p:spPr>
+            <a:xfrm>
+              <a:off x="6755983" y="4509190"/>
+              <a:ext cx="5372101" cy="1752600"/>
+            </a:xfrm>
+            <a:prstGeom prst="roundRect">
+              <a:avLst/>
+            </a:prstGeom>
+          </p:spPr>
+          <p:style>
+            <a:lnRef idx="2">
+              <a:schemeClr val="accent1">
+                <a:shade val="15000"/>
+              </a:schemeClr>
+            </a:lnRef>
+            <a:fillRef idx="1">
+              <a:schemeClr val="accent1"/>
+            </a:fillRef>
+            <a:effectRef idx="0">
+              <a:schemeClr val="accent1"/>
+            </a:effectRef>
+            <a:fontRef idx="minor">
+              <a:schemeClr val="lt1"/>
+            </a:fontRef>
+          </p:style>
+          <p:txBody>
+            <a:bodyPr rtlCol="0" anchor="ctr"/>
+            <a:lstStyle/>
+            <a:p>
+              <a:pPr algn="ctr"/>
+              <a:endParaRPr lang="es-ES_tradnl" dirty="0"/>
+            </a:p>
+          </p:txBody>
+        </p:sp>
+        <p:sp>
+          <p:nvSpPr>
+            <p:cNvPr id="56" name="CuadroTexto 55">
+              <a:extLst>
+                <a:ext uri="{FF2B5EF4-FFF2-40B4-BE49-F238E27FC236}">
+                  <a16:creationId xmlns:a16="http://schemas.microsoft.com/office/drawing/2014/main" id="{54B4837F-7ADB-6C9F-8C04-1AE7A25581AD}"/>
+                </a:ext>
+              </a:extLst>
+            </p:cNvPr>
+            <p:cNvSpPr txBox="1"/>
+            <p:nvPr/>
+          </p:nvSpPr>
+          <p:spPr>
+            <a:xfrm>
+              <a:off x="8118059" y="4785324"/>
+              <a:ext cx="3924299" cy="1200329"/>
+            </a:xfrm>
+            <a:prstGeom prst="rect">
+              <a:avLst/>
+            </a:prstGeom>
+            <a:noFill/>
+          </p:spPr>
+          <p:txBody>
+            <a:bodyPr wrap="square" rtlCol="0">
+              <a:spAutoFit/>
+            </a:bodyPr>
+            <a:lstStyle/>
+            <a:p>
+              <a:r>
+                <a:rPr lang="es-ES" b="1" dirty="0">
+                  <a:solidFill>
+                    <a:srgbClr val="EA1B26"/>
+                  </a:solidFill>
+                  <a:latin typeface="Montserrat" pitchFamily="2" charset="0"/>
+                </a:rPr>
+                <a:t>Control de acceso por roles</a:t>
+              </a:r>
+              <a:br>
+                <a:rPr lang="es-ES" dirty="0"/>
+              </a:br>
+              <a:r>
+                <a:rPr lang="es-ES" dirty="0">
+                  <a:solidFill>
+                    <a:srgbClr val="B1B1B1"/>
+                  </a:solidFill>
+                  <a:latin typeface="Open Sans" pitchFamily="2" charset="0"/>
+                  <a:ea typeface="Open Sans" pitchFamily="2" charset="0"/>
+                  <a:cs typeface="Open Sans" pitchFamily="2" charset="0"/>
+                </a:rPr>
+                <a:t>Solo se muestran los módulos permitidos según el perfil del usuario.</a:t>
+              </a:r>
+              <a:endParaRPr lang="es-ES_tradnl" dirty="0">
+                <a:solidFill>
+                  <a:srgbClr val="B1B1B1"/>
+                </a:solidFill>
+                <a:latin typeface="Open Sans" pitchFamily="2" charset="0"/>
+                <a:ea typeface="Open Sans" pitchFamily="2" charset="0"/>
+                <a:cs typeface="Open Sans" pitchFamily="2" charset="0"/>
+              </a:endParaRPr>
+            </a:p>
+          </p:txBody>
+        </p:sp>
+        <p:pic>
+          <p:nvPicPr>
+            <p:cNvPr id="58" name="Imagen 57" descr="Icono&#10;&#10;El contenido generado por IA puede ser incorrecto.">
+              <a:extLst>
+                <a:ext uri="{FF2B5EF4-FFF2-40B4-BE49-F238E27FC236}">
+                  <a16:creationId xmlns:a16="http://schemas.microsoft.com/office/drawing/2014/main" id="{D657DAFE-8758-E249-3319-32F114A908D2}"/>
+                </a:ext>
+              </a:extLst>
+            </p:cNvPr>
+            <p:cNvPicPr>
+              <a:picLocks noChangeAspect="1"/>
+            </p:cNvPicPr>
+            <p:nvPr/>
+          </p:nvPicPr>
+          <p:blipFill>
+            <a:blip r:embed="rId8">
+              <a:extLst>
+                <a:ext uri="{28A0092B-C50C-407E-A947-70E740481C1C}">
+                  <a14:useLocalDpi xmlns:a14="http://schemas.microsoft.com/office/drawing/2010/main" val="0"/>
+                </a:ext>
+              </a:extLst>
+            </a:blip>
+            <a:stretch>
+              <a:fillRect/>
+            </a:stretch>
+          </p:blipFill>
+          <p:spPr>
+            <a:xfrm>
+              <a:off x="6915012" y="4785324"/>
+              <a:ext cx="1176358" cy="1176358"/>
+            </a:xfrm>
+            <a:prstGeom prst="rect">
+              <a:avLst/>
+            </a:prstGeom>
+          </p:spPr>
+        </p:pic>
+      </p:grpSp>
+      <p:pic>
+        <p:nvPicPr>
+          <p:cNvPr id="61" name="Imagen 60" descr="Icono&#10;&#10;El contenido generado por IA puede ser incorrecto.">
+            <a:extLst>
+              <a:ext uri="{FF2B5EF4-FFF2-40B4-BE49-F238E27FC236}">
+                <a16:creationId xmlns:a16="http://schemas.microsoft.com/office/drawing/2014/main" id="{2C9C67A6-0C47-DF36-A7FC-2615752D910F}"/>
+              </a:ext>
+            </a:extLst>
+          </p:cNvPr>
+          <p:cNvPicPr>
+            <a:picLocks noChangeAspect="1"/>
+          </p:cNvPicPr>
+          <p:nvPr/>
+        </p:nvPicPr>
+        <p:blipFill>
+          <a:blip r:embed="rId9">
+            <a:extLst>
+              <a:ext uri="{28A0092B-C50C-407E-A947-70E740481C1C}">
+                <a14:useLocalDpi xmlns:a14="http://schemas.microsoft.com/office/drawing/2010/main" val="0"/>
+              </a:ext>
+            </a:extLst>
+          </a:blip>
+          <a:stretch>
+            <a:fillRect/>
+          </a:stretch>
+        </p:blipFill>
+        <p:spPr>
+          <a:xfrm>
+            <a:off x="10253356" y="282947"/>
+            <a:ext cx="1307459" cy="1307459"/>
+          </a:xfrm>
+          <a:prstGeom prst="rect">
+            <a:avLst/>
+          </a:prstGeom>
+        </p:spPr>
+      </p:pic>
+      <p:sp>
+        <p:nvSpPr>
+          <p:cNvPr id="63" name="CuadroTexto 62">
+            <a:extLst>
+              <a:ext uri="{FF2B5EF4-FFF2-40B4-BE49-F238E27FC236}">
+                <a16:creationId xmlns:a16="http://schemas.microsoft.com/office/drawing/2014/main" id="{AC4D45EA-F11C-5682-DF39-796977E62538}"/>
+              </a:ext>
+            </a:extLst>
+          </p:cNvPr>
+          <p:cNvSpPr txBox="1"/>
+          <p:nvPr/>
+        </p:nvSpPr>
+        <p:spPr>
+          <a:xfrm>
+            <a:off x="217044" y="4531410"/>
+            <a:ext cx="3576739" cy="2031325"/>
+          </a:xfrm>
+          <a:prstGeom prst="rect">
+            <a:avLst/>
+          </a:prstGeom>
+          <a:noFill/>
+        </p:spPr>
+        <p:txBody>
+          <a:bodyPr wrap="square">
+            <a:spAutoFit/>
+          </a:bodyPr>
+          <a:lstStyle/>
+          <a:p>
+            <a:r>
+              <a:rPr lang="es-ES" dirty="0">
+                <a:latin typeface="Montserrat" pitchFamily="2" charset="0"/>
+              </a:rPr>
+              <a:t>Estas funcionalidades representan solo una parte del sistema. ReyBoxes incluye muchas más herramientas integradas, adaptadas a las necesidades reales de un taller mecánico.</a:t>
+            </a:r>
+            <a:endParaRPr lang="es-ES_tradnl" dirty="0">
+              <a:latin typeface="Montserrat" pitchFamily="2" charset="0"/>
+            </a:endParaRPr>
+          </a:p>
+        </p:txBody>
+      </p:sp>
+    </p:spTree>
+    <p:extLst>
+      <p:ext uri="{BB962C8B-B14F-4D97-AF65-F5344CB8AC3E}">
+        <p14:creationId xmlns:p14="http://schemas.microsoft.com/office/powerpoint/2010/main" val="3291283254"/>
+      </p:ext>
+    </p:extLst>
+  </p:cSld>
+  <p:clrMapOvr>
+    <a:masterClrMapping/>
+  </p:clrMapOvr>
+  <p:timing>
+    <p:tnLst>
+      <p:par>
+        <p:cTn id="1" dur="indefinite" restart="never" nodeType="tmRoot">
+          <p:childTnLst>
+            <p:seq concurrent="1" nextAc="seek">
+              <p:cTn id="2" dur="indefinite" nodeType="mainSeq">
+                <p:childTnLst>
+                  <p:par>
+                    <p:cTn id="3" fill="hold">
+                      <p:stCondLst>
+                        <p:cond delay="indefinite"/>
+                        <p:cond evt="onBegin" delay="0">
+                          <p:tn val="2"/>
+                        </p:cond>
+                      </p:stCondLst>
+                      <p:childTnLst>
+                        <p:par>
+                          <p:cTn id="4" fill="hold">
+                            <p:stCondLst>
+                              <p:cond delay="0"/>
+                            </p:stCondLst>
+                            <p:childTnLst>
+                              <p:par>
+                                <p:cTn id="5" presetID="1" presetClass="entr" presetSubtype="0" fill="hold" nodeType="withEffect">
+                                  <p:stCondLst>
+                                    <p:cond delay="0"/>
+                                  </p:stCondLst>
+                                  <p:childTnLst>
+                                    <p:set>
+                                      <p:cBhvr>
+                                        <p:cTn id="6" dur="1" fill="hold">
+                                          <p:stCondLst>
+                                            <p:cond delay="0"/>
+                                          </p:stCondLst>
+                                        </p:cTn>
+                                        <p:tgtEl>
+                                          <p:spTgt spid="10"/>
+                                        </p:tgtEl>
+                                        <p:attrNameLst>
+                                          <p:attrName>style.visibility</p:attrName>
+                                        </p:attrNameLst>
+                                      </p:cBhvr>
+                                      <p:to>
+                                        <p:strVal val="visible"/>
+                                      </p:to>
+                                    </p:set>
+                                  </p:childTnLst>
+                                </p:cTn>
+                              </p:par>
+                            </p:childTnLst>
+                          </p:cTn>
+                        </p:par>
+                      </p:childTnLst>
+                    </p:cTn>
+                  </p:par>
+                  <p:par>
+                    <p:cTn id="7" fill="hold">
+                      <p:stCondLst>
+                        <p:cond delay="indefinite"/>
+                      </p:stCondLst>
+                      <p:childTnLst>
+                        <p:par>
+                          <p:cTn id="8" fill="hold">
+                            <p:stCondLst>
+                              <p:cond delay="0"/>
+                            </p:stCondLst>
+                            <p:childTnLst>
+                              <p:par>
+                                <p:cTn id="9" presetID="15" presetClass="entr" presetSubtype="0" fill="hold" nodeType="clickEffect">
+                                  <p:stCondLst>
+                                    <p:cond delay="0"/>
+                                  </p:stCondLst>
+                                  <p:childTnLst>
+                                    <p:set>
+                                      <p:cBhvr>
+                                        <p:cTn id="10" dur="1" fill="hold">
+                                          <p:stCondLst>
+                                            <p:cond delay="0"/>
+                                          </p:stCondLst>
+                                        </p:cTn>
+                                        <p:tgtEl>
+                                          <p:spTgt spid="45"/>
+                                        </p:tgtEl>
+                                        <p:attrNameLst>
+                                          <p:attrName>style.visibility</p:attrName>
+                                        </p:attrNameLst>
+                                      </p:cBhvr>
+                                      <p:to>
+                                        <p:strVal val="visible"/>
+                                      </p:to>
+                                    </p:set>
+                                    <p:anim calcmode="lin" valueType="num">
+                                      <p:cBhvr>
+                                        <p:cTn id="11" dur="1000" fill="hold"/>
+                                        <p:tgtEl>
+                                          <p:spTgt spid="45"/>
+                                        </p:tgtEl>
+                                        <p:attrNameLst>
+                                          <p:attrName>ppt_w</p:attrName>
+                                        </p:attrNameLst>
+                                      </p:cBhvr>
+                                      <p:tavLst>
+                                        <p:tav tm="0">
+                                          <p:val>
+                                            <p:fltVal val="0"/>
+                                          </p:val>
+                                        </p:tav>
+                                        <p:tav tm="100000">
+                                          <p:val>
+                                            <p:strVal val="#ppt_w"/>
+                                          </p:val>
+                                        </p:tav>
+                                      </p:tavLst>
+                                    </p:anim>
+                                    <p:anim calcmode="lin" valueType="num">
+                                      <p:cBhvr>
+                                        <p:cTn id="12" dur="1000" fill="hold"/>
+                                        <p:tgtEl>
+                                          <p:spTgt spid="45"/>
+                                        </p:tgtEl>
+                                        <p:attrNameLst>
+                                          <p:attrName>ppt_h</p:attrName>
+                                        </p:attrNameLst>
+                                      </p:cBhvr>
+                                      <p:tavLst>
+                                        <p:tav tm="0">
+                                          <p:val>
+                                            <p:fltVal val="0"/>
+                                          </p:val>
+                                        </p:tav>
+                                        <p:tav tm="100000">
+                                          <p:val>
+                                            <p:strVal val="#ppt_h"/>
+                                          </p:val>
+                                        </p:tav>
+                                      </p:tavLst>
+                                    </p:anim>
+                                    <p:anim calcmode="lin" valueType="num">
+                                      <p:cBhvr>
+                                        <p:cTn id="13" dur="1000" fill="hold"/>
+                                        <p:tgtEl>
+                                          <p:spTgt spid="45"/>
+                                        </p:tgtEl>
+                                        <p:attrNameLst>
+                                          <p:attrName>ppt_x</p:attrName>
+                                        </p:attrNameLst>
+                                      </p:cBhvr>
+                                      <p:tavLst>
+                                        <p:tav tm="0" fmla="#ppt_x+(cos(-2*pi*(1-$))*-#ppt_x-sin(-2*pi*(1-$))*(1-#ppt_y))*(1-$)">
+                                          <p:val>
+                                            <p:fltVal val="0"/>
+                                          </p:val>
+                                        </p:tav>
+                                        <p:tav tm="100000">
+                                          <p:val>
+                                            <p:fltVal val="1"/>
+                                          </p:val>
+                                        </p:tav>
+                                      </p:tavLst>
+                                    </p:anim>
+                                    <p:anim calcmode="lin" valueType="num">
+                                      <p:cBhvr>
+                                        <p:cTn id="14" dur="1000" fill="hold"/>
+                                        <p:tgtEl>
+                                          <p:spTgt spid="45"/>
+                                        </p:tgtEl>
+                                        <p:attrNameLst>
+                                          <p:attrName>ppt_y</p:attrName>
+                                        </p:attrNameLst>
+                                      </p:cBhvr>
+                                      <p:tavLst>
+                                        <p:tav tm="0" fmla="#ppt_y+(sin(-2*pi*(1-$))*-#ppt_x+cos(-2*pi*(1-$))*(1-#ppt_y))*(1-$)">
+                                          <p:val>
+                                            <p:fltVal val="0"/>
+                                          </p:val>
+                                        </p:tav>
+                                        <p:tav tm="100000">
+                                          <p:val>
+                                            <p:fltVal val="1"/>
+                                          </p:val>
+                                        </p:tav>
+                                      </p:tavLst>
+                                    </p:anim>
+                                  </p:childTnLst>
+                                </p:cTn>
+                              </p:par>
+                            </p:childTnLst>
+                          </p:cTn>
+                        </p:par>
+                      </p:childTnLst>
+                    </p:cTn>
+                  </p:par>
+                  <p:par>
+                    <p:cTn id="15" fill="hold">
+                      <p:stCondLst>
+                        <p:cond delay="indefinite"/>
+                      </p:stCondLst>
+                      <p:childTnLst>
+                        <p:par>
+                          <p:cTn id="16" fill="hold">
+                            <p:stCondLst>
+                              <p:cond delay="0"/>
+                            </p:stCondLst>
+                            <p:childTnLst>
+                              <p:par>
+                                <p:cTn id="17" presetID="52" presetClass="entr" presetSubtype="0" fill="hold" nodeType="clickEffect">
+                                  <p:stCondLst>
+                                    <p:cond delay="0"/>
+                                  </p:stCondLst>
+                                  <p:childTnLst>
+                                    <p:set>
+                                      <p:cBhvr>
+                                        <p:cTn id="18" dur="1" fill="hold">
+                                          <p:stCondLst>
+                                            <p:cond delay="0"/>
+                                          </p:stCondLst>
+                                        </p:cTn>
+                                        <p:tgtEl>
+                                          <p:spTgt spid="50"/>
+                                        </p:tgtEl>
+                                        <p:attrNameLst>
+                                          <p:attrName>style.visibility</p:attrName>
+                                        </p:attrNameLst>
+                                      </p:cBhvr>
+                                      <p:to>
+                                        <p:strVal val="visible"/>
+                                      </p:to>
+                                    </p:set>
+                                    <p:animScale>
+                                      <p:cBhvr>
+                                        <p:cTn id="19" dur="1000" decel="50000" fill="hold">
+                                          <p:stCondLst>
+                                            <p:cond delay="0"/>
+                                          </p:stCondLst>
+                                        </p:cTn>
+                                        <p:tgtEl>
+                                          <p:spTgt spid="50"/>
+                                        </p:tgtEl>
+                                      </p:cBhvr>
+                                      <p:from x="250000" y="250000"/>
+                                      <p:to x="100000" y="100000"/>
+                                    </p:animScale>
+                                    <p:animMotion origin="layout" path="M -0.46736 0.92887  C -0.37517 0.88508  -0.02552 0.75279  0.0908 0.66613  C  0.20747 0.57948  0.21649 0.50394  0.23177 0.40825  C 0.24705 0.31256  0.22118 0.15964   0.18264 0.09152  C 0.1441 0.02341  0.03802 0.0  0.0 0.0  " pathEditMode="relative" ptsTypes="">
+                                      <p:cBhvr>
+                                        <p:cTn id="20" dur="1000" decel="50000" fill="hold">
+                                          <p:stCondLst>
+                                            <p:cond delay="0"/>
+                                          </p:stCondLst>
+                                        </p:cTn>
+                                        <p:tgtEl>
+                                          <p:spTgt spid="50"/>
+                                        </p:tgtEl>
+                                        <p:attrNameLst>
+                                          <p:attrName>ppt_x</p:attrName>
+                                          <p:attrName>ppt_y</p:attrName>
+                                        </p:attrNameLst>
+                                      </p:cBhvr>
+                                    </p:animMotion>
+                                    <p:animEffect transition="in" filter="fade">
+                                      <p:cBhvr>
+                                        <p:cTn id="21" dur="1000"/>
+                                        <p:tgtEl>
+                                          <p:spTgt spid="50"/>
+                                        </p:tgtEl>
+                                      </p:cBhvr>
+                                    </p:animEffect>
+                                  </p:childTnLst>
+                                </p:cTn>
+                              </p:par>
+                            </p:childTnLst>
+                          </p:cTn>
+                        </p:par>
+                      </p:childTnLst>
+                    </p:cTn>
+                  </p:par>
+                  <p:par>
+                    <p:cTn id="22" fill="hold">
+                      <p:stCondLst>
+                        <p:cond delay="indefinite"/>
+                      </p:stCondLst>
+                      <p:childTnLst>
+                        <p:par>
+                          <p:cTn id="23" fill="hold">
+                            <p:stCondLst>
+                              <p:cond delay="0"/>
+                            </p:stCondLst>
+                            <p:childTnLst>
+                              <p:par>
+                                <p:cTn id="24" presetID="15" presetClass="entr" presetSubtype="0" fill="hold" nodeType="clickEffect">
+                                  <p:stCondLst>
+                                    <p:cond delay="0"/>
+                                  </p:stCondLst>
+                                  <p:childTnLst>
+                                    <p:set>
+                                      <p:cBhvr>
+                                        <p:cTn id="25" dur="1" fill="hold">
+                                          <p:stCondLst>
+                                            <p:cond delay="0"/>
+                                          </p:stCondLst>
+                                        </p:cTn>
+                                        <p:tgtEl>
+                                          <p:spTgt spid="51"/>
+                                        </p:tgtEl>
+                                        <p:attrNameLst>
+                                          <p:attrName>style.visibility</p:attrName>
+                                        </p:attrNameLst>
+                                      </p:cBhvr>
+                                      <p:to>
+                                        <p:strVal val="visible"/>
+                                      </p:to>
+                                    </p:set>
+                                    <p:anim calcmode="lin" valueType="num">
+                                      <p:cBhvr>
+                                        <p:cTn id="26" dur="1000" fill="hold"/>
+                                        <p:tgtEl>
+                                          <p:spTgt spid="51"/>
+                                        </p:tgtEl>
+                                        <p:attrNameLst>
+                                          <p:attrName>ppt_w</p:attrName>
+                                        </p:attrNameLst>
+                                      </p:cBhvr>
+                                      <p:tavLst>
+                                        <p:tav tm="0">
+                                          <p:val>
+                                            <p:fltVal val="0"/>
+                                          </p:val>
+                                        </p:tav>
+                                        <p:tav tm="100000">
+                                          <p:val>
+                                            <p:strVal val="#ppt_w"/>
+                                          </p:val>
+                                        </p:tav>
+                                      </p:tavLst>
+                                    </p:anim>
+                                    <p:anim calcmode="lin" valueType="num">
+                                      <p:cBhvr>
+                                        <p:cTn id="27" dur="1000" fill="hold"/>
+                                        <p:tgtEl>
+                                          <p:spTgt spid="51"/>
+                                        </p:tgtEl>
+                                        <p:attrNameLst>
+                                          <p:attrName>ppt_h</p:attrName>
+                                        </p:attrNameLst>
+                                      </p:cBhvr>
+                                      <p:tavLst>
+                                        <p:tav tm="0">
+                                          <p:val>
+                                            <p:fltVal val="0"/>
+                                          </p:val>
+                                        </p:tav>
+                                        <p:tav tm="100000">
+                                          <p:val>
+                                            <p:strVal val="#ppt_h"/>
+                                          </p:val>
+                                        </p:tav>
+                                      </p:tavLst>
+                                    </p:anim>
+                                    <p:anim calcmode="lin" valueType="num">
+                                      <p:cBhvr>
+                                        <p:cTn id="28" dur="1000" fill="hold"/>
+                                        <p:tgtEl>
+                                          <p:spTgt spid="51"/>
+                                        </p:tgtEl>
+                                        <p:attrNameLst>
+                                          <p:attrName>ppt_x</p:attrName>
+                                        </p:attrNameLst>
+                                      </p:cBhvr>
+                                      <p:tavLst>
+                                        <p:tav tm="0" fmla="#ppt_x+(cos(-2*pi*(1-$))*-#ppt_x-sin(-2*pi*(1-$))*(1-#ppt_y))*(1-$)">
+                                          <p:val>
+                                            <p:fltVal val="0"/>
+                                          </p:val>
+                                        </p:tav>
+                                        <p:tav tm="100000">
+                                          <p:val>
+                                            <p:fltVal val="1"/>
+                                          </p:val>
+                                        </p:tav>
+                                      </p:tavLst>
+                                    </p:anim>
+                                    <p:anim calcmode="lin" valueType="num">
+                                      <p:cBhvr>
+                                        <p:cTn id="29" dur="1000" fill="hold"/>
+                                        <p:tgtEl>
+                                          <p:spTgt spid="51"/>
+                                        </p:tgtEl>
+                                        <p:attrNameLst>
+                                          <p:attrName>ppt_y</p:attrName>
+                                        </p:attrNameLst>
+                                      </p:cBhvr>
+                                      <p:tavLst>
+                                        <p:tav tm="0" fmla="#ppt_y+(sin(-2*pi*(1-$))*-#ppt_x+cos(-2*pi*(1-$))*(1-#ppt_y))*(1-$)">
+                                          <p:val>
+                                            <p:fltVal val="0"/>
+                                          </p:val>
+                                        </p:tav>
+                                        <p:tav tm="100000">
+                                          <p:val>
+                                            <p:fltVal val="1"/>
+                                          </p:val>
+                                        </p:tav>
+                                      </p:tavLst>
+                                    </p:anim>
+                                  </p:childTnLst>
+                                </p:cTn>
+                              </p:par>
+                            </p:childTnLst>
+                          </p:cTn>
+                        </p:par>
+                      </p:childTnLst>
+                    </p:cTn>
+                  </p:par>
+                  <p:par>
+                    <p:cTn id="30" fill="hold">
+                      <p:stCondLst>
+                        <p:cond delay="indefinite"/>
+                      </p:stCondLst>
+                      <p:childTnLst>
+                        <p:par>
+                          <p:cTn id="31" fill="hold">
+                            <p:stCondLst>
+                              <p:cond delay="0"/>
+                            </p:stCondLst>
+                            <p:childTnLst>
+                              <p:par>
+                                <p:cTn id="32" presetID="52" presetClass="entr" presetSubtype="0" fill="hold" nodeType="clickEffect">
+                                  <p:stCondLst>
+                                    <p:cond delay="0"/>
+                                  </p:stCondLst>
+                                  <p:childTnLst>
+                                    <p:set>
+                                      <p:cBhvr>
+                                        <p:cTn id="33" dur="1" fill="hold">
+                                          <p:stCondLst>
+                                            <p:cond delay="0"/>
+                                          </p:stCondLst>
+                                        </p:cTn>
+                                        <p:tgtEl>
+                                          <p:spTgt spid="52"/>
+                                        </p:tgtEl>
+                                        <p:attrNameLst>
+                                          <p:attrName>style.visibility</p:attrName>
+                                        </p:attrNameLst>
+                                      </p:cBhvr>
+                                      <p:to>
+                                        <p:strVal val="visible"/>
+                                      </p:to>
+                                    </p:set>
+                                    <p:animScale>
+                                      <p:cBhvr>
+                                        <p:cTn id="34" dur="1000" decel="50000" fill="hold">
+                                          <p:stCondLst>
+                                            <p:cond delay="0"/>
+                                          </p:stCondLst>
+                                        </p:cTn>
+                                        <p:tgtEl>
+                                          <p:spTgt spid="52"/>
+                                        </p:tgtEl>
+                                      </p:cBhvr>
+                                      <p:from x="250000" y="250000"/>
+                                      <p:to x="100000" y="100000"/>
+                                    </p:animScale>
+                                    <p:animMotion origin="layout" path="M -0.46736 0.92887  C -0.37517 0.88508  -0.02552 0.75279  0.0908 0.66613  C  0.20747 0.57948  0.21649 0.50394  0.23177 0.40825  C 0.24705 0.31256  0.22118 0.15964   0.18264 0.09152  C 0.1441 0.02341  0.03802 0.0  0.0 0.0  " pathEditMode="relative" ptsTypes="">
+                                      <p:cBhvr>
+                                        <p:cTn id="35" dur="1000" decel="50000" fill="hold">
+                                          <p:stCondLst>
+                                            <p:cond delay="0"/>
+                                          </p:stCondLst>
+                                        </p:cTn>
+                                        <p:tgtEl>
+                                          <p:spTgt spid="52"/>
+                                        </p:tgtEl>
+                                        <p:attrNameLst>
+                                          <p:attrName>ppt_x</p:attrName>
+                                          <p:attrName>ppt_y</p:attrName>
+                                        </p:attrNameLst>
+                                      </p:cBhvr>
+                                    </p:animMotion>
+                                    <p:animEffect transition="in" filter="fade">
+                                      <p:cBhvr>
+                                        <p:cTn id="36" dur="1000"/>
+                                        <p:tgtEl>
+                                          <p:spTgt spid="52"/>
+                                        </p:tgtEl>
+                                      </p:cBhvr>
+                                    </p:animEffect>
+                                  </p:childTnLst>
+                                </p:cTn>
+                              </p:par>
+                            </p:childTnLst>
+                          </p:cTn>
+                        </p:par>
+                      </p:childTnLst>
+                    </p:cTn>
+                  </p:par>
+                  <p:par>
+                    <p:cTn id="37" fill="hold">
+                      <p:stCondLst>
+                        <p:cond delay="indefinite"/>
+                      </p:stCondLst>
+                      <p:childTnLst>
+                        <p:par>
+                          <p:cTn id="38" fill="hold">
+                            <p:stCondLst>
+                              <p:cond delay="0"/>
+                            </p:stCondLst>
+                            <p:childTnLst>
+                              <p:par>
+                                <p:cTn id="39" presetID="15" presetClass="entr" presetSubtype="0" fill="hold" nodeType="clickEffect">
+                                  <p:stCondLst>
+                                    <p:cond delay="0"/>
+                                  </p:stCondLst>
+                                  <p:childTnLst>
+                                    <p:set>
+                                      <p:cBhvr>
+                                        <p:cTn id="40" dur="1" fill="hold">
+                                          <p:stCondLst>
+                                            <p:cond delay="0"/>
+                                          </p:stCondLst>
+                                        </p:cTn>
+                                        <p:tgtEl>
+                                          <p:spTgt spid="59"/>
+                                        </p:tgtEl>
+                                        <p:attrNameLst>
+                                          <p:attrName>style.visibility</p:attrName>
+                                        </p:attrNameLst>
+                                      </p:cBhvr>
+                                      <p:to>
+                                        <p:strVal val="visible"/>
+                                      </p:to>
+                                    </p:set>
+                                    <p:anim calcmode="lin" valueType="num">
+                                      <p:cBhvr>
+                                        <p:cTn id="41" dur="1000" fill="hold"/>
+                                        <p:tgtEl>
+                                          <p:spTgt spid="59"/>
+                                        </p:tgtEl>
+                                        <p:attrNameLst>
+                                          <p:attrName>ppt_w</p:attrName>
+                                        </p:attrNameLst>
+                                      </p:cBhvr>
+                                      <p:tavLst>
+                                        <p:tav tm="0">
+                                          <p:val>
+                                            <p:fltVal val="0"/>
+                                          </p:val>
+                                        </p:tav>
+                                        <p:tav tm="100000">
+                                          <p:val>
+                                            <p:strVal val="#ppt_w"/>
+                                          </p:val>
+                                        </p:tav>
+                                      </p:tavLst>
+                                    </p:anim>
+                                    <p:anim calcmode="lin" valueType="num">
+                                      <p:cBhvr>
+                                        <p:cTn id="42" dur="1000" fill="hold"/>
+                                        <p:tgtEl>
+                                          <p:spTgt spid="59"/>
+                                        </p:tgtEl>
+                                        <p:attrNameLst>
+                                          <p:attrName>ppt_h</p:attrName>
+                                        </p:attrNameLst>
+                                      </p:cBhvr>
+                                      <p:tavLst>
+                                        <p:tav tm="0">
+                                          <p:val>
+                                            <p:fltVal val="0"/>
+                                          </p:val>
+                                        </p:tav>
+                                        <p:tav tm="100000">
+                                          <p:val>
+                                            <p:strVal val="#ppt_h"/>
+                                          </p:val>
+                                        </p:tav>
+                                      </p:tavLst>
+                                    </p:anim>
+                                    <p:anim calcmode="lin" valueType="num">
+                                      <p:cBhvr>
+                                        <p:cTn id="43" dur="1000" fill="hold"/>
+                                        <p:tgtEl>
+                                          <p:spTgt spid="59"/>
+                                        </p:tgtEl>
+                                        <p:attrNameLst>
+                                          <p:attrName>ppt_x</p:attrName>
+                                        </p:attrNameLst>
+                                      </p:cBhvr>
+                                      <p:tavLst>
+                                        <p:tav tm="0" fmla="#ppt_x+(cos(-2*pi*(1-$))*-#ppt_x-sin(-2*pi*(1-$))*(1-#ppt_y))*(1-$)">
+                                          <p:val>
+                                            <p:fltVal val="0"/>
+                                          </p:val>
+                                        </p:tav>
+                                        <p:tav tm="100000">
+                                          <p:val>
+                                            <p:fltVal val="1"/>
+                                          </p:val>
+                                        </p:tav>
+                                      </p:tavLst>
+                                    </p:anim>
+                                    <p:anim calcmode="lin" valueType="num">
+                                      <p:cBhvr>
+                                        <p:cTn id="44" dur="1000" fill="hold"/>
+                                        <p:tgtEl>
+                                          <p:spTgt spid="59"/>
+                                        </p:tgtEl>
+                                        <p:attrNameLst>
+                                          <p:attrName>ppt_y</p:attrName>
+                                        </p:attrNameLst>
+                                      </p:cBhvr>
+                                      <p:tavLst>
+                                        <p:tav tm="0" fmla="#ppt_y+(sin(-2*pi*(1-$))*-#ppt_x+cos(-2*pi*(1-$))*(1-#ppt_y))*(1-$)">
+                                          <p:val>
+                                            <p:fltVal val="0"/>
+                                          </p:val>
+                                        </p:tav>
+                                        <p:tav tm="100000">
+                                          <p:val>
+                                            <p:fltVal val="1"/>
+                                          </p:val>
+                                        </p:tav>
+                                      </p:tavLst>
+                                    </p:anim>
+                                  </p:childTnLst>
+                                </p:cTn>
+                              </p:par>
+                            </p:childTnLst>
+                          </p:cTn>
+                        </p:par>
+                      </p:childTnLst>
+                    </p:cTn>
+                  </p:par>
+                  <p:par>
+                    <p:cTn id="45" fill="hold">
+                      <p:stCondLst>
+                        <p:cond delay="indefinite"/>
+                      </p:stCondLst>
+                      <p:childTnLst>
+                        <p:par>
+                          <p:cTn id="46" fill="hold">
+                            <p:stCondLst>
+                              <p:cond delay="0"/>
+                            </p:stCondLst>
+                            <p:childTnLst>
+                              <p:par>
+                                <p:cTn id="47" presetID="53" presetClass="entr" presetSubtype="16" fill="hold" grpId="0" nodeType="clickEffect">
+                                  <p:stCondLst>
+                                    <p:cond delay="0"/>
+                                  </p:stCondLst>
+                                  <p:childTnLst>
+                                    <p:set>
+                                      <p:cBhvr>
+                                        <p:cTn id="48" dur="1" fill="hold">
+                                          <p:stCondLst>
+                                            <p:cond delay="0"/>
+                                          </p:stCondLst>
+                                        </p:cTn>
+                                        <p:tgtEl>
+                                          <p:spTgt spid="63"/>
+                                        </p:tgtEl>
+                                        <p:attrNameLst>
+                                          <p:attrName>style.visibility</p:attrName>
+                                        </p:attrNameLst>
+                                      </p:cBhvr>
+                                      <p:to>
+                                        <p:strVal val="visible"/>
+                                      </p:to>
+                                    </p:set>
+                                    <p:anim calcmode="lin" valueType="num">
+                                      <p:cBhvr>
+                                        <p:cTn id="49" dur="500" fill="hold"/>
+                                        <p:tgtEl>
+                                          <p:spTgt spid="63"/>
+                                        </p:tgtEl>
+                                        <p:attrNameLst>
+                                          <p:attrName>ppt_w</p:attrName>
+                                        </p:attrNameLst>
+                                      </p:cBhvr>
+                                      <p:tavLst>
+                                        <p:tav tm="0">
+                                          <p:val>
+                                            <p:fltVal val="0"/>
+                                          </p:val>
+                                        </p:tav>
+                                        <p:tav tm="100000">
+                                          <p:val>
+                                            <p:strVal val="#ppt_w"/>
+                                          </p:val>
+                                        </p:tav>
+                                      </p:tavLst>
+                                    </p:anim>
+                                    <p:anim calcmode="lin" valueType="num">
+                                      <p:cBhvr>
+                                        <p:cTn id="50" dur="500" fill="hold"/>
+                                        <p:tgtEl>
+                                          <p:spTgt spid="63"/>
+                                        </p:tgtEl>
+                                        <p:attrNameLst>
+                                          <p:attrName>ppt_h</p:attrName>
+                                        </p:attrNameLst>
+                                      </p:cBhvr>
+                                      <p:tavLst>
+                                        <p:tav tm="0">
+                                          <p:val>
+                                            <p:fltVal val="0"/>
+                                          </p:val>
+                                        </p:tav>
+                                        <p:tav tm="100000">
+                                          <p:val>
+                                            <p:strVal val="#ppt_h"/>
+                                          </p:val>
+                                        </p:tav>
+                                      </p:tavLst>
+                                    </p:anim>
+                                    <p:animEffect transition="in" filter="fade">
+                                      <p:cBhvr>
+                                        <p:cTn id="51" dur="500"/>
+                                        <p:tgtEl>
+                                          <p:spTgt spid="63"/>
+                                        </p:tgtEl>
+                                      </p:cBhvr>
+                                    </p:animEffect>
+                                  </p:childTnLst>
+                                </p:cTn>
+                              </p:par>
+                            </p:childTnLst>
+                          </p:cTn>
+                        </p:par>
+                      </p:childTnLst>
+                    </p:cTn>
+                  </p:par>
+                </p:childTnLst>
+              </p:cTn>
+              <p:prevCondLst>
+                <p:cond evt="onPrev" delay="0">
+                  <p:tgtEl>
+                    <p:sldTgt/>
+                  </p:tgtEl>
+                </p:cond>
+              </p:prevCondLst>
+              <p:nextCondLst>
+                <p:cond evt="onNext" delay="0">
+                  <p:tgtEl>
+                    <p:sldTgt/>
+                  </p:tgtEl>
+                </p:cond>
+              </p:nextCondLst>
+            </p:seq>
+          </p:childTnLst>
+        </p:cTn>
+      </p:par>
+    </p:tnLst>
+    <p:bldLst>
+      <p:bldP spid="63" grpId="0"/>
+    </p:bldLst>
+  </p:timing>
+</p:sld>
+</file>
+
+<file path=ppt/slides/slide12.xml><?xml version="1.0" encoding="utf-8"?>
+<p:sld xmlns:a="http://schemas.openxmlformats.org/drawingml/2006/main" xmlns:r="http://schemas.openxmlformats.org/officeDocument/2006/relationships" xmlns:p="http://schemas.openxmlformats.org/presentationml/2006/main">
+  <p:cSld>
+    <p:spTree>
+      <p:nvGrpSpPr>
+        <p:cNvPr id="1" name=""/>
+        <p:cNvGrpSpPr/>
+        <p:nvPr/>
+      </p:nvGrpSpPr>
+      <p:grpSpPr>
+        <a:xfrm>
+          <a:off x="0" y="0"/>
+          <a:ext cx="0" cy="0"/>
+          <a:chOff x="0" y="0"/>
+          <a:chExt cx="0" cy="0"/>
+        </a:xfrm>
+      </p:grpSpPr>
+      <p:pic>
+        <p:nvPicPr>
+          <p:cNvPr id="10" name="Imagen 9" descr="Diagrama, Dibujo de ingeniería&#10;&#10;El contenido generado por IA puede ser incorrecto.">
+            <a:extLst>
+              <a:ext uri="{FF2B5EF4-FFF2-40B4-BE49-F238E27FC236}">
+                <a16:creationId xmlns:a16="http://schemas.microsoft.com/office/drawing/2014/main" id="{002A0B45-880C-C346-EB46-9DBA721A4D30}"/>
+              </a:ext>
+            </a:extLst>
+          </p:cNvPr>
+          <p:cNvPicPr>
+            <a:picLocks noChangeAspect="1"/>
+          </p:cNvPicPr>
+          <p:nvPr/>
+        </p:nvPicPr>
+        <p:blipFill>
+          <a:blip r:embed="rId2">
+            <a:extLst>
+              <a:ext uri="{28A0092B-C50C-407E-A947-70E740481C1C}">
+                <a14:useLocalDpi xmlns:a14="http://schemas.microsoft.com/office/drawing/2010/main" val="0"/>
+              </a:ext>
+            </a:extLst>
+          </a:blip>
+          <a:stretch>
+            <a:fillRect/>
+          </a:stretch>
+        </p:blipFill>
+        <p:spPr>
+          <a:xfrm>
+            <a:off x="0" y="0"/>
+            <a:ext cx="12192000" cy="6858000"/>
+          </a:xfrm>
+          <a:prstGeom prst="rect">
+            <a:avLst/>
+          </a:prstGeom>
+        </p:spPr>
+      </p:pic>
+      <p:sp>
+        <p:nvSpPr>
+          <p:cNvPr id="3" name="CuadroTexto 2">
+            <a:extLst>
+              <a:ext uri="{FF2B5EF4-FFF2-40B4-BE49-F238E27FC236}">
+                <a16:creationId xmlns:a16="http://schemas.microsoft.com/office/drawing/2014/main" id="{EC7101E5-435E-0C5A-7FEA-A833A6174A03}"/>
+              </a:ext>
+            </a:extLst>
+          </p:cNvPr>
+          <p:cNvSpPr txBox="1"/>
+          <p:nvPr/>
+        </p:nvSpPr>
+        <p:spPr>
+          <a:xfrm>
+            <a:off x="381049" y="156833"/>
+            <a:ext cx="4562476" cy="1200329"/>
+          </a:xfrm>
+          <a:prstGeom prst="rect">
+            <a:avLst/>
+          </a:prstGeom>
+          <a:noFill/>
+        </p:spPr>
+        <p:txBody>
+          <a:bodyPr wrap="square">
+            <a:spAutoFit/>
+          </a:bodyPr>
+          <a:lstStyle/>
+          <a:p>
+            <a:r>
+              <a:rPr lang="es-ES_tradnl" sz="3600" b="1" dirty="0">
+                <a:solidFill>
+                  <a:srgbClr val="B1B1B1"/>
+                </a:solidFill>
+                <a:effectLst>
+                  <a:outerShdw blurRad="38100" dist="38100" dir="2700000" algn="tl">
+                    <a:srgbClr val="000000">
+                      <a:alpha val="43137"/>
+                    </a:srgbClr>
+                  </a:outerShdw>
+                </a:effectLst>
+                <a:latin typeface="Montserrat" pitchFamily="2" charset="0"/>
+              </a:rPr>
+              <a:t>Pruebas</a:t>
+            </a:r>
+            <a:r>
+              <a:rPr lang="es-ES_tradnl" sz="3600" b="1" dirty="0">
+                <a:effectLst>
+                  <a:outerShdw blurRad="38100" dist="38100" dir="2700000" algn="tl">
+                    <a:srgbClr val="000000">
+                      <a:alpha val="43137"/>
+                    </a:srgbClr>
+                  </a:outerShdw>
+                </a:effectLst>
+                <a:latin typeface="Montserrat" pitchFamily="2" charset="0"/>
+              </a:rPr>
+              <a:t> </a:t>
+            </a:r>
+          </a:p>
+          <a:p>
+            <a:r>
+              <a:rPr lang="es-ES_tradnl" sz="3600" b="1" dirty="0">
+                <a:effectLst>
+                  <a:outerShdw blurRad="38100" dist="38100" dir="2700000" algn="tl">
+                    <a:srgbClr val="000000">
+                      <a:alpha val="43137"/>
+                    </a:srgbClr>
+                  </a:outerShdw>
+                </a:effectLst>
+                <a:latin typeface="Montserrat" pitchFamily="2" charset="0"/>
+              </a:rPr>
+              <a:t>	y </a:t>
+            </a:r>
+            <a:r>
+              <a:rPr lang="es-ES_tradnl" sz="3600" b="1" dirty="0">
+                <a:solidFill>
+                  <a:srgbClr val="EA1B26"/>
+                </a:solidFill>
+                <a:effectLst>
+                  <a:outerShdw blurRad="38100" dist="38100" dir="2700000" algn="tl">
+                    <a:srgbClr val="000000">
+                      <a:alpha val="43137"/>
+                    </a:srgbClr>
+                  </a:outerShdw>
+                </a:effectLst>
+                <a:latin typeface="Montserrat" pitchFamily="2" charset="0"/>
+              </a:rPr>
+              <a:t>validaciones</a:t>
+            </a:r>
+            <a:endParaRPr lang="es-ES_tradnl" sz="3600" dirty="0">
+              <a:solidFill>
+                <a:srgbClr val="EA1B26"/>
+              </a:solidFill>
+              <a:effectLst>
+                <a:outerShdw blurRad="38100" dist="38100" dir="2700000" algn="tl">
+                  <a:srgbClr val="000000">
+                    <a:alpha val="43137"/>
+                  </a:srgbClr>
+                </a:outerShdw>
+              </a:effectLst>
+              <a:latin typeface="Montserrat" pitchFamily="2" charset="0"/>
+            </a:endParaRPr>
+          </a:p>
+        </p:txBody>
+      </p:sp>
+      <p:sp>
+        <p:nvSpPr>
+          <p:cNvPr id="6" name="Rectángulo: esquinas redondeadas 5">
+            <a:extLst>
+              <a:ext uri="{FF2B5EF4-FFF2-40B4-BE49-F238E27FC236}">
+                <a16:creationId xmlns:a16="http://schemas.microsoft.com/office/drawing/2014/main" id="{B0AD313A-1B98-B0BC-21B9-E8FD9EDC2FD0}"/>
+              </a:ext>
+            </a:extLst>
+          </p:cNvPr>
+          <p:cNvSpPr/>
+          <p:nvPr/>
+        </p:nvSpPr>
+        <p:spPr>
+          <a:xfrm>
+            <a:off x="298542" y="2927049"/>
+            <a:ext cx="5311683" cy="3774118"/>
+          </a:xfrm>
+          <a:prstGeom prst="roundRect">
+            <a:avLst/>
+          </a:prstGeom>
+          <a:solidFill>
+            <a:schemeClr val="bg1">
+              <a:alpha val="50000"/>
+            </a:schemeClr>
+          </a:solidFill>
+          <a:ln>
+            <a:solidFill>
+              <a:srgbClr val="555555"/>
+            </a:solidFill>
+          </a:ln>
+        </p:spPr>
+        <p:style>
+          <a:lnRef idx="2">
+            <a:schemeClr val="accent1">
+              <a:shade val="15000"/>
+            </a:schemeClr>
+          </a:lnRef>
+          <a:fillRef idx="1">
+            <a:schemeClr val="accent1"/>
+          </a:fillRef>
+          <a:effectRef idx="0">
+            <a:schemeClr val="accent1"/>
+          </a:effectRef>
+          <a:fontRef idx="minor">
+            <a:schemeClr val="lt1"/>
+          </a:fontRef>
+        </p:style>
+        <p:txBody>
+          <a:bodyPr rtlCol="0" anchor="ctr"/>
+          <a:lstStyle/>
+          <a:p>
+            <a:pPr algn="just">
+              <a:lnSpc>
+                <a:spcPct val="120000"/>
+              </a:lnSpc>
+            </a:pPr>
+            <a:r>
+              <a:rPr kumimoji="0" lang="es-ES_tradnl" altLang="es-ES_tradnl" b="0" i="0" u="none" strike="noStrike" cap="none" normalizeH="0" baseline="0" dirty="0">
+                <a:ln>
+                  <a:noFill/>
+                </a:ln>
+                <a:solidFill>
+                  <a:schemeClr val="tx1"/>
+                </a:solidFill>
+                <a:effectLst/>
+                <a:latin typeface="Open Sans" pitchFamily="2" charset="0"/>
+                <a:ea typeface="Open Sans" pitchFamily="2" charset="0"/>
+                <a:cs typeface="Open Sans" pitchFamily="2" charset="0"/>
+              </a:rPr>
+              <a:t>El sistema ReyBoxes ha sido validado mediante un conjunto de 278 pruebas unitarias desarrolladas con pytest.</a:t>
+            </a:r>
+            <a:br>
+              <a:rPr kumimoji="0" lang="es-ES_tradnl" altLang="es-ES_tradnl" b="0" i="0" u="none" strike="noStrike" cap="none" normalizeH="0" baseline="0" dirty="0">
+                <a:ln>
+                  <a:noFill/>
+                </a:ln>
+                <a:solidFill>
+                  <a:schemeClr val="tx1"/>
+                </a:solidFill>
+                <a:effectLst/>
+                <a:latin typeface="Open Sans" pitchFamily="2" charset="0"/>
+                <a:ea typeface="Open Sans" pitchFamily="2" charset="0"/>
+                <a:cs typeface="Open Sans" pitchFamily="2" charset="0"/>
+              </a:rPr>
+            </a:br>
+            <a:r>
+              <a:rPr kumimoji="0" lang="es-ES_tradnl" altLang="es-ES_tradnl" b="0" i="0" u="none" strike="noStrike" cap="none" normalizeH="0" baseline="0" dirty="0">
+                <a:ln>
+                  <a:noFill/>
+                </a:ln>
+                <a:solidFill>
+                  <a:schemeClr val="tx1"/>
+                </a:solidFill>
+                <a:effectLst/>
+                <a:latin typeface="Open Sans" pitchFamily="2" charset="0"/>
+                <a:ea typeface="Open Sans" pitchFamily="2" charset="0"/>
+                <a:cs typeface="Open Sans" pitchFamily="2" charset="0"/>
+              </a:rPr>
+              <a:t>Estas pruebas cubren funcionalidades críticas como login, fichajes, generación de documentos, correo electrónico, recuperación de cuenta, y gestión de clientes, vehículos e intervenciones.</a:t>
+            </a:r>
+            <a:br>
+              <a:rPr kumimoji="0" lang="es-ES_tradnl" altLang="es-ES_tradnl" b="0" i="0" u="none" strike="noStrike" cap="none" normalizeH="0" baseline="0" dirty="0">
+                <a:ln>
+                  <a:noFill/>
+                </a:ln>
+                <a:solidFill>
+                  <a:schemeClr val="tx1"/>
+                </a:solidFill>
+                <a:effectLst/>
+                <a:latin typeface="Open Sans" pitchFamily="2" charset="0"/>
+                <a:ea typeface="Open Sans" pitchFamily="2" charset="0"/>
+                <a:cs typeface="Open Sans" pitchFamily="2" charset="0"/>
+              </a:rPr>
+            </a:br>
+            <a:r>
+              <a:rPr kumimoji="0" lang="es-ES_tradnl" altLang="es-ES_tradnl" b="0" i="0" u="none" strike="noStrike" cap="none" normalizeH="0" baseline="0" dirty="0">
+                <a:ln>
+                  <a:noFill/>
+                </a:ln>
+                <a:solidFill>
+                  <a:schemeClr val="tx1"/>
+                </a:solidFill>
+                <a:effectLst/>
+                <a:latin typeface="Open Sans" pitchFamily="2" charset="0"/>
+                <a:ea typeface="Open Sans" pitchFamily="2" charset="0"/>
+                <a:cs typeface="Open Sans" pitchFamily="2" charset="0"/>
+              </a:rPr>
+              <a:t>Todos los test fueron superados con éxito, garantizando la estabilidad y fiabilidad del sistema. </a:t>
+            </a:r>
+            <a:endParaRPr lang="es-ES_tradnl" dirty="0">
+              <a:latin typeface="Open Sans" pitchFamily="2" charset="0"/>
+              <a:ea typeface="Open Sans" pitchFamily="2" charset="0"/>
+              <a:cs typeface="Open Sans" pitchFamily="2" charset="0"/>
+            </a:endParaRPr>
+          </a:p>
+        </p:txBody>
+      </p:sp>
+      <p:sp>
+        <p:nvSpPr>
+          <p:cNvPr id="21" name="Rectángulo: esquinas redondeadas 20">
+            <a:extLst>
+              <a:ext uri="{FF2B5EF4-FFF2-40B4-BE49-F238E27FC236}">
+                <a16:creationId xmlns:a16="http://schemas.microsoft.com/office/drawing/2014/main" id="{27922C1A-5ED7-42E5-0FE3-76A5F4FA943A}"/>
+              </a:ext>
+            </a:extLst>
+          </p:cNvPr>
+          <p:cNvSpPr/>
+          <p:nvPr/>
+        </p:nvSpPr>
+        <p:spPr>
+          <a:xfrm>
+            <a:off x="8445483" y="6356343"/>
+            <a:ext cx="3619425" cy="368307"/>
+          </a:xfrm>
+          <a:prstGeom prst="roundRect">
+            <a:avLst/>
+          </a:prstGeom>
+          <a:solidFill>
+            <a:schemeClr val="bg1"/>
+          </a:solidFill>
+          <a:ln>
+            <a:solidFill>
+              <a:srgbClr val="555555"/>
+            </a:solidFill>
+          </a:ln>
+        </p:spPr>
+        <p:style>
+          <a:lnRef idx="2">
+            <a:schemeClr val="accent1">
+              <a:shade val="15000"/>
+            </a:schemeClr>
+          </a:lnRef>
+          <a:fillRef idx="1">
+            <a:schemeClr val="accent1"/>
+          </a:fillRef>
+          <a:effectRef idx="0">
+            <a:schemeClr val="accent1"/>
+          </a:effectRef>
+          <a:fontRef idx="minor">
+            <a:schemeClr val="lt1"/>
+          </a:fontRef>
+        </p:style>
+        <p:txBody>
+          <a:bodyPr rtlCol="0" anchor="ctr"/>
+          <a:lstStyle/>
+          <a:p>
+            <a:pPr algn="ctr"/>
+            <a:r>
+              <a:rPr lang="es-ES" dirty="0">
+                <a:solidFill>
+                  <a:schemeClr val="tx1"/>
+                </a:solidFill>
+              </a:rPr>
+              <a:t>Total de pruebas superadas: </a:t>
+            </a:r>
+            <a:r>
+              <a:rPr lang="es-ES" dirty="0">
+                <a:solidFill>
+                  <a:srgbClr val="EA1B26"/>
+                </a:solidFill>
+              </a:rPr>
+              <a:t>278</a:t>
+            </a:r>
+            <a:endParaRPr lang="es-ES_tradnl" dirty="0">
+              <a:solidFill>
+                <a:srgbClr val="EA1B26"/>
+              </a:solidFill>
+            </a:endParaRPr>
+          </a:p>
+        </p:txBody>
+      </p:sp>
+      <p:pic>
+        <p:nvPicPr>
+          <p:cNvPr id="16" name="Imagen 15" descr="Imagen que contiene Icono&#10;&#10;El contenido generado por IA puede ser incorrecto.">
+            <a:extLst>
+              <a:ext uri="{FF2B5EF4-FFF2-40B4-BE49-F238E27FC236}">
+                <a16:creationId xmlns:a16="http://schemas.microsoft.com/office/drawing/2014/main" id="{DD93B322-7805-4B8D-1C76-B17ED2A1FA22}"/>
+              </a:ext>
+            </a:extLst>
+          </p:cNvPr>
+          <p:cNvPicPr>
+            <a:picLocks noChangeAspect="1"/>
+          </p:cNvPicPr>
+          <p:nvPr/>
+        </p:nvPicPr>
+        <p:blipFill>
+          <a:blip r:embed="rId3">
+            <a:extLst>
+              <a:ext uri="{28A0092B-C50C-407E-A947-70E740481C1C}">
+                <a14:useLocalDpi xmlns:a14="http://schemas.microsoft.com/office/drawing/2010/main" val="0"/>
+              </a:ext>
+            </a:extLst>
+          </a:blip>
+          <a:stretch>
+            <a:fillRect/>
+          </a:stretch>
+        </p:blipFill>
+        <p:spPr>
+          <a:xfrm>
+            <a:off x="2507126" y="1694848"/>
+            <a:ext cx="894514" cy="894514"/>
+          </a:xfrm>
+          <a:prstGeom prst="rect">
+            <a:avLst/>
+          </a:prstGeom>
+        </p:spPr>
+      </p:pic>
+      <p:pic>
+        <p:nvPicPr>
+          <p:cNvPr id="18" name="Imagen 17" descr="Texto&#10;&#10;El contenido generado por IA puede ser incorrecto.">
+            <a:extLst>
+              <a:ext uri="{FF2B5EF4-FFF2-40B4-BE49-F238E27FC236}">
+                <a16:creationId xmlns:a16="http://schemas.microsoft.com/office/drawing/2014/main" id="{64915364-DB33-935D-AF6D-FA4C597F6585}"/>
+              </a:ext>
+            </a:extLst>
+          </p:cNvPr>
+          <p:cNvPicPr>
+            <a:picLocks noChangeAspect="1"/>
+          </p:cNvPicPr>
+          <p:nvPr/>
+        </p:nvPicPr>
+        <p:blipFill>
+          <a:blip r:embed="rId4">
+            <a:extLst>
+              <a:ext uri="{28A0092B-C50C-407E-A947-70E740481C1C}">
+                <a14:useLocalDpi xmlns:a14="http://schemas.microsoft.com/office/drawing/2010/main" val="0"/>
+              </a:ext>
+            </a:extLst>
+          </a:blip>
+          <a:stretch>
+            <a:fillRect/>
+          </a:stretch>
+        </p:blipFill>
+        <p:spPr>
+          <a:xfrm>
+            <a:off x="5915100" y="109538"/>
+            <a:ext cx="6149808" cy="6148387"/>
+          </a:xfrm>
+          <a:prstGeom prst="rect">
+            <a:avLst/>
+          </a:prstGeom>
+        </p:spPr>
+      </p:pic>
+    </p:spTree>
+    <p:extLst>
+      <p:ext uri="{BB962C8B-B14F-4D97-AF65-F5344CB8AC3E}">
+        <p14:creationId xmlns:p14="http://schemas.microsoft.com/office/powerpoint/2010/main" val="3529730551"/>
+      </p:ext>
+    </p:extLst>
+  </p:cSld>
+  <p:clrMapOvr>
+    <a:masterClrMapping/>
+  </p:clrMapOvr>
+  <mc:AlternateContent xmlns:mc="http://schemas.openxmlformats.org/markup-compatibility/2006">
+    <mc:Choice xmlns:p14="http://schemas.microsoft.com/office/powerpoint/2010/main" Requires="p14">
+      <p:transition spd="slow" p14:dur="2000">
+        <p14:ferris dir="l"/>
+      </p:transition>
+    </mc:Choice>
+    <mc:Fallback>
+      <p:transition spd="slow">
+        <p:fade/>
+      </p:transition>
+    </mc:Fallback>
+  </mc:AlternateContent>
+</p:sld>
+</file>
+
+<file path=ppt/slides/slide13.xml><?xml version="1.0" encoding="utf-8"?>
+<p:sld xmlns:a="http://schemas.openxmlformats.org/drawingml/2006/main" xmlns:r="http://schemas.openxmlformats.org/officeDocument/2006/relationships" xmlns:p="http://schemas.openxmlformats.org/presentationml/2006/main">
+  <p:cSld>
+    <p:spTree>
+      <p:nvGrpSpPr>
+        <p:cNvPr id="1" name=""/>
+        <p:cNvGrpSpPr/>
+        <p:nvPr/>
+      </p:nvGrpSpPr>
+      <p:grpSpPr>
+        <a:xfrm>
+          <a:off x="0" y="0"/>
+          <a:ext cx="0" cy="0"/>
+          <a:chOff x="0" y="0"/>
+          <a:chExt cx="0" cy="0"/>
+        </a:xfrm>
+      </p:grpSpPr>
+      <p:sp>
+        <p:nvSpPr>
+          <p:cNvPr id="3" name="CuadroTexto 2">
+            <a:extLst>
+              <a:ext uri="{FF2B5EF4-FFF2-40B4-BE49-F238E27FC236}">
+                <a16:creationId xmlns:a16="http://schemas.microsoft.com/office/drawing/2014/main" id="{69444F1F-247E-A8C2-37E4-881B593418AF}"/>
+              </a:ext>
+            </a:extLst>
+          </p:cNvPr>
+          <p:cNvSpPr txBox="1"/>
+          <p:nvPr/>
+        </p:nvSpPr>
+        <p:spPr>
+          <a:xfrm>
+            <a:off x="3900487" y="345787"/>
+            <a:ext cx="5438775" cy="584775"/>
+          </a:xfrm>
+          <a:prstGeom prst="rect">
+            <a:avLst/>
+          </a:prstGeom>
+          <a:noFill/>
+        </p:spPr>
+        <p:txBody>
+          <a:bodyPr wrap="square">
+            <a:spAutoFit/>
+          </a:bodyPr>
+          <a:lstStyle/>
+          <a:p>
+            <a:r>
+              <a:rPr lang="es-ES" sz="3200" b="1" dirty="0">
+                <a:solidFill>
+                  <a:srgbClr val="555555"/>
+                </a:solidFill>
+                <a:effectLst>
+                  <a:outerShdw blurRad="38100" dist="38100" dir="2700000" algn="tl">
+                    <a:srgbClr val="000000">
+                      <a:alpha val="43137"/>
+                    </a:srgbClr>
+                  </a:outerShdw>
+                </a:effectLst>
+                <a:latin typeface="Montserrat" pitchFamily="2" charset="0"/>
+                <a:ea typeface="Open Sans" pitchFamily="2" charset="0"/>
+                <a:cs typeface="Open Sans" pitchFamily="2" charset="0"/>
+              </a:rPr>
+              <a:t>Documentación</a:t>
+            </a:r>
+            <a:r>
+              <a:rPr lang="es-ES" sz="3200" b="1" dirty="0">
+                <a:effectLst>
+                  <a:outerShdw blurRad="38100" dist="38100" dir="2700000" algn="tl">
+                    <a:srgbClr val="000000">
+                      <a:alpha val="43137"/>
+                    </a:srgbClr>
+                  </a:outerShdw>
+                </a:effectLst>
+                <a:latin typeface="Montserrat" pitchFamily="2" charset="0"/>
+                <a:ea typeface="Open Sans" pitchFamily="2" charset="0"/>
+                <a:cs typeface="Open Sans" pitchFamily="2" charset="0"/>
+              </a:rPr>
+              <a:t> </a:t>
+            </a:r>
+            <a:r>
+              <a:rPr lang="es-ES" sz="3200" b="1" dirty="0">
+                <a:solidFill>
+                  <a:srgbClr val="EA1B26"/>
+                </a:solidFill>
+                <a:effectLst>
+                  <a:outerShdw blurRad="38100" dist="38100" dir="2700000" algn="tl">
+                    <a:srgbClr val="000000">
+                      <a:alpha val="43137"/>
+                    </a:srgbClr>
+                  </a:outerShdw>
+                </a:effectLst>
+                <a:latin typeface="Montserrat" pitchFamily="2" charset="0"/>
+                <a:ea typeface="Open Sans" pitchFamily="2" charset="0"/>
+                <a:cs typeface="Open Sans" pitchFamily="2" charset="0"/>
+              </a:rPr>
+              <a:t>general</a:t>
+            </a:r>
+            <a:endParaRPr lang="es-ES_tradnl" sz="3200" b="1" dirty="0">
+              <a:solidFill>
+                <a:srgbClr val="EA1B26"/>
+              </a:solidFill>
+              <a:effectLst>
+                <a:outerShdw blurRad="38100" dist="38100" dir="2700000" algn="tl">
+                  <a:srgbClr val="000000">
+                    <a:alpha val="43137"/>
+                  </a:srgbClr>
+                </a:outerShdw>
+              </a:effectLst>
+              <a:latin typeface="Montserrat" pitchFamily="2" charset="0"/>
+            </a:endParaRPr>
+          </a:p>
+        </p:txBody>
+      </p:sp>
+      <p:pic>
+        <p:nvPicPr>
+          <p:cNvPr id="9" name="Imagen 8">
+            <a:extLst>
+              <a:ext uri="{FF2B5EF4-FFF2-40B4-BE49-F238E27FC236}">
+                <a16:creationId xmlns:a16="http://schemas.microsoft.com/office/drawing/2014/main" id="{3FFAA126-A52C-2399-F897-E933A01EE6A5}"/>
+              </a:ext>
+            </a:extLst>
+          </p:cNvPr>
+          <p:cNvPicPr>
+            <a:picLocks noChangeAspect="1"/>
+          </p:cNvPicPr>
+          <p:nvPr/>
+        </p:nvPicPr>
+        <p:blipFill>
+          <a:blip r:embed="rId2"/>
+          <a:stretch>
+            <a:fillRect/>
+          </a:stretch>
+        </p:blipFill>
+        <p:spPr>
+          <a:xfrm>
+            <a:off x="819152" y="1291530"/>
+            <a:ext cx="3933825" cy="2089845"/>
+          </a:xfrm>
+          <a:prstGeom prst="roundRect">
+            <a:avLst>
+              <a:gd name="adj" fmla="val 4167"/>
+            </a:avLst>
+          </a:prstGeom>
+          <a:solidFill>
+            <a:srgbClr val="FFFFFF"/>
+          </a:solidFill>
+          <a:ln w="38100" cap="sq">
+            <a:solidFill>
+              <a:srgbClr val="292929"/>
+            </a:solidFill>
+            <a:miter lim="800000"/>
+          </a:ln>
+          <a:effectLst>
+            <a:reflection blurRad="12700" stA="28000" endPos="28000" dist="5000" dir="5400000" sy="-100000" algn="bl" rotWithShape="0"/>
+          </a:effectLst>
+          <a:scene3d>
+            <a:camera prst="orthographicFront"/>
+            <a:lightRig rig="threePt" dir="t">
+              <a:rot lat="0" lon="0" rev="2700000"/>
+            </a:lightRig>
+          </a:scene3d>
+          <a:sp3d>
+            <a:bevelT h="38100"/>
+            <a:contourClr>
+              <a:srgbClr val="C0C0C0"/>
+            </a:contourClr>
+          </a:sp3d>
+        </p:spPr>
+      </p:pic>
+      <p:pic>
+        <p:nvPicPr>
+          <p:cNvPr id="11" name="Imagen 10">
+            <a:extLst>
+              <a:ext uri="{FF2B5EF4-FFF2-40B4-BE49-F238E27FC236}">
+                <a16:creationId xmlns:a16="http://schemas.microsoft.com/office/drawing/2014/main" id="{106FF16F-45BF-B5EB-390C-F53E6F4031E5}"/>
+              </a:ext>
+            </a:extLst>
+          </p:cNvPr>
+          <p:cNvPicPr>
+            <a:picLocks noChangeAspect="1"/>
+          </p:cNvPicPr>
+          <p:nvPr/>
+        </p:nvPicPr>
+        <p:blipFill>
+          <a:blip r:embed="rId3"/>
+          <a:stretch>
+            <a:fillRect/>
+          </a:stretch>
+        </p:blipFill>
+        <p:spPr>
+          <a:xfrm>
+            <a:off x="3190876" y="2453580"/>
+            <a:ext cx="3933825" cy="2089844"/>
+          </a:xfrm>
+          <a:prstGeom prst="roundRect">
+            <a:avLst>
+              <a:gd name="adj" fmla="val 4167"/>
+            </a:avLst>
+          </a:prstGeom>
+          <a:solidFill>
+            <a:srgbClr val="FFFFFF"/>
+          </a:solidFill>
+          <a:ln w="28575" cap="sq">
+            <a:solidFill>
+              <a:srgbClr val="292929"/>
+            </a:solidFill>
+            <a:miter lim="800000"/>
+          </a:ln>
+          <a:effectLst>
+            <a:reflection blurRad="12700" stA="28000" endPos="28000" dist="5000" dir="5400000" sy="-100000" algn="bl" rotWithShape="0"/>
+          </a:effectLst>
+          <a:scene3d>
+            <a:camera prst="orthographicFront"/>
+            <a:lightRig rig="threePt" dir="t">
+              <a:rot lat="0" lon="0" rev="2700000"/>
+            </a:lightRig>
+          </a:scene3d>
+          <a:sp3d>
+            <a:bevelT h="38100"/>
+            <a:contourClr>
+              <a:srgbClr val="C0C0C0"/>
+            </a:contourClr>
+          </a:sp3d>
+        </p:spPr>
+      </p:pic>
+      <p:pic>
+        <p:nvPicPr>
+          <p:cNvPr id="13" name="Imagen 12">
+            <a:extLst>
+              <a:ext uri="{FF2B5EF4-FFF2-40B4-BE49-F238E27FC236}">
+                <a16:creationId xmlns:a16="http://schemas.microsoft.com/office/drawing/2014/main" id="{4808D3AF-82B0-DC11-AC89-844DB3A16298}"/>
+              </a:ext>
+            </a:extLst>
+          </p:cNvPr>
+          <p:cNvPicPr>
+            <a:picLocks noChangeAspect="1"/>
+          </p:cNvPicPr>
+          <p:nvPr/>
+        </p:nvPicPr>
+        <p:blipFill>
+          <a:blip r:embed="rId4"/>
+          <a:stretch>
+            <a:fillRect/>
+          </a:stretch>
+        </p:blipFill>
+        <p:spPr>
+          <a:xfrm>
+            <a:off x="1189849" y="4082594"/>
+            <a:ext cx="2710638" cy="2261056"/>
+          </a:xfrm>
+          <a:prstGeom prst="roundRect">
+            <a:avLst>
+              <a:gd name="adj" fmla="val 4167"/>
+            </a:avLst>
+          </a:prstGeom>
+          <a:solidFill>
+            <a:srgbClr val="FFFFFF"/>
+          </a:solidFill>
+          <a:ln w="28575" cap="sq">
+            <a:solidFill>
+              <a:srgbClr val="292929"/>
+            </a:solidFill>
+            <a:miter lim="800000"/>
+          </a:ln>
+          <a:effectLst>
+            <a:reflection blurRad="12700" stA="28000" endPos="28000" dist="5000" dir="5400000" sy="-100000" algn="bl" rotWithShape="0"/>
+          </a:effectLst>
+          <a:scene3d>
+            <a:camera prst="orthographicFront"/>
+            <a:lightRig rig="threePt" dir="t">
+              <a:rot lat="0" lon="0" rev="2700000"/>
+            </a:lightRig>
+          </a:scene3d>
+          <a:sp3d>
+            <a:bevelT h="38100"/>
+            <a:contourClr>
+              <a:srgbClr val="C0C0C0"/>
+            </a:contourClr>
+          </a:sp3d>
+        </p:spPr>
+      </p:pic>
+      <p:sp>
+        <p:nvSpPr>
+          <p:cNvPr id="17" name="Rectángulo: esquinas redondeadas 16">
+            <a:extLst>
+              <a:ext uri="{FF2B5EF4-FFF2-40B4-BE49-F238E27FC236}">
+                <a16:creationId xmlns:a16="http://schemas.microsoft.com/office/drawing/2014/main" id="{AF65B99D-EE88-34A0-91C7-D0E63E8CBB2C}"/>
+              </a:ext>
+            </a:extLst>
+          </p:cNvPr>
+          <p:cNvSpPr/>
+          <p:nvPr/>
+        </p:nvSpPr>
+        <p:spPr>
+          <a:xfrm>
+            <a:off x="7439025" y="1676400"/>
+            <a:ext cx="3933824" cy="4362450"/>
+          </a:xfrm>
+          <a:prstGeom prst="roundRect">
+            <a:avLst/>
+          </a:prstGeom>
+        </p:spPr>
+        <p:style>
+          <a:lnRef idx="2">
+            <a:schemeClr val="accent1">
+              <a:shade val="15000"/>
+            </a:schemeClr>
+          </a:lnRef>
+          <a:fillRef idx="1">
+            <a:schemeClr val="accent1"/>
+          </a:fillRef>
+          <a:effectRef idx="0">
+            <a:schemeClr val="accent1"/>
+          </a:effectRef>
+          <a:fontRef idx="minor">
+            <a:schemeClr val="lt1"/>
+          </a:fontRef>
+        </p:style>
+        <p:txBody>
+          <a:bodyPr rtlCol="0" anchor="ctr"/>
+          <a:lstStyle/>
+          <a:p>
+            <a:pPr algn="just"/>
+            <a:r>
+              <a:rPr lang="es-ES" dirty="0">
+                <a:latin typeface="Open Sans" pitchFamily="2" charset="0"/>
+                <a:ea typeface="Open Sans" pitchFamily="2" charset="0"/>
+                <a:cs typeface="Open Sans" pitchFamily="2" charset="0"/>
+              </a:rPr>
+              <a:t>El sistema ReyBoxes cuenta con documentación técnica generada en formato HTML, accesible como una página web para una consulta más versátil y eficiente.</a:t>
+            </a:r>
+          </a:p>
+          <a:p>
+            <a:pPr algn="just"/>
+            <a:endParaRPr lang="es-ES" dirty="0">
+              <a:latin typeface="Open Sans" pitchFamily="2" charset="0"/>
+              <a:ea typeface="Open Sans" pitchFamily="2" charset="0"/>
+              <a:cs typeface="Open Sans" pitchFamily="2" charset="0"/>
+            </a:endParaRPr>
+          </a:p>
+          <a:p>
+            <a:r>
+              <a:rPr lang="es-ES" dirty="0">
+                <a:latin typeface="Open Sans" pitchFamily="2" charset="0"/>
+                <a:ea typeface="Open Sans" pitchFamily="2" charset="0"/>
+                <a:cs typeface="Open Sans" pitchFamily="2" charset="0"/>
+              </a:rPr>
+              <a:t>Se ha </a:t>
+            </a:r>
+            <a:r>
+              <a:rPr lang="es-ES" dirty="0"/>
+              <a:t>optado por HTML para documentar porque:</a:t>
+            </a:r>
+          </a:p>
+          <a:p>
+            <a:pPr>
+              <a:buFont typeface="Arial" panose="020B0604020202020204" pitchFamily="34" charset="0"/>
+              <a:buChar char="•"/>
+            </a:pPr>
+            <a:r>
+              <a:rPr lang="es-ES" dirty="0"/>
+              <a:t>Es </a:t>
+            </a:r>
+            <a:r>
+              <a:rPr lang="es-ES" b="1" dirty="0"/>
+              <a:t>portable</a:t>
+            </a:r>
+            <a:r>
+              <a:rPr lang="es-ES" dirty="0"/>
+              <a:t> y accesible desde cualquier sistema.</a:t>
+            </a:r>
+          </a:p>
+          <a:p>
+            <a:pPr>
+              <a:buFont typeface="Arial" panose="020B0604020202020204" pitchFamily="34" charset="0"/>
+              <a:buChar char="•"/>
+            </a:pPr>
+            <a:r>
+              <a:rPr lang="es-ES" dirty="0"/>
+              <a:t>Permite incorporar imágenes, enlaces cruzados, y mantener actualizaciones sin </a:t>
+            </a:r>
+            <a:r>
+              <a:rPr lang="es-ES" dirty="0" err="1"/>
+              <a:t>reempaquetar</a:t>
+            </a:r>
+            <a:r>
+              <a:rPr lang="es-ES" dirty="0"/>
+              <a:t> todo el sistema.</a:t>
+            </a:r>
+            <a:endParaRPr lang="es-ES_tradnl" dirty="0"/>
+          </a:p>
+        </p:txBody>
+      </p:sp>
+      <p:pic>
+        <p:nvPicPr>
+          <p:cNvPr id="19" name="Imagen 18" descr="Icono&#10;&#10;El contenido generado por IA puede ser incorrecto.">
+            <a:extLst>
+              <a:ext uri="{FF2B5EF4-FFF2-40B4-BE49-F238E27FC236}">
+                <a16:creationId xmlns:a16="http://schemas.microsoft.com/office/drawing/2014/main" id="{FDA2CEA3-5728-35C7-E492-603420FECD94}"/>
+              </a:ext>
+            </a:extLst>
+          </p:cNvPr>
+          <p:cNvPicPr>
+            <a:picLocks noChangeAspect="1"/>
+          </p:cNvPicPr>
+          <p:nvPr/>
+        </p:nvPicPr>
+        <p:blipFill>
+          <a:blip r:embed="rId5">
+            <a:extLst>
+              <a:ext uri="{28A0092B-C50C-407E-A947-70E740481C1C}">
+                <a14:useLocalDpi xmlns:a14="http://schemas.microsoft.com/office/drawing/2010/main" val="0"/>
+              </a:ext>
+            </a:extLst>
+          </a:blip>
+          <a:stretch>
+            <a:fillRect/>
+          </a:stretch>
+        </p:blipFill>
+        <p:spPr>
+          <a:xfrm>
+            <a:off x="3105151" y="138264"/>
+            <a:ext cx="790273" cy="790273"/>
+          </a:xfrm>
+          <a:prstGeom prst="rect">
+            <a:avLst/>
+          </a:prstGeom>
+        </p:spPr>
+      </p:pic>
+      <p:sp>
+        <p:nvSpPr>
+          <p:cNvPr id="21" name="Rectángulo: esquinas redondeadas 20">
+            <a:extLst>
+              <a:ext uri="{FF2B5EF4-FFF2-40B4-BE49-F238E27FC236}">
+                <a16:creationId xmlns:a16="http://schemas.microsoft.com/office/drawing/2014/main" id="{D5B9616E-713C-0DF5-91AE-E11BE2481FF1}"/>
+              </a:ext>
+            </a:extLst>
+          </p:cNvPr>
+          <p:cNvSpPr/>
+          <p:nvPr/>
+        </p:nvSpPr>
+        <p:spPr>
+          <a:xfrm>
+            <a:off x="7591425" y="1828800"/>
+            <a:ext cx="3933824" cy="4362450"/>
+          </a:xfrm>
+          <a:prstGeom prst="roundRect">
+            <a:avLst/>
+          </a:prstGeom>
+        </p:spPr>
+        <p:style>
+          <a:lnRef idx="2">
+            <a:schemeClr val="accent1">
+              <a:shade val="15000"/>
+            </a:schemeClr>
+          </a:lnRef>
+          <a:fillRef idx="1">
+            <a:schemeClr val="accent1"/>
+          </a:fillRef>
+          <a:effectRef idx="0">
+            <a:schemeClr val="accent1"/>
+          </a:effectRef>
+          <a:fontRef idx="minor">
+            <a:schemeClr val="lt1"/>
+          </a:fontRef>
+        </p:style>
+        <p:txBody>
+          <a:bodyPr rtlCol="0" anchor="ctr"/>
+          <a:lstStyle/>
+          <a:p>
+            <a:pPr algn="just"/>
+            <a:r>
+              <a:rPr lang="es-ES" dirty="0">
+                <a:latin typeface="Open Sans" pitchFamily="2" charset="0"/>
+                <a:ea typeface="Open Sans" pitchFamily="2" charset="0"/>
+                <a:cs typeface="Open Sans" pitchFamily="2" charset="0"/>
+              </a:rPr>
+              <a:t>Abarca todos los módulos del proyecto e incluye descripciones detalladas de clases, funciones y estructuras del sistema, facilitando su mantenimiento, comprensión y evolución por parte de futuros desarrolladores.</a:t>
+            </a:r>
+          </a:p>
+        </p:txBody>
+      </p:sp>
+      <p:sp>
+        <p:nvSpPr>
+          <p:cNvPr id="22" name="Rectángulo: esquinas redondeadas 21">
+            <a:extLst>
+              <a:ext uri="{FF2B5EF4-FFF2-40B4-BE49-F238E27FC236}">
+                <a16:creationId xmlns:a16="http://schemas.microsoft.com/office/drawing/2014/main" id="{ECD32E85-FF38-E8E6-28EF-5D1810444C89}"/>
+              </a:ext>
+            </a:extLst>
+          </p:cNvPr>
+          <p:cNvSpPr/>
+          <p:nvPr/>
+        </p:nvSpPr>
+        <p:spPr>
+          <a:xfrm>
+            <a:off x="7743825" y="1981200"/>
+            <a:ext cx="3933824" cy="4362450"/>
+          </a:xfrm>
+          <a:prstGeom prst="roundRect">
+            <a:avLst/>
+          </a:prstGeom>
+        </p:spPr>
+        <p:style>
+          <a:lnRef idx="2">
+            <a:schemeClr val="accent1">
+              <a:shade val="15000"/>
+            </a:schemeClr>
+          </a:lnRef>
+          <a:fillRef idx="1">
+            <a:schemeClr val="accent1"/>
+          </a:fillRef>
+          <a:effectRef idx="0">
+            <a:schemeClr val="accent1"/>
+          </a:effectRef>
+          <a:fontRef idx="minor">
+            <a:schemeClr val="lt1"/>
+          </a:fontRef>
+        </p:style>
+        <p:txBody>
+          <a:bodyPr rtlCol="0" anchor="ctr"/>
+          <a:lstStyle/>
+          <a:p>
+            <a:pPr algn="just"/>
+            <a:r>
+              <a:rPr lang="es-ES" dirty="0">
+                <a:latin typeface="Open Sans" pitchFamily="2" charset="0"/>
+                <a:ea typeface="Open Sans" pitchFamily="2" charset="0"/>
+                <a:cs typeface="Open Sans" pitchFamily="2" charset="0"/>
+              </a:rPr>
+              <a:t>Además, se han elaborado manuales y guías de usuario orientadas al uso práctico por parte del personal del taller.</a:t>
+            </a:r>
+          </a:p>
+        </p:txBody>
+      </p:sp>
+    </p:spTree>
+    <p:extLst>
+      <p:ext uri="{BB962C8B-B14F-4D97-AF65-F5344CB8AC3E}">
+        <p14:creationId xmlns:p14="http://schemas.microsoft.com/office/powerpoint/2010/main" val="2664931503"/>
+      </p:ext>
+    </p:extLst>
+  </p:cSld>
+  <p:clrMapOvr>
+    <a:masterClrMapping/>
+  </p:clrMapOvr>
+  <p:timing>
+    <p:tnLst>
+      <p:par>
+        <p:cTn id="1" dur="indefinite" restart="never" nodeType="tmRoot">
+          <p:childTnLst>
+            <p:seq concurrent="1" nextAc="seek">
+              <p:cTn id="2" dur="indefinite" nodeType="mainSeq">
+                <p:childTnLst>
+                  <p:par>
+                    <p:cTn id="3" fill="hold">
+                      <p:stCondLst>
+                        <p:cond delay="indefinite"/>
+                      </p:stCondLst>
+                      <p:childTnLst>
+                        <p:par>
+                          <p:cTn id="4" fill="hold">
+                            <p:stCondLst>
+                              <p:cond delay="0"/>
+                            </p:stCondLst>
+                            <p:childTnLst>
+                              <p:par>
+                                <p:cTn id="5" presetID="1" presetClass="entr" presetSubtype="0" fill="hold" grpId="0" nodeType="clickEffect">
+                                  <p:stCondLst>
+                                    <p:cond delay="0"/>
+                                  </p:stCondLst>
+                                  <p:childTnLst>
+                                    <p:set>
+                                      <p:cBhvr>
+                                        <p:cTn id="6" dur="1" fill="hold">
+                                          <p:stCondLst>
+                                            <p:cond delay="0"/>
+                                          </p:stCondLst>
+                                        </p:cTn>
+                                        <p:tgtEl>
+                                          <p:spTgt spid="17"/>
+                                        </p:tgtEl>
+                                        <p:attrNameLst>
+                                          <p:attrName>style.visibility</p:attrName>
+                                        </p:attrNameLst>
+                                      </p:cBhvr>
+                                      <p:to>
+                                        <p:strVal val="visible"/>
+                                      </p:to>
+                                    </p:set>
+                                  </p:childTnLst>
+                                </p:cTn>
+                              </p:par>
+                              <p:par>
+                                <p:cTn id="7" presetID="1" presetClass="entr" presetSubtype="0" fill="hold" nodeType="withEffect">
+                                  <p:stCondLst>
+                                    <p:cond delay="0"/>
+                                  </p:stCondLst>
+                                  <p:childTnLst>
+                                    <p:set>
+                                      <p:cBhvr>
+                                        <p:cTn id="8" dur="1" fill="hold">
+                                          <p:stCondLst>
+                                            <p:cond delay="0"/>
+                                          </p:stCondLst>
+                                        </p:cTn>
+                                        <p:tgtEl>
+                                          <p:spTgt spid="9"/>
+                                        </p:tgtEl>
+                                        <p:attrNameLst>
+                                          <p:attrName>style.visibility</p:attrName>
+                                        </p:attrNameLst>
+                                      </p:cBhvr>
+                                      <p:to>
+                                        <p:strVal val="visible"/>
+                                      </p:to>
+                                    </p:set>
+                                  </p:childTnLst>
+                                </p:cTn>
+                              </p:par>
+                            </p:childTnLst>
+                          </p:cTn>
+                        </p:par>
+                      </p:childTnLst>
+                    </p:cTn>
+                  </p:par>
+                  <p:par>
+                    <p:cTn id="9" fill="hold">
+                      <p:stCondLst>
+                        <p:cond delay="indefinite"/>
+                      </p:stCondLst>
+                      <p:childTnLst>
+                        <p:par>
+                          <p:cTn id="10" fill="hold">
+                            <p:stCondLst>
+                              <p:cond delay="0"/>
+                            </p:stCondLst>
+                            <p:childTnLst>
+                              <p:par>
+                                <p:cTn id="11" presetID="47" presetClass="entr" presetSubtype="0" fill="hold" nodeType="clickEffect">
+                                  <p:stCondLst>
+                                    <p:cond delay="0"/>
+                                  </p:stCondLst>
+                                  <p:childTnLst>
+                                    <p:set>
+                                      <p:cBhvr>
+                                        <p:cTn id="12" dur="1" fill="hold">
+                                          <p:stCondLst>
+                                            <p:cond delay="0"/>
+                                          </p:stCondLst>
+                                        </p:cTn>
+                                        <p:tgtEl>
+                                          <p:spTgt spid="11"/>
+                                        </p:tgtEl>
+                                        <p:attrNameLst>
+                                          <p:attrName>style.visibility</p:attrName>
+                                        </p:attrNameLst>
+                                      </p:cBhvr>
+                                      <p:to>
+                                        <p:strVal val="visible"/>
+                                      </p:to>
+                                    </p:set>
+                                    <p:animEffect transition="in" filter="fade">
+                                      <p:cBhvr>
+                                        <p:cTn id="13" dur="1000"/>
+                                        <p:tgtEl>
+                                          <p:spTgt spid="11"/>
+                                        </p:tgtEl>
+                                      </p:cBhvr>
+                                    </p:animEffect>
+                                    <p:anim calcmode="lin" valueType="num">
+                                      <p:cBhvr>
+                                        <p:cTn id="14" dur="1000" fill="hold"/>
+                                        <p:tgtEl>
+                                          <p:spTgt spid="11"/>
+                                        </p:tgtEl>
+                                        <p:attrNameLst>
+                                          <p:attrName>ppt_x</p:attrName>
+                                        </p:attrNameLst>
+                                      </p:cBhvr>
+                                      <p:tavLst>
+                                        <p:tav tm="0">
+                                          <p:val>
+                                            <p:strVal val="#ppt_x"/>
+                                          </p:val>
+                                        </p:tav>
+                                        <p:tav tm="100000">
+                                          <p:val>
+                                            <p:strVal val="#ppt_x"/>
+                                          </p:val>
+                                        </p:tav>
+                                      </p:tavLst>
+                                    </p:anim>
+                                    <p:anim calcmode="lin" valueType="num">
+                                      <p:cBhvr>
+                                        <p:cTn id="15" dur="1000" fill="hold"/>
+                                        <p:tgtEl>
+                                          <p:spTgt spid="11"/>
+                                        </p:tgtEl>
+                                        <p:attrNameLst>
+                                          <p:attrName>ppt_y</p:attrName>
+                                        </p:attrNameLst>
+                                      </p:cBhvr>
+                                      <p:tavLst>
+                                        <p:tav tm="0">
+                                          <p:val>
+                                            <p:strVal val="#ppt_y-.1"/>
+                                          </p:val>
+                                        </p:tav>
+                                        <p:tav tm="100000">
+                                          <p:val>
+                                            <p:strVal val="#ppt_y"/>
+                                          </p:val>
+                                        </p:tav>
+                                      </p:tavLst>
+                                    </p:anim>
+                                  </p:childTnLst>
+                                </p:cTn>
+                              </p:par>
+                              <p:par>
+                                <p:cTn id="16" presetID="47" presetClass="entr" presetSubtype="0" fill="hold" grpId="0" nodeType="withEffect">
+                                  <p:stCondLst>
+                                    <p:cond delay="0"/>
+                                  </p:stCondLst>
+                                  <p:childTnLst>
+                                    <p:set>
+                                      <p:cBhvr>
+                                        <p:cTn id="17" dur="1" fill="hold">
+                                          <p:stCondLst>
+                                            <p:cond delay="0"/>
+                                          </p:stCondLst>
+                                        </p:cTn>
+                                        <p:tgtEl>
+                                          <p:spTgt spid="21"/>
+                                        </p:tgtEl>
+                                        <p:attrNameLst>
+                                          <p:attrName>style.visibility</p:attrName>
+                                        </p:attrNameLst>
+                                      </p:cBhvr>
+                                      <p:to>
+                                        <p:strVal val="visible"/>
+                                      </p:to>
+                                    </p:set>
+                                    <p:animEffect transition="in" filter="fade">
+                                      <p:cBhvr>
+                                        <p:cTn id="18" dur="1000"/>
+                                        <p:tgtEl>
+                                          <p:spTgt spid="21"/>
+                                        </p:tgtEl>
+                                      </p:cBhvr>
+                                    </p:animEffect>
+                                    <p:anim calcmode="lin" valueType="num">
+                                      <p:cBhvr>
+                                        <p:cTn id="19" dur="1000" fill="hold"/>
+                                        <p:tgtEl>
+                                          <p:spTgt spid="21"/>
+                                        </p:tgtEl>
+                                        <p:attrNameLst>
+                                          <p:attrName>ppt_x</p:attrName>
+                                        </p:attrNameLst>
+                                      </p:cBhvr>
+                                      <p:tavLst>
+                                        <p:tav tm="0">
+                                          <p:val>
+                                            <p:strVal val="#ppt_x"/>
+                                          </p:val>
+                                        </p:tav>
+                                        <p:tav tm="100000">
+                                          <p:val>
+                                            <p:strVal val="#ppt_x"/>
+                                          </p:val>
+                                        </p:tav>
+                                      </p:tavLst>
+                                    </p:anim>
+                                    <p:anim calcmode="lin" valueType="num">
+                                      <p:cBhvr>
+                                        <p:cTn id="20" dur="1000" fill="hold"/>
+                                        <p:tgtEl>
+                                          <p:spTgt spid="21"/>
+                                        </p:tgtEl>
+                                        <p:attrNameLst>
+                                          <p:attrName>ppt_y</p:attrName>
+                                        </p:attrNameLst>
+                                      </p:cBhvr>
+                                      <p:tavLst>
+                                        <p:tav tm="0">
+                                          <p:val>
+                                            <p:strVal val="#ppt_y-.1"/>
+                                          </p:val>
+                                        </p:tav>
+                                        <p:tav tm="100000">
+                                          <p:val>
+                                            <p:strVal val="#ppt_y"/>
+                                          </p:val>
+                                        </p:tav>
+                                      </p:tavLst>
+                                    </p:anim>
+                                  </p:childTnLst>
+                                </p:cTn>
+                              </p:par>
+                              <p:par>
+                                <p:cTn id="21" presetID="2" presetClass="entr" presetSubtype="4" fill="hold" nodeType="withEffect">
+                                  <p:stCondLst>
+                                    <p:cond delay="0"/>
+                                  </p:stCondLst>
+                                  <p:childTnLst>
+                                    <p:set>
+                                      <p:cBhvr>
+                                        <p:cTn id="22" dur="1" fill="hold">
+                                          <p:stCondLst>
+                                            <p:cond delay="0"/>
+                                          </p:stCondLst>
+                                        </p:cTn>
+                                        <p:tgtEl>
+                                          <p:spTgt spid="13"/>
+                                        </p:tgtEl>
+                                        <p:attrNameLst>
+                                          <p:attrName>style.visibility</p:attrName>
+                                        </p:attrNameLst>
+                                      </p:cBhvr>
+                                      <p:to>
+                                        <p:strVal val="visible"/>
+                                      </p:to>
+                                    </p:set>
+                                    <p:anim calcmode="lin" valueType="num">
+                                      <p:cBhvr additive="base">
+                                        <p:cTn id="23" dur="500" fill="hold"/>
+                                        <p:tgtEl>
+                                          <p:spTgt spid="13"/>
+                                        </p:tgtEl>
+                                        <p:attrNameLst>
+                                          <p:attrName>ppt_x</p:attrName>
+                                        </p:attrNameLst>
+                                      </p:cBhvr>
+                                      <p:tavLst>
+                                        <p:tav tm="0">
+                                          <p:val>
+                                            <p:strVal val="#ppt_x"/>
+                                          </p:val>
+                                        </p:tav>
+                                        <p:tav tm="100000">
+                                          <p:val>
+                                            <p:strVal val="#ppt_x"/>
+                                          </p:val>
+                                        </p:tav>
+                                      </p:tavLst>
+                                    </p:anim>
+                                    <p:anim calcmode="lin" valueType="num">
+                                      <p:cBhvr additive="base">
+                                        <p:cTn id="24" dur="500" fill="hold"/>
+                                        <p:tgtEl>
+                                          <p:spTgt spid="13"/>
+                                        </p:tgtEl>
+                                        <p:attrNameLst>
+                                          <p:attrName>ppt_y</p:attrName>
+                                        </p:attrNameLst>
+                                      </p:cBhvr>
+                                      <p:tavLst>
+                                        <p:tav tm="0">
+                                          <p:val>
+                                            <p:strVal val="1+#ppt_h/2"/>
+                                          </p:val>
+                                        </p:tav>
+                                        <p:tav tm="100000">
+                                          <p:val>
+                                            <p:strVal val="#ppt_y"/>
+                                          </p:val>
+                                        </p:tav>
+                                      </p:tavLst>
+                                    </p:anim>
+                                  </p:childTnLst>
+                                </p:cTn>
+                              </p:par>
+                            </p:childTnLst>
+                          </p:cTn>
+                        </p:par>
+                      </p:childTnLst>
+                    </p:cTn>
+                  </p:par>
+                  <p:par>
+                    <p:cTn id="25" fill="hold">
+                      <p:stCondLst>
+                        <p:cond delay="indefinite"/>
+                      </p:stCondLst>
+                      <p:childTnLst>
+                        <p:par>
+                          <p:cTn id="26" fill="hold">
+                            <p:stCondLst>
+                              <p:cond delay="0"/>
+                            </p:stCondLst>
+                            <p:childTnLst>
+                              <p:par>
+                                <p:cTn id="27" presetID="2" presetClass="entr" presetSubtype="4" fill="hold" grpId="0" nodeType="clickEffect">
+                                  <p:stCondLst>
+                                    <p:cond delay="0"/>
+                                  </p:stCondLst>
+                                  <p:childTnLst>
+                                    <p:set>
+                                      <p:cBhvr>
+                                        <p:cTn id="28" dur="1" fill="hold">
+                                          <p:stCondLst>
+                                            <p:cond delay="0"/>
+                                          </p:stCondLst>
+                                        </p:cTn>
+                                        <p:tgtEl>
+                                          <p:spTgt spid="22"/>
+                                        </p:tgtEl>
+                                        <p:attrNameLst>
+                                          <p:attrName>style.visibility</p:attrName>
+                                        </p:attrNameLst>
+                                      </p:cBhvr>
+                                      <p:to>
+                                        <p:strVal val="visible"/>
+                                      </p:to>
+                                    </p:set>
+                                    <p:anim calcmode="lin" valueType="num">
+                                      <p:cBhvr additive="base">
+                                        <p:cTn id="29" dur="500" fill="hold"/>
+                                        <p:tgtEl>
+                                          <p:spTgt spid="22"/>
+                                        </p:tgtEl>
+                                        <p:attrNameLst>
+                                          <p:attrName>ppt_x</p:attrName>
+                                        </p:attrNameLst>
+                                      </p:cBhvr>
+                                      <p:tavLst>
+                                        <p:tav tm="0">
+                                          <p:val>
+                                            <p:strVal val="#ppt_x"/>
+                                          </p:val>
+                                        </p:tav>
+                                        <p:tav tm="100000">
+                                          <p:val>
+                                            <p:strVal val="#ppt_x"/>
+                                          </p:val>
+                                        </p:tav>
+                                      </p:tavLst>
+                                    </p:anim>
+                                    <p:anim calcmode="lin" valueType="num">
+                                      <p:cBhvr additive="base">
+                                        <p:cTn id="30" dur="500" fill="hold"/>
+                                        <p:tgtEl>
+                                          <p:spTgt spid="22"/>
+                                        </p:tgtEl>
+                                        <p:attrNameLst>
+                                          <p:attrName>ppt_y</p:attrName>
+                                        </p:attrNameLst>
+                                      </p:cBhvr>
+                                      <p:tavLst>
+                                        <p:tav tm="0">
+                                          <p:val>
+                                            <p:strVal val="1+#ppt_h/2"/>
+                                          </p:val>
+                                        </p:tav>
+                                        <p:tav tm="100000">
+                                          <p:val>
+                                            <p:strVal val="#ppt_y"/>
+                                          </p:val>
+                                        </p:tav>
+                                      </p:tavLst>
+                                    </p:anim>
+                                  </p:childTnLst>
+                                </p:cTn>
+                              </p:par>
+                            </p:childTnLst>
+                          </p:cTn>
+                        </p:par>
+                      </p:childTnLst>
+                    </p:cTn>
+                  </p:par>
+                </p:childTnLst>
+              </p:cTn>
+              <p:prevCondLst>
+                <p:cond evt="onPrev" delay="0">
+                  <p:tgtEl>
+                    <p:sldTgt/>
+                  </p:tgtEl>
+                </p:cond>
+              </p:prevCondLst>
+              <p:nextCondLst>
+                <p:cond evt="onNext" delay="0">
+                  <p:tgtEl>
+                    <p:sldTgt/>
+                  </p:tgtEl>
+                </p:cond>
+              </p:nextCondLst>
+            </p:seq>
+          </p:childTnLst>
+        </p:cTn>
+      </p:par>
+    </p:tnLst>
+    <p:bldLst>
+      <p:bldP spid="17" grpId="0" animBg="1"/>
+      <p:bldP spid="21" grpId="0" animBg="1"/>
+      <p:bldP spid="22" grpId="0" animBg="1"/>
+    </p:bldLst>
+  </p:timing>
+</p:sld>
+</file>
+
 <file path=ppt/slides/slide2.xml><?xml version="1.0" encoding="utf-8"?>
 <p:sld xmlns:a="http://schemas.openxmlformats.org/drawingml/2006/main" xmlns:r="http://schemas.openxmlformats.org/officeDocument/2006/relationships" xmlns:p="http://schemas.openxmlformats.org/presentationml/2006/main">
   <p:cSld>
@@ -5507,13 +10446,13 @@
   <p:clrMapOvr>
     <a:masterClrMapping/>
   </p:clrMapOvr>
-  <mc:AlternateContent xmlns:mc="http://schemas.openxmlformats.org/markup-compatibility/2006">
-    <mc:Choice xmlns:p15="http://schemas.microsoft.com/office/powerpoint/2012/main" Requires="p15">
+  <mc:AlternateContent xmlns:mc="http://schemas.openxmlformats.org/markup-compatibility/2006" xmlns:p15="http://schemas.microsoft.com/office/powerpoint/2012/main">
+    <mc:Choice Requires="p15">
       <p:transition xmlns:p14="http://schemas.microsoft.com/office/powerpoint/2010/main" spd="slow" p14:dur="2000">
         <p15:prstTrans prst="drape"/>
       </p:transition>
     </mc:Choice>
-    <mc:Fallback>
+    <mc:Fallback xmlns="">
       <p:transition spd="slow">
         <p:fade/>
       </p:transition>
@@ -9201,13 +14140,13 @@
   <p:clrMapOvr>
     <a:masterClrMapping/>
   </p:clrMapOvr>
-  <mc:AlternateContent xmlns:mc="http://schemas.openxmlformats.org/markup-compatibility/2006">
-    <mc:Choice xmlns:p15="http://schemas.microsoft.com/office/powerpoint/2012/main" Requires="p15">
+  <mc:AlternateContent xmlns:mc="http://schemas.openxmlformats.org/markup-compatibility/2006" xmlns:p15="http://schemas.microsoft.com/office/powerpoint/2012/main">
+    <mc:Choice Requires="p15">
       <p:transition xmlns:p14="http://schemas.microsoft.com/office/powerpoint/2010/main" spd="slow" p14:dur="2000">
         <p15:prstTrans prst="fallOver"/>
       </p:transition>
     </mc:Choice>
-    <mc:Fallback>
+    <mc:Fallback xmlns="">
       <p:transition spd="slow">
         <p:fade/>
       </p:transition>
@@ -11172,13 +16111,13 @@
   <p:clrMapOvr>
     <a:masterClrMapping/>
   </p:clrMapOvr>
-  <mc:AlternateContent xmlns:mc="http://schemas.openxmlformats.org/markup-compatibility/2006">
-    <mc:Choice xmlns:p14="http://schemas.microsoft.com/office/powerpoint/2010/main" Requires="p14">
+  <mc:AlternateContent xmlns:mc="http://schemas.openxmlformats.org/markup-compatibility/2006" xmlns:p14="http://schemas.microsoft.com/office/powerpoint/2010/main">
+    <mc:Choice Requires="p14">
       <p:transition spd="slow" p14:dur="1250">
         <p14:switch dir="l"/>
       </p:transition>
     </mc:Choice>
-    <mc:Fallback>
+    <mc:Fallback xmlns="">
       <p:transition spd="slow">
         <p:fade/>
       </p:transition>
@@ -11333,20 +16272,7 @@
                 <a:effectLst/>
                 <a:latin typeface="Montserrat" pitchFamily="2" charset="0"/>
               </a:rPr>
-              <a:t>PostgreSQL – </a:t>
-            </a:r>
-            <a:r>
-              <a:rPr kumimoji="0" lang="es-ES_tradnl" altLang="es-ES_tradnl" sz="2000" b="1" i="0" u="none" strike="noStrike" cap="none" normalizeH="0" baseline="0" dirty="0" err="1">
-                <a:ln>
-                  <a:noFill/>
-                </a:ln>
-                <a:solidFill>
-                  <a:srgbClr val="EA1B26"/>
-                </a:solidFill>
-                <a:effectLst/>
-                <a:latin typeface="Montserrat" pitchFamily="2" charset="0"/>
-              </a:rPr>
-              <a:t>Supabase</a:t>
+              <a:t>PostgreSQL – Supabase</a:t>
             </a:r>
             <a:endParaRPr kumimoji="0" lang="es-ES_tradnl" altLang="es-ES_tradnl" sz="2000" b="0" i="0" u="none" strike="noStrike" cap="none" normalizeH="0" baseline="0" dirty="0">
               <a:ln>
@@ -11705,7 +16631,7 @@
                 <a:ea typeface="Open Sans" pitchFamily="2" charset="0"/>
                 <a:cs typeface="Open Sans" pitchFamily="2" charset="0"/>
               </a:rPr>
-              <a:t>Framework para la interfaz gráfica del sistema, basado en Qt. Permite crear ventanas modernas y estructuradas respetando el patrón MVC.</a:t>
+              <a:t>Framework para la interfaz gráfica del sistema, basado en Qt. Permite crear ventanas modernas y estructuradas respetando el patrón modelo vista controlador (MVC).</a:t>
             </a:r>
             <a:endParaRPr kumimoji="0" lang="es-ES_tradnl" altLang="es-ES_tradnl" sz="1800" b="0" i="0" u="none" strike="noStrike" cap="none" normalizeH="0" baseline="0" dirty="0">
               <a:ln>
@@ -11948,13 +16874,13 @@
   <p:clrMapOvr>
     <a:masterClrMapping/>
   </p:clrMapOvr>
-  <mc:AlternateContent xmlns:mc="http://schemas.openxmlformats.org/markup-compatibility/2006">
-    <mc:Choice xmlns:p14="http://schemas.microsoft.com/office/powerpoint/2010/main" Requires="p14">
+  <mc:AlternateContent xmlns:mc="http://schemas.openxmlformats.org/markup-compatibility/2006" xmlns:p14="http://schemas.microsoft.com/office/powerpoint/2010/main">
+    <mc:Choice Requires="p14">
       <p:transition spd="slow" p14:dur="1300">
         <p14:pan dir="u"/>
       </p:transition>
     </mc:Choice>
-    <mc:Fallback>
+    <mc:Fallback xmlns="">
       <p:transition spd="slow">
         <p:fade/>
       </p:transition>
@@ -12148,7 +17074,7 @@
                             </p:stCondLst>
                             <p:childTnLst>
                               <p:par>
-                                <p:cTn id="15" presetID="2" presetClass="entr" presetSubtype="2" fill="hold" nodeType="clickEffect">
+                                <p:cTn id="15" presetID="1" presetClass="entr" presetSubtype="0" fill="hold" nodeType="clickEffect">
                                   <p:stCondLst>
                                     <p:cond delay="0"/>
                                   </p:stCondLst>
@@ -12161,6 +17087,33 @@
                                           </p:stCondLst>
                                         </p:cTn>
                                         <p:tgtEl>
+                                          <p:spTgt spid="27"/>
+                                        </p:tgtEl>
+                                        <p:attrNameLst>
+                                          <p:attrName>style.visibility</p:attrName>
+                                        </p:attrNameLst>
+                                      </p:cBhvr>
+                                      <p:to>
+                                        <p:strVal val="visible"/>
+                                      </p:to>
+                                    </p:set>
+                                  </p:childTnLst>
+                                </p:cTn>
+                              </p:par>
+                              <p:par>
+                                <p:cTn id="17" presetID="2" presetClass="entr" presetSubtype="2" fill="hold" nodeType="withEffect">
+                                  <p:stCondLst>
+                                    <p:cond delay="0"/>
+                                  </p:stCondLst>
+                                  <p:childTnLst>
+                                    <p:set>
+                                      <p:cBhvr>
+                                        <p:cTn id="18" dur="1" fill="hold">
+                                          <p:stCondLst>
+                                            <p:cond delay="0"/>
+                                          </p:stCondLst>
+                                        </p:cTn>
+                                        <p:tgtEl>
                                           <p:spTgt spid="25"/>
                                         </p:tgtEl>
                                         <p:attrNameLst>
@@ -12173,7 +17126,7 @@
                                     </p:set>
                                     <p:anim calcmode="lin" valueType="num">
                                       <p:cBhvr additive="base">
-                                        <p:cTn id="17" dur="500" fill="hold"/>
+                                        <p:cTn id="19" dur="500" fill="hold"/>
                                         <p:tgtEl>
                                           <p:spTgt spid="25"/>
                                         </p:tgtEl>
@@ -12196,7 +17149,7 @@
                                     </p:anim>
                                     <p:anim calcmode="lin" valueType="num">
                                       <p:cBhvr additive="base">
-                                        <p:cTn id="18" dur="500" fill="hold"/>
+                                        <p:cTn id="20" dur="500" fill="hold"/>
                                         <p:tgtEl>
                                           <p:spTgt spid="25"/>
                                         </p:tgtEl>
@@ -12221,14 +17174,14 @@
                                 </p:cTn>
                               </p:par>
                               <p:par>
-                                <p:cTn id="19" presetID="2" presetClass="entr" presetSubtype="2" fill="hold" grpId="0" nodeType="withEffect">
+                                <p:cTn id="21" presetID="2" presetClass="entr" presetSubtype="2" fill="hold" grpId="0" nodeType="withEffect">
                                   <p:stCondLst>
                                     <p:cond delay="0"/>
                                   </p:stCondLst>
                                   <p:childTnLst>
                                     <p:set>
                                       <p:cBhvr>
-                                        <p:cTn id="20" dur="1" fill="hold">
+                                        <p:cTn id="22" dur="1" fill="hold">
                                           <p:stCondLst>
                                             <p:cond delay="0"/>
                                           </p:stCondLst>
@@ -12246,7 +17199,7 @@
                                     </p:set>
                                     <p:anim calcmode="lin" valueType="num">
                                       <p:cBhvr additive="base">
-                                        <p:cTn id="21" dur="500" fill="hold"/>
+                                        <p:cTn id="23" dur="500" fill="hold"/>
                                         <p:tgtEl>
                                           <p:spTgt spid="4"/>
                                         </p:tgtEl>
@@ -12269,7 +17222,7 @@
                                     </p:anim>
                                     <p:anim calcmode="lin" valueType="num">
                                       <p:cBhvr additive="base">
-                                        <p:cTn id="22" dur="500" fill="hold"/>
+                                        <p:cTn id="24" dur="500" fill="hold"/>
                                         <p:tgtEl>
                                           <p:spTgt spid="4"/>
                                         </p:tgtEl>
@@ -12300,32 +17253,32 @@
                     </p:cTn>
                   </p:par>
                   <p:par>
-                    <p:cTn id="23" fill="hold">
+                    <p:cTn id="25" fill="hold">
                       <p:stCondLst>
                         <p:cond delay="indefinite"/>
                       </p:stCondLst>
                       <p:childTnLst>
                         <p:par>
-                          <p:cTn id="24" fill="hold">
+                          <p:cTn id="26" fill="hold">
                             <p:stCondLst>
                               <p:cond delay="0"/>
                             </p:stCondLst>
                             <p:childTnLst>
                               <p:par>
-                                <p:cTn id="25" presetID="1" presetClass="entr" presetSubtype="0" fill="hold" nodeType="clickEffect">
+                                <p:cTn id="27" presetID="1" presetClass="entr" presetSubtype="0" fill="hold" nodeType="clickEffect">
                                   <p:stCondLst>
                                     <p:cond delay="0"/>
                                   </p:stCondLst>
                                   <p:childTnLst>
                                     <p:set>
                                       <p:cBhvr>
-                                        <p:cTn id="26" dur="1" fill="hold">
+                                        <p:cTn id="28" dur="1" fill="hold">
                                           <p:stCondLst>
                                             <p:cond delay="0"/>
                                           </p:stCondLst>
                                         </p:cTn>
                                         <p:tgtEl>
-                                          <p:spTgt spid="27"/>
+                                          <p:spTgt spid="28"/>
                                         </p:tgtEl>
                                         <p:attrNameLst>
                                           <p:attrName>style.visibility</p:attrName>
@@ -12338,26 +17291,8 @@
                                   </p:childTnLst>
                                 </p:cTn>
                               </p:par>
-                            </p:childTnLst>
-                          </p:cTn>
-                        </p:par>
-                      </p:childTnLst>
-                    </p:cTn>
-                  </p:par>
-                  <p:par>
-                    <p:cTn id="27" fill="hold">
-                      <p:stCondLst>
-                        <p:cond delay="indefinite"/>
-                      </p:stCondLst>
-                      <p:childTnLst>
-                        <p:par>
-                          <p:cTn id="28" fill="hold">
-                            <p:stCondLst>
-                              <p:cond delay="0"/>
-                            </p:stCondLst>
-                            <p:childTnLst>
                               <p:par>
-                                <p:cTn id="29" presetID="2" presetClass="entr" presetSubtype="8" fill="hold" grpId="0" nodeType="clickEffect">
+                                <p:cTn id="29" presetID="2" presetClass="entr" presetSubtype="8" fill="hold" grpId="0" nodeType="withEffect">
                                   <p:stCondLst>
                                     <p:cond delay="0"/>
                                   </p:stCondLst>
@@ -12572,51 +17507,6 @@
                                         </p:tav>
                                       </p:tavLst>
                                     </p:anim>
-                                  </p:childTnLst>
-                                </p:cTn>
-                              </p:par>
-                            </p:childTnLst>
-                          </p:cTn>
-                        </p:par>
-                      </p:childTnLst>
-                    </p:cTn>
-                  </p:par>
-                  <p:par>
-                    <p:cTn id="41" fill="hold">
-                      <p:stCondLst>
-                        <p:cond delay="indefinite"/>
-                      </p:stCondLst>
-                      <p:childTnLst>
-                        <p:par>
-                          <p:cTn id="42" fill="hold">
-                            <p:stCondLst>
-                              <p:cond delay="0"/>
-                            </p:stCondLst>
-                            <p:childTnLst>
-                              <p:par>
-                                <p:cTn id="43" presetID="1" presetClass="entr" presetSubtype="0" fill="hold" nodeType="clickEffect">
-                                  <p:stCondLst>
-                                    <p:cond delay="0"/>
-                                  </p:stCondLst>
-                                  <p:childTnLst>
-                                    <p:set>
-                                      <p:cBhvr>
-                                        <p:cTn id="44" dur="1" fill="hold">
-                                          <p:stCondLst>
-                                            <p:cond delay="0"/>
-                                          </p:stCondLst>
-                                        </p:cTn>
-                                        <p:tgtEl>
-                                          <p:spTgt spid="28"/>
-                                        </p:tgtEl>
-                                        <p:attrNameLst>
-                                          <p:attrName>style.visibility</p:attrName>
-                                        </p:attrNameLst>
-                                      </p:cBhvr>
-                                      <p:to>
-                                        <p:strVal val="visible"/>
-                                      </p:to>
-                                    </p:set>
                                   </p:childTnLst>
                                 </p:cTn>
                               </p:par>
@@ -12726,8 +17616,8 @@
         </p:nvSpPr>
         <p:spPr bwMode="auto">
           <a:xfrm>
-            <a:off x="2205037" y="1475398"/>
-            <a:ext cx="7472363" cy="954107"/>
+            <a:off x="2205037" y="1336899"/>
+            <a:ext cx="7472363" cy="1231106"/>
           </a:xfrm>
           <a:prstGeom prst="rect">
             <a:avLst/>
@@ -12841,7 +17731,9 @@
                   <a:schemeClr val="tx1"/>
                 </a:solidFill>
                 <a:effectLst/>
-                <a:latin typeface="Arial" panose="020B0604020202020204" pitchFamily="34" charset="0"/>
+                <a:latin typeface="Open Sans" pitchFamily="2" charset="0"/>
+                <a:ea typeface="Open Sans" pitchFamily="2" charset="0"/>
+                <a:cs typeface="Open Sans" pitchFamily="2" charset="0"/>
               </a:rPr>
               <a:t>Motor de plantillas en Python. Utilizado para generar dinámicamente contratos e informes en HTML antes de convertirlos a PDF.</a:t>
             </a:r>
@@ -13360,13 +18252,13 @@
   <p:clrMapOvr>
     <a:masterClrMapping/>
   </p:clrMapOvr>
-  <mc:AlternateContent xmlns:mc="http://schemas.openxmlformats.org/markup-compatibility/2006">
-    <mc:Choice xmlns:p14="http://schemas.microsoft.com/office/powerpoint/2010/main" Requires="p14">
+  <mc:AlternateContent xmlns:mc="http://schemas.openxmlformats.org/markup-compatibility/2006" xmlns:p14="http://schemas.microsoft.com/office/powerpoint/2010/main">
+    <mc:Choice Requires="p14">
       <p:transition spd="slow" p14:dur="1250">
         <p14:flip dir="r"/>
       </p:transition>
     </mc:Choice>
-    <mc:Fallback>
+    <mc:Fallback xmlns="">
       <p:transition spd="slow">
         <p:fade/>
       </p:transition>
@@ -13560,7 +18452,7 @@
                             </p:stCondLst>
                             <p:childTnLst>
                               <p:par>
-                                <p:cTn id="15" presetID="2" presetClass="entr" presetSubtype="2" fill="hold" nodeType="clickEffect">
+                                <p:cTn id="15" presetID="1" presetClass="entr" presetSubtype="0" fill="hold" nodeType="clickEffect">
                                   <p:stCondLst>
                                     <p:cond delay="0"/>
                                   </p:stCondLst>
@@ -13573,6 +18465,33 @@
                                           </p:stCondLst>
                                         </p:cTn>
                                         <p:tgtEl>
+                                          <p:spTgt spid="20"/>
+                                        </p:tgtEl>
+                                        <p:attrNameLst>
+                                          <p:attrName>style.visibility</p:attrName>
+                                        </p:attrNameLst>
+                                      </p:cBhvr>
+                                      <p:to>
+                                        <p:strVal val="visible"/>
+                                      </p:to>
+                                    </p:set>
+                                  </p:childTnLst>
+                                </p:cTn>
+                              </p:par>
+                              <p:par>
+                                <p:cTn id="17" presetID="2" presetClass="entr" presetSubtype="2" fill="hold" nodeType="withEffect">
+                                  <p:stCondLst>
+                                    <p:cond delay="0"/>
+                                  </p:stCondLst>
+                                  <p:childTnLst>
+                                    <p:set>
+                                      <p:cBhvr>
+                                        <p:cTn id="18" dur="1" fill="hold">
+                                          <p:stCondLst>
+                                            <p:cond delay="0"/>
+                                          </p:stCondLst>
+                                        </p:cTn>
+                                        <p:tgtEl>
                                           <p:spTgt spid="17"/>
                                         </p:tgtEl>
                                         <p:attrNameLst>
@@ -13585,7 +18504,7 @@
                                     </p:set>
                                     <p:anim calcmode="lin" valueType="num">
                                       <p:cBhvr additive="base">
-                                        <p:cTn id="17" dur="500" fill="hold"/>
+                                        <p:cTn id="19" dur="500" fill="hold"/>
                                         <p:tgtEl>
                                           <p:spTgt spid="17"/>
                                         </p:tgtEl>
@@ -13608,7 +18527,7 @@
                                     </p:anim>
                                     <p:anim calcmode="lin" valueType="num">
                                       <p:cBhvr additive="base">
-                                        <p:cTn id="18" dur="500" fill="hold"/>
+                                        <p:cTn id="20" dur="500" fill="hold"/>
                                         <p:tgtEl>
                                           <p:spTgt spid="17"/>
                                         </p:tgtEl>
@@ -13633,14 +18552,14 @@
                                 </p:cTn>
                               </p:par>
                               <p:par>
-                                <p:cTn id="19" presetID="2" presetClass="entr" presetSubtype="2" fill="hold" grpId="0" nodeType="withEffect">
+                                <p:cTn id="21" presetID="2" presetClass="entr" presetSubtype="2" fill="hold" grpId="0" nodeType="withEffect">
                                   <p:stCondLst>
                                     <p:cond delay="0"/>
                                   </p:stCondLst>
                                   <p:childTnLst>
                                     <p:set>
                                       <p:cBhvr>
-                                        <p:cTn id="20" dur="1" fill="hold">
+                                        <p:cTn id="22" dur="1" fill="hold">
                                           <p:stCondLst>
                                             <p:cond delay="0"/>
                                           </p:stCondLst>
@@ -13658,7 +18577,7 @@
                                     </p:set>
                                     <p:anim calcmode="lin" valueType="num">
                                       <p:cBhvr additive="base">
-                                        <p:cTn id="21" dur="500" fill="hold"/>
+                                        <p:cTn id="23" dur="500" fill="hold"/>
                                         <p:tgtEl>
                                           <p:spTgt spid="6"/>
                                         </p:tgtEl>
@@ -13681,7 +18600,7 @@
                                     </p:anim>
                                     <p:anim calcmode="lin" valueType="num">
                                       <p:cBhvr additive="base">
-                                        <p:cTn id="22" dur="500" fill="hold"/>
+                                        <p:cTn id="24" dur="500" fill="hold"/>
                                         <p:tgtEl>
                                           <p:spTgt spid="6"/>
                                         </p:tgtEl>
@@ -13712,32 +18631,32 @@
                     </p:cTn>
                   </p:par>
                   <p:par>
-                    <p:cTn id="23" fill="hold">
+                    <p:cTn id="25" fill="hold">
                       <p:stCondLst>
                         <p:cond delay="indefinite"/>
                       </p:stCondLst>
                       <p:childTnLst>
                         <p:par>
-                          <p:cTn id="24" fill="hold">
+                          <p:cTn id="26" fill="hold">
                             <p:stCondLst>
                               <p:cond delay="0"/>
                             </p:stCondLst>
                             <p:childTnLst>
                               <p:par>
-                                <p:cTn id="25" presetID="1" presetClass="entr" presetSubtype="0" fill="hold" nodeType="clickEffect">
+                                <p:cTn id="27" presetID="1" presetClass="entr" presetSubtype="0" fill="hold" nodeType="clickEffect">
                                   <p:stCondLst>
                                     <p:cond delay="0"/>
                                   </p:stCondLst>
                                   <p:childTnLst>
                                     <p:set>
                                       <p:cBhvr>
-                                        <p:cTn id="26" dur="1" fill="hold">
+                                        <p:cTn id="28" dur="1" fill="hold">
                                           <p:stCondLst>
                                             <p:cond delay="0"/>
                                           </p:stCondLst>
                                         </p:cTn>
                                         <p:tgtEl>
-                                          <p:spTgt spid="20"/>
+                                          <p:spTgt spid="21"/>
                                         </p:tgtEl>
                                         <p:attrNameLst>
                                           <p:attrName>style.visibility</p:attrName>
@@ -13750,26 +18669,8 @@
                                   </p:childTnLst>
                                 </p:cTn>
                               </p:par>
-                            </p:childTnLst>
-                          </p:cTn>
-                        </p:par>
-                      </p:childTnLst>
-                    </p:cTn>
-                  </p:par>
-                  <p:par>
-                    <p:cTn id="27" fill="hold">
-                      <p:stCondLst>
-                        <p:cond delay="indefinite"/>
-                      </p:stCondLst>
-                      <p:childTnLst>
-                        <p:par>
-                          <p:cTn id="28" fill="hold">
-                            <p:stCondLst>
-                              <p:cond delay="0"/>
-                            </p:stCondLst>
-                            <p:childTnLst>
                               <p:par>
-                                <p:cTn id="29" presetID="2" presetClass="entr" presetSubtype="8" fill="hold" grpId="0" nodeType="clickEffect">
+                                <p:cTn id="29" presetID="2" presetClass="entr" presetSubtype="8" fill="hold" grpId="0" nodeType="withEffect">
                                   <p:stCondLst>
                                     <p:cond delay="0"/>
                                   </p:stCondLst>
@@ -13911,51 +18812,6 @@
                                         </p:tav>
                                       </p:tavLst>
                                     </p:anim>
-                                  </p:childTnLst>
-                                </p:cTn>
-                              </p:par>
-                            </p:childTnLst>
-                          </p:cTn>
-                        </p:par>
-                      </p:childTnLst>
-                    </p:cTn>
-                  </p:par>
-                  <p:par>
-                    <p:cTn id="37" fill="hold">
-                      <p:stCondLst>
-                        <p:cond delay="indefinite"/>
-                      </p:stCondLst>
-                      <p:childTnLst>
-                        <p:par>
-                          <p:cTn id="38" fill="hold">
-                            <p:stCondLst>
-                              <p:cond delay="0"/>
-                            </p:stCondLst>
-                            <p:childTnLst>
-                              <p:par>
-                                <p:cTn id="39" presetID="1" presetClass="entr" presetSubtype="0" fill="hold" nodeType="clickEffect">
-                                  <p:stCondLst>
-                                    <p:cond delay="0"/>
-                                  </p:stCondLst>
-                                  <p:childTnLst>
-                                    <p:set>
-                                      <p:cBhvr>
-                                        <p:cTn id="40" dur="1" fill="hold">
-                                          <p:stCondLst>
-                                            <p:cond delay="0"/>
-                                          </p:stCondLst>
-                                        </p:cTn>
-                                        <p:tgtEl>
-                                          <p:spTgt spid="21"/>
-                                        </p:tgtEl>
-                                        <p:attrNameLst>
-                                          <p:attrName>style.visibility</p:attrName>
-                                        </p:attrNameLst>
-                                      </p:cBhvr>
-                                      <p:to>
-                                        <p:strVal val="visible"/>
-                                      </p:to>
-                                    </p:set>
                                   </p:childTnLst>
                                 </p:cTn>
                               </p:par>
